--- a/MEDD-SIM-Pitch-Deck.pptx
+++ b/MEDD-SIM-Pitch-Deck.pptx
@@ -14,10 +14,6 @@
     <p:sldId id="262" r:id="rId13"/>
     <p:sldId id="263" r:id="rId14"/>
     <p:sldId id="264" r:id="rId15"/>
-    <p:sldId id="265" r:id="rId16"/>
-    <p:sldId id="266" r:id="rId17"/>
-    <p:sldId id="267" r:id="rId18"/>
-    <p:sldId id="268" r:id="rId19"/>
   </p:sldIdLst>
   <p:sldSz cx="12191695" cy="6858000" type="screen4x3"/>
   <p:notesSz cx="6858000" cy="9144000"/>
@@ -3116,8 +3112,8 @@
         </p:nvSpPr>
         <p:spPr>
           <a:xfrm>
-            <a:off x="1828800" y="1828800"/>
-            <a:ext cx="8229600" cy="1371600"/>
+            <a:off x="0" y="2286000"/>
+            <a:ext cx="12191695" cy="914400"/>
           </a:xfrm>
           <a:prstGeom prst="rect">
             <a:avLst/>
@@ -3135,6 +3131,7 @@
                 <a:solidFill>
                   <a:srgbClr val="0D6B56"/>
                 </a:solidFill>
+                <a:latin typeface="Arial"/>
               </a:defRPr>
             </a:pPr>
             <a:r>
@@ -3152,7 +3149,7 @@
         <p:spPr>
           <a:xfrm>
             <a:off x="1371600" y="4114800"/>
-            <a:ext cx="9144000" cy="1828800"/>
+            <a:ext cx="9448495" cy="1371600"/>
           </a:xfrm>
           <a:prstGeom prst="rect">
             <a:avLst/>
@@ -3168,8 +3165,9 @@
             <a:pPr algn="ctr">
               <a:defRPr sz="2400" b="0">
                 <a:solidFill>
-                  <a:srgbClr val="0D6B56"/>
-                </a:solidFill>
+                  <a:srgbClr val="1A1A1A"/>
+                </a:solidFill>
+                <a:latin typeface="Arial"/>
               </a:defRPr>
             </a:pPr>
             <a:r>
@@ -3178,968 +3176,6 @@
             <a:br/>
             <a:r>
               <a:t>before they matter.</a:t>
-            </a:r>
-          </a:p>
-        </p:txBody>
-      </p:sp>
-    </p:spTree>
-  </p:cSld>
-  <p:clrMapOvr>
-    <a:masterClrMapping/>
-  </p:clrMapOvr>
-</p:sld>
-</file>
-
-<file path=ppt/slides/slide10.xml><?xml version="1.0" encoding="utf-8"?>
-<p:sld xmlns:a="http://schemas.openxmlformats.org/drawingml/2006/main" xmlns:p="http://schemas.openxmlformats.org/presentationml/2006/main" xmlns:r="http://schemas.openxmlformats.org/officeDocument/2006/relationships">
-  <p:cSld>
-    <p:bg>
-      <p:bgPr>
-        <a:solidFill>
-          <a:srgbClr val="3D3D3D"/>
-        </a:solidFill>
-        <a:effectLst/>
-      </p:bgPr>
-    </p:bg>
-    <p:spTree>
-      <p:nvGrpSpPr>
-        <p:cNvPr id="1" name=""/>
-        <p:cNvGrpSpPr/>
-        <p:nvPr/>
-      </p:nvGrpSpPr>
-      <p:grpSpPr/>
-      <p:sp>
-        <p:nvSpPr>
-          <p:cNvPr id="2" name="TextBox 1"/>
-          <p:cNvSpPr txBox="1"/>
-          <p:nvPr/>
-        </p:nvSpPr>
-        <p:spPr>
-          <a:xfrm>
-            <a:off x="457200" y="274320"/>
-            <a:ext cx="2743200" cy="731520"/>
-          </a:xfrm>
-          <a:prstGeom prst="rect">
-            <a:avLst/>
-          </a:prstGeom>
-          <a:noFill/>
-        </p:spPr>
-        <p:txBody>
-          <a:bodyPr wrap="square">
-            <a:spAutoFit/>
-          </a:bodyPr>
-          <a:lstStyle/>
-          <a:p>
-            <a:pPr algn="l">
-              <a:defRPr sz="3600" b="1">
-                <a:solidFill>
-                  <a:srgbClr val="FFFFFF"/>
-                </a:solidFill>
-              </a:defRPr>
-            </a:pPr>
-            <a:r>
-              <a:t>Pricing</a:t>
-            </a:r>
-          </a:p>
-        </p:txBody>
-      </p:sp>
-      <p:sp>
-        <p:nvSpPr>
-          <p:cNvPr id="3" name="Oval 2"/>
-          <p:cNvSpPr/>
-          <p:nvPr/>
-        </p:nvSpPr>
-        <p:spPr>
-          <a:xfrm>
-            <a:off x="4572000" y="274320"/>
-            <a:ext cx="1828800" cy="1828800"/>
-          </a:xfrm>
-          <a:prstGeom prst="ellipse">
-            <a:avLst/>
-          </a:prstGeom>
-          <a:solidFill>
-            <a:srgbClr val="C7F464"/>
-          </a:solidFill>
-          <a:ln>
-            <a:noFill/>
-          </a:ln>
-        </p:spPr>
-        <p:style>
-          <a:lnRef idx="1">
-            <a:schemeClr val="accent1"/>
-          </a:lnRef>
-          <a:fillRef idx="3">
-            <a:schemeClr val="accent1"/>
-          </a:fillRef>
-          <a:effectRef idx="2">
-            <a:schemeClr val="accent1"/>
-          </a:effectRef>
-          <a:fontRef idx="minor">
-            <a:schemeClr val="lt1"/>
-          </a:fontRef>
-        </p:style>
-        <p:txBody>
-          <a:bodyPr rtlCol="0" anchor="ctr"/>
-          <a:lstStyle/>
-          <a:p>
-            <a:pPr algn="ctr">
-              <a:defRPr sz="1400" b="1">
-                <a:solidFill>
-                  <a:srgbClr val="0D6B56"/>
-                </a:solidFill>
-              </a:defRPr>
-            </a:pPr>
-            <a:r>
-              <a:t>AFFORDABLE</a:t>
-            </a:r>
-          </a:p>
-        </p:txBody>
-      </p:sp>
-      <p:sp>
-        <p:nvSpPr>
-          <p:cNvPr id="4" name="TextBox 3"/>
-          <p:cNvSpPr txBox="1"/>
-          <p:nvPr/>
-        </p:nvSpPr>
-        <p:spPr>
-          <a:xfrm>
-            <a:off x="457200" y="2286000"/>
-            <a:ext cx="3657600" cy="457200"/>
-          </a:xfrm>
-          <a:prstGeom prst="rect">
-            <a:avLst/>
-          </a:prstGeom>
-          <a:noFill/>
-        </p:spPr>
-        <p:txBody>
-          <a:bodyPr wrap="square">
-            <a:spAutoFit/>
-          </a:bodyPr>
-          <a:lstStyle/>
-          <a:p>
-            <a:pPr algn="l">
-              <a:defRPr sz="1400" b="1">
-                <a:solidFill>
-                  <a:srgbClr val="FFFFFF"/>
-                </a:solidFill>
-              </a:defRPr>
-            </a:pPr>
-            <a:r>
-              <a:t>Essential — $39/user/month</a:t>
-            </a:r>
-          </a:p>
-        </p:txBody>
-      </p:sp>
-      <p:sp>
-        <p:nvSpPr>
-          <p:cNvPr id="5" name="TextBox 4"/>
-          <p:cNvSpPr txBox="1"/>
-          <p:nvPr/>
-        </p:nvSpPr>
-        <p:spPr>
-          <a:xfrm>
-            <a:off x="457200" y="2834640"/>
-            <a:ext cx="3657600" cy="3657600"/>
-          </a:xfrm>
-          <a:prstGeom prst="rect">
-            <a:avLst/>
-          </a:prstGeom>
-          <a:noFill/>
-        </p:spPr>
-        <p:txBody>
-          <a:bodyPr wrap="square">
-            <a:spAutoFit/>
-          </a:bodyPr>
-          <a:lstStyle/>
-          <a:p>
-            <a:pPr algn="l">
-              <a:defRPr sz="1000" b="0">
-                <a:solidFill>
-                  <a:srgbClr val="FFFFFF"/>
-                </a:solidFill>
-              </a:defRPr>
-            </a:pPr>
-            <a:r>
-              <a:t>Best for individual users and small teams</a:t>
-            </a:r>
-            <a:br/>
-            <a:br/>
-            <a:r>
-              <a:t>• 10 mins video / 60 mins audio per user/month</a:t>
-            </a:r>
-            <a:br/>
-            <a:r>
-              <a:t>• Unlimited agent types</a:t>
-            </a:r>
-            <a:br/>
-            <a:r>
-              <a:t>• Learning pathways</a:t>
-            </a:r>
-            <a:br/>
-            <a:r>
-              <a:t>• Templates + custom rubrics</a:t>
-            </a:r>
-            <a:br/>
-            <a:r>
-              <a:t>• Content Studio: 2 sessions/month</a:t>
-            </a:r>
-            <a:br/>
-            <a:r>
-              <a:t>• Email support</a:t>
-            </a:r>
-            <a:br/>
-            <a:br/>
-            <a:r>
-              <a:t>Overage: $0.59(V)-$0.16(A)/min</a:t>
-            </a:r>
-          </a:p>
-        </p:txBody>
-      </p:sp>
-      <p:sp>
-        <p:nvSpPr>
-          <p:cNvPr id="6" name="TextBox 5"/>
-          <p:cNvSpPr txBox="1"/>
-          <p:nvPr/>
-        </p:nvSpPr>
-        <p:spPr>
-          <a:xfrm>
-            <a:off x="4389120" y="2286000"/>
-            <a:ext cx="3657600" cy="457200"/>
-          </a:xfrm>
-          <a:prstGeom prst="rect">
-            <a:avLst/>
-          </a:prstGeom>
-          <a:noFill/>
-        </p:spPr>
-        <p:txBody>
-          <a:bodyPr wrap="square">
-            <a:spAutoFit/>
-          </a:bodyPr>
-          <a:lstStyle/>
-          <a:p>
-            <a:pPr algn="l">
-              <a:defRPr sz="1400" b="1">
-                <a:solidFill>
-                  <a:srgbClr val="FFFFFF"/>
-                </a:solidFill>
-              </a:defRPr>
-            </a:pPr>
-            <a:r>
-              <a:t>Professional — $79/user/month</a:t>
-            </a:r>
-          </a:p>
-        </p:txBody>
-      </p:sp>
-      <p:sp>
-        <p:nvSpPr>
-          <p:cNvPr id="7" name="TextBox 6"/>
-          <p:cNvSpPr txBox="1"/>
-          <p:nvPr/>
-        </p:nvSpPr>
-        <p:spPr>
-          <a:xfrm>
-            <a:off x="4389120" y="2834640"/>
-            <a:ext cx="3657600" cy="3657600"/>
-          </a:xfrm>
-          <a:prstGeom prst="rect">
-            <a:avLst/>
-          </a:prstGeom>
-          <a:noFill/>
-        </p:spPr>
-        <p:txBody>
-          <a:bodyPr wrap="square">
-            <a:spAutoFit/>
-          </a:bodyPr>
-          <a:lstStyle/>
-          <a:p>
-            <a:pPr algn="l">
-              <a:defRPr sz="1000" b="0">
-                <a:solidFill>
-                  <a:srgbClr val="FFFFFF"/>
-                </a:solidFill>
-              </a:defRPr>
-            </a:pPr>
-            <a:r>
-              <a:t>Best for coordinated training programs</a:t>
-            </a:r>
-            <a:br/>
-            <a:br/>
-            <a:r>
-              <a:t>• Pooled: 25 mins video × seats/month</a:t>
-            </a:r>
-            <a:br/>
-            <a:r>
-              <a:t>• 90 mins audio × seats/month</a:t>
-            </a:r>
-            <a:br/>
-            <a:r>
-              <a:t>• Everything in Essential</a:t>
-            </a:r>
-            <a:br/>
-            <a:r>
-              <a:t>• Team analytics + gamification</a:t>
-            </a:r>
-            <a:br/>
-            <a:r>
-              <a:t>• Pooled Content Studio</a:t>
-            </a:r>
-            <a:br/>
-            <a:r>
-              <a:t>• Email + message support</a:t>
-            </a:r>
-            <a:br/>
-            <a:br/>
-            <a:r>
-              <a:t>Overage: $0.37(V)-$0.11(A)/min</a:t>
-            </a:r>
-          </a:p>
-        </p:txBody>
-      </p:sp>
-      <p:sp>
-        <p:nvSpPr>
-          <p:cNvPr id="8" name="TextBox 7"/>
-          <p:cNvSpPr txBox="1"/>
-          <p:nvPr/>
-        </p:nvSpPr>
-        <p:spPr>
-          <a:xfrm>
-            <a:off x="8321040" y="2286000"/>
-            <a:ext cx="3657600" cy="457200"/>
-          </a:xfrm>
-          <a:prstGeom prst="rect">
-            <a:avLst/>
-          </a:prstGeom>
-          <a:noFill/>
-        </p:spPr>
-        <p:txBody>
-          <a:bodyPr wrap="square">
-            <a:spAutoFit/>
-          </a:bodyPr>
-          <a:lstStyle/>
-          <a:p>
-            <a:pPr algn="l">
-              <a:defRPr sz="1400" b="1">
-                <a:solidFill>
-                  <a:srgbClr val="FFFFFF"/>
-                </a:solidFill>
-              </a:defRPr>
-            </a:pPr>
-            <a:r>
-              <a:t>Enterprise — Custom</a:t>
-            </a:r>
-          </a:p>
-        </p:txBody>
-      </p:sp>
-      <p:sp>
-        <p:nvSpPr>
-          <p:cNvPr id="9" name="TextBox 8"/>
-          <p:cNvSpPr txBox="1"/>
-          <p:nvPr/>
-        </p:nvSpPr>
-        <p:spPr>
-          <a:xfrm>
-            <a:off x="8321040" y="2834640"/>
-            <a:ext cx="3657600" cy="3657600"/>
-          </a:xfrm>
-          <a:prstGeom prst="rect">
-            <a:avLst/>
-          </a:prstGeom>
-          <a:noFill/>
-        </p:spPr>
-        <p:txBody>
-          <a:bodyPr wrap="square">
-            <a:spAutoFit/>
-          </a:bodyPr>
-          <a:lstStyle/>
-          <a:p>
-            <a:pPr algn="l">
-              <a:defRPr sz="1000" b="0">
-                <a:solidFill>
-                  <a:srgbClr val="FFFFFF"/>
-                </a:solidFill>
-              </a:defRPr>
-            </a:pPr>
-            <a:r>
-              <a:t>Best for organisations</a:t>
-            </a:r>
-            <a:br/>
-            <a:br/>
-            <a:r>
-              <a:t>• Custom instance</a:t>
-            </a:r>
-            <a:br/>
-            <a:r>
-              <a:t>• High pooled allowances</a:t>
-            </a:r>
-            <a:br/>
-            <a:r>
-              <a:t>• SSO &amp; advanced governance</a:t>
-            </a:r>
-            <a:br/>
-            <a:r>
-              <a:t>• Volume rates</a:t>
-            </a:r>
-            <a:br/>
-            <a:r>
-              <a:t>• Dedicated success manager</a:t>
-            </a:r>
-            <a:br/>
-            <a:r>
-              <a:t>• Phone support</a:t>
-            </a:r>
-          </a:p>
-        </p:txBody>
-      </p:sp>
-    </p:spTree>
-  </p:cSld>
-  <p:clrMapOvr>
-    <a:masterClrMapping/>
-  </p:clrMapOvr>
-</p:sld>
-</file>
-
-<file path=ppt/slides/slide11.xml><?xml version="1.0" encoding="utf-8"?>
-<p:sld xmlns:a="http://schemas.openxmlformats.org/drawingml/2006/main" xmlns:p="http://schemas.openxmlformats.org/presentationml/2006/main" xmlns:r="http://schemas.openxmlformats.org/officeDocument/2006/relationships">
-  <p:cSld>
-    <p:bg>
-      <p:bgPr>
-        <a:solidFill>
-          <a:srgbClr val="3D3D3D"/>
-        </a:solidFill>
-        <a:effectLst/>
-      </p:bgPr>
-    </p:bg>
-    <p:spTree>
-      <p:nvGrpSpPr>
-        <p:cNvPr id="1" name=""/>
-        <p:cNvGrpSpPr/>
-        <p:nvPr/>
-      </p:nvGrpSpPr>
-      <p:grpSpPr/>
-      <p:sp>
-        <p:nvSpPr>
-          <p:cNvPr id="2" name="TextBox 1"/>
-          <p:cNvSpPr txBox="1"/>
-          <p:nvPr/>
-        </p:nvSpPr>
-        <p:spPr>
-          <a:xfrm>
-            <a:off x="457200" y="274320"/>
-            <a:ext cx="2743200" cy="365760"/>
-          </a:xfrm>
-          <a:prstGeom prst="rect">
-            <a:avLst/>
-          </a:prstGeom>
-          <a:noFill/>
-        </p:spPr>
-        <p:txBody>
-          <a:bodyPr wrap="square">
-            <a:spAutoFit/>
-          </a:bodyPr>
-          <a:lstStyle/>
-          <a:p>
-            <a:pPr algn="l">
-              <a:defRPr sz="1600" b="0">
-                <a:solidFill>
-                  <a:srgbClr val="C7F464"/>
-                </a:solidFill>
-              </a:defRPr>
-            </a:pPr>
-            <a:r>
-              <a:t>Content Studio</a:t>
-            </a:r>
-          </a:p>
-        </p:txBody>
-      </p:sp>
-      <p:sp>
-        <p:nvSpPr>
-          <p:cNvPr id="3" name="TextBox 2"/>
-          <p:cNvSpPr txBox="1"/>
-          <p:nvPr/>
-        </p:nvSpPr>
-        <p:spPr>
-          <a:xfrm>
-            <a:off x="457200" y="640080"/>
-            <a:ext cx="4572000" cy="914400"/>
-          </a:xfrm>
-          <a:prstGeom prst="rect">
-            <a:avLst/>
-          </a:prstGeom>
-          <a:noFill/>
-        </p:spPr>
-        <p:txBody>
-          <a:bodyPr wrap="square">
-            <a:spAutoFit/>
-          </a:bodyPr>
-          <a:lstStyle/>
-          <a:p>
-            <a:pPr algn="l">
-              <a:defRPr sz="2800" b="1">
-                <a:solidFill>
-                  <a:srgbClr val="FFFFFF"/>
-                </a:solidFill>
-              </a:defRPr>
-            </a:pPr>
-            <a:r>
-              <a:t>Generate learning materials in seconds</a:t>
-            </a:r>
-          </a:p>
-        </p:txBody>
-      </p:sp>
-      <p:sp>
-        <p:nvSpPr>
-          <p:cNvPr id="4" name="TextBox 3"/>
-          <p:cNvSpPr txBox="1"/>
-          <p:nvPr/>
-        </p:nvSpPr>
-        <p:spPr>
-          <a:xfrm>
-            <a:off x="457200" y="1828800"/>
-            <a:ext cx="4572000" cy="2286000"/>
-          </a:xfrm>
-          <a:prstGeom prst="rect">
-            <a:avLst/>
-          </a:prstGeom>
-          <a:noFill/>
-        </p:spPr>
-        <p:txBody>
-          <a:bodyPr wrap="square">
-            <a:spAutoFit/>
-          </a:bodyPr>
-          <a:lstStyle/>
-          <a:p>
-            <a:pPr algn="l">
-              <a:defRPr sz="1400" b="0">
-                <a:solidFill>
-                  <a:srgbClr val="FFFFFF"/>
-                </a:solidFill>
-              </a:defRPr>
-            </a:pPr>
-            <a:r>
-              <a:t>Create podcasts, flashcards, quizzes, mind maps, summaries, FAQs, briefings, and more — all from your source content.</a:t>
-            </a:r>
-            <a:br/>
-            <a:br/>
-            <a:r>
-              <a:t>• Healthcare, Sales, Coaching content types</a:t>
-            </a:r>
-            <a:br/>
-            <a:r>
-              <a:t>• Brief, Standard, or Detailed outputs</a:t>
-            </a:r>
-            <a:br/>
-            <a:r>
-              <a:t>• Custom instructions for regeneration</a:t>
-            </a:r>
-          </a:p>
-        </p:txBody>
-      </p:sp>
-      <p:pic>
-        <p:nvPicPr>
-          <p:cNvPr id="5" name="Picture 4" descr="content-studio.png"/>
-          <p:cNvPicPr>
-            <a:picLocks noChangeAspect="1"/>
-          </p:cNvPicPr>
-          <p:nvPr/>
-        </p:nvPicPr>
-        <p:blipFill>
-          <a:blip r:embed="rId2"/>
-          <a:stretch>
-            <a:fillRect/>
-          </a:stretch>
-        </p:blipFill>
-        <p:spPr>
-          <a:xfrm>
-            <a:off x="5943600" y="457200"/>
-            <a:ext cx="5760720" cy="5125587"/>
-          </a:xfrm>
-          <a:prstGeom prst="rect">
-            <a:avLst/>
-          </a:prstGeom>
-        </p:spPr>
-      </p:pic>
-    </p:spTree>
-  </p:cSld>
-  <p:clrMapOvr>
-    <a:masterClrMapping/>
-  </p:clrMapOvr>
-</p:sld>
-</file>
-
-<file path=ppt/slides/slide12.xml><?xml version="1.0" encoding="utf-8"?>
-<p:sld xmlns:a="http://schemas.openxmlformats.org/drawingml/2006/main" xmlns:p="http://schemas.openxmlformats.org/presentationml/2006/main" xmlns:r="http://schemas.openxmlformats.org/officeDocument/2006/relationships">
-  <p:cSld>
-    <p:bg>
-      <p:bgPr>
-        <a:solidFill>
-          <a:srgbClr val="3D3D3D"/>
-        </a:solidFill>
-        <a:effectLst/>
-      </p:bgPr>
-    </p:bg>
-    <p:spTree>
-      <p:nvGrpSpPr>
-        <p:cNvPr id="1" name=""/>
-        <p:cNvGrpSpPr/>
-        <p:nvPr/>
-      </p:nvGrpSpPr>
-      <p:grpSpPr/>
-      <p:sp>
-        <p:nvSpPr>
-          <p:cNvPr id="2" name="TextBox 1"/>
-          <p:cNvSpPr txBox="1"/>
-          <p:nvPr/>
-        </p:nvSpPr>
-        <p:spPr>
-          <a:xfrm>
-            <a:off x="457200" y="274320"/>
-            <a:ext cx="2743200" cy="365760"/>
-          </a:xfrm>
-          <a:prstGeom prst="rect">
-            <a:avLst/>
-          </a:prstGeom>
-          <a:noFill/>
-        </p:spPr>
-        <p:txBody>
-          <a:bodyPr wrap="square">
-            <a:spAutoFit/>
-          </a:bodyPr>
-          <a:lstStyle/>
-          <a:p>
-            <a:pPr algn="l">
-              <a:defRPr sz="1600" b="0">
-                <a:solidFill>
-                  <a:srgbClr val="C7F464"/>
-                </a:solidFill>
-              </a:defRPr>
-            </a:pPr>
-            <a:r>
-              <a:t>Agent Builder</a:t>
-            </a:r>
-          </a:p>
-        </p:txBody>
-      </p:sp>
-      <p:sp>
-        <p:nvSpPr>
-          <p:cNvPr id="3" name="TextBox 2"/>
-          <p:cNvSpPr txBox="1"/>
-          <p:nvPr/>
-        </p:nvSpPr>
-        <p:spPr>
-          <a:xfrm>
-            <a:off x="457200" y="640080"/>
-            <a:ext cx="4572000" cy="914400"/>
-          </a:xfrm>
-          <a:prstGeom prst="rect">
-            <a:avLst/>
-          </a:prstGeom>
-          <a:noFill/>
-        </p:spPr>
-        <p:txBody>
-          <a:bodyPr wrap="square">
-            <a:spAutoFit/>
-          </a:bodyPr>
-          <a:lstStyle/>
-          <a:p>
-            <a:pPr algn="l">
-              <a:defRPr sz="2800" b="1">
-                <a:solidFill>
-                  <a:srgbClr val="FFFFFF"/>
-                </a:solidFill>
-              </a:defRPr>
-            </a:pPr>
-            <a:r>
-              <a:t>Create custom AI agents with full control</a:t>
-            </a:r>
-          </a:p>
-        </p:txBody>
-      </p:sp>
-      <p:sp>
-        <p:nvSpPr>
-          <p:cNvPr id="4" name="TextBox 3"/>
-          <p:cNvSpPr txBox="1"/>
-          <p:nvPr/>
-        </p:nvSpPr>
-        <p:spPr>
-          <a:xfrm>
-            <a:off x="457200" y="1828800"/>
-            <a:ext cx="4572000" cy="2286000"/>
-          </a:xfrm>
-          <a:prstGeom prst="rect">
-            <a:avLst/>
-          </a:prstGeom>
-          <a:noFill/>
-        </p:spPr>
-        <p:txBody>
-          <a:bodyPr wrap="square">
-            <a:spAutoFit/>
-          </a:bodyPr>
-          <a:lstStyle/>
-          <a:p>
-            <a:pPr algn="l">
-              <a:defRPr sz="1400" b="0">
-                <a:solidFill>
-                  <a:srgbClr val="FFFFFF"/>
-                </a:solidFill>
-              </a:defRPr>
-            </a:pPr>
-            <a:r>
-              <a:t>Define preparation context, simulation objectives, evaluation rubrics, and coaching styles — all in one intuitive interface.</a:t>
-            </a:r>
-            <a:br/>
-            <a:br/>
-            <a:r>
-              <a:t>• Custom evaluation criteria with weighted scoring</a:t>
-            </a:r>
-            <a:br/>
-            <a:r>
-              <a:t>• 6 coaching styles: Challenger to Facilitative</a:t>
-            </a:r>
-            <a:br/>
-            <a:r>
-              <a:t>• Configurable difficulty and duration</a:t>
-            </a:r>
-          </a:p>
-        </p:txBody>
-      </p:sp>
-      <p:pic>
-        <p:nvPicPr>
-          <p:cNvPr id="5" name="Picture 4" descr="agent-create.png"/>
-          <p:cNvPicPr>
-            <a:picLocks noChangeAspect="1"/>
-          </p:cNvPicPr>
-          <p:nvPr/>
-        </p:nvPicPr>
-        <p:blipFill>
-          <a:blip r:embed="rId2"/>
-          <a:stretch>
-            <a:fillRect/>
-          </a:stretch>
-        </p:blipFill>
-        <p:spPr>
-          <a:xfrm>
-            <a:off x="5943600" y="457200"/>
-            <a:ext cx="4068272" cy="5943600"/>
-          </a:xfrm>
-          <a:prstGeom prst="rect">
-            <a:avLst/>
-          </a:prstGeom>
-        </p:spPr>
-      </p:pic>
-    </p:spTree>
-  </p:cSld>
-  <p:clrMapOvr>
-    <a:masterClrMapping/>
-  </p:clrMapOvr>
-</p:sld>
-</file>
-
-<file path=ppt/slides/slide13.xml><?xml version="1.0" encoding="utf-8"?>
-<p:sld xmlns:a="http://schemas.openxmlformats.org/drawingml/2006/main" xmlns:p="http://schemas.openxmlformats.org/presentationml/2006/main" xmlns:r="http://schemas.openxmlformats.org/officeDocument/2006/relationships">
-  <p:cSld>
-    <p:bg>
-      <p:bgPr>
-        <a:solidFill>
-          <a:srgbClr val="3D3D3D"/>
-        </a:solidFill>
-        <a:effectLst/>
-      </p:bgPr>
-    </p:bg>
-    <p:spTree>
-      <p:nvGrpSpPr>
-        <p:cNvPr id="1" name=""/>
-        <p:cNvGrpSpPr/>
-        <p:nvPr/>
-      </p:nvGrpSpPr>
-      <p:grpSpPr/>
-      <p:sp>
-        <p:nvSpPr>
-          <p:cNvPr id="2" name="TextBox 1"/>
-          <p:cNvSpPr txBox="1"/>
-          <p:nvPr/>
-        </p:nvSpPr>
-        <p:spPr>
-          <a:xfrm>
-            <a:off x="1828800" y="1371600"/>
-            <a:ext cx="8229600" cy="1371600"/>
-          </a:xfrm>
-          <a:prstGeom prst="rect">
-            <a:avLst/>
-          </a:prstGeom>
-          <a:noFill/>
-        </p:spPr>
-        <p:txBody>
-          <a:bodyPr wrap="square">
-            <a:spAutoFit/>
-          </a:bodyPr>
-          <a:lstStyle/>
-          <a:p>
-            <a:pPr algn="ctr">
-              <a:defRPr sz="4800" b="1">
-                <a:solidFill>
-                  <a:srgbClr val="0D6B56"/>
-                </a:solidFill>
-              </a:defRPr>
-            </a:pPr>
-            <a:r>
-              <a:t>medd sim</a:t>
-            </a:r>
-          </a:p>
-        </p:txBody>
-      </p:sp>
-      <p:sp>
-        <p:nvSpPr>
-          <p:cNvPr id="3" name="TextBox 2"/>
-          <p:cNvSpPr txBox="1"/>
-          <p:nvPr/>
-        </p:nvSpPr>
-        <p:spPr>
-          <a:xfrm>
-            <a:off x="1371600" y="3200400"/>
-            <a:ext cx="9144000" cy="914400"/>
-          </a:xfrm>
-          <a:prstGeom prst="rect">
-            <a:avLst/>
-          </a:prstGeom>
-          <a:noFill/>
-        </p:spPr>
-        <p:txBody>
-          <a:bodyPr wrap="square">
-            <a:spAutoFit/>
-          </a:bodyPr>
-          <a:lstStyle/>
-          <a:p>
-            <a:pPr algn="ctr">
-              <a:defRPr sz="3200" b="1">
-                <a:solidFill>
-                  <a:srgbClr val="FFFFFF"/>
-                </a:solidFill>
-              </a:defRPr>
-            </a:pPr>
-            <a:r>
-              <a:t>Ready to transform how your team practices?</a:t>
-            </a:r>
-          </a:p>
-        </p:txBody>
-      </p:sp>
-      <p:sp>
-        <p:nvSpPr>
-          <p:cNvPr id="4" name="TextBox 3"/>
-          <p:cNvSpPr txBox="1"/>
-          <p:nvPr/>
-        </p:nvSpPr>
-        <p:spPr>
-          <a:xfrm>
-            <a:off x="1371600" y="4389120"/>
-            <a:ext cx="9144000" cy="457200"/>
-          </a:xfrm>
-          <a:prstGeom prst="rect">
-            <a:avLst/>
-          </a:prstGeom>
-          <a:noFill/>
-        </p:spPr>
-        <p:txBody>
-          <a:bodyPr wrap="square">
-            <a:spAutoFit/>
-          </a:bodyPr>
-          <a:lstStyle/>
-          <a:p>
-            <a:pPr algn="ctr">
-              <a:defRPr sz="1800" b="0">
-                <a:solidFill>
-                  <a:srgbClr val="9CA3AF"/>
-                </a:solidFill>
-              </a:defRPr>
-            </a:pPr>
-            <a:r>
-              <a:t>Turn high-stakes conversations into rehearsed performances.</a:t>
-            </a:r>
-          </a:p>
-        </p:txBody>
-      </p:sp>
-      <p:sp>
-        <p:nvSpPr>
-          <p:cNvPr id="5" name="Rounded Rectangle 4"/>
-          <p:cNvSpPr/>
-          <p:nvPr/>
-        </p:nvSpPr>
-        <p:spPr>
-          <a:xfrm>
-            <a:off x="4572000" y="5029200"/>
-            <a:ext cx="3017520" cy="731520"/>
-          </a:xfrm>
-          <a:prstGeom prst="roundRect">
-            <a:avLst/>
-          </a:prstGeom>
-          <a:solidFill>
-            <a:srgbClr val="C7F464"/>
-          </a:solidFill>
-          <a:ln>
-            <a:noFill/>
-          </a:ln>
-        </p:spPr>
-        <p:style>
-          <a:lnRef idx="1">
-            <a:schemeClr val="accent1"/>
-          </a:lnRef>
-          <a:fillRef idx="3">
-            <a:schemeClr val="accent1"/>
-          </a:fillRef>
-          <a:effectRef idx="2">
-            <a:schemeClr val="accent1"/>
-          </a:effectRef>
-          <a:fontRef idx="minor">
-            <a:schemeClr val="lt1"/>
-          </a:fontRef>
-        </p:style>
-        <p:txBody>
-          <a:bodyPr rtlCol="0" anchor="ctr"/>
-          <a:lstStyle/>
-          <a:p>
-            <a:pPr algn="ctr">
-              <a:defRPr sz="1800" b="1">
-                <a:solidFill>
-                  <a:srgbClr val="0D6B56"/>
-                </a:solidFill>
-              </a:defRPr>
-            </a:pPr>
-            <a:r>
-              <a:t>Start Free Trial</a:t>
-            </a:r>
-          </a:p>
-        </p:txBody>
-      </p:sp>
-      <p:sp>
-        <p:nvSpPr>
-          <p:cNvPr id="6" name="TextBox 5"/>
-          <p:cNvSpPr txBox="1"/>
-          <p:nvPr/>
-        </p:nvSpPr>
-        <p:spPr>
-          <a:xfrm>
-            <a:off x="1828800" y="5943600"/>
-            <a:ext cx="8229600" cy="457200"/>
-          </a:xfrm>
-          <a:prstGeom prst="rect">
-            <a:avLst/>
-          </a:prstGeom>
-          <a:noFill/>
-        </p:spPr>
-        <p:txBody>
-          <a:bodyPr wrap="square">
-            <a:spAutoFit/>
-          </a:bodyPr>
-          <a:lstStyle/>
-          <a:p>
-            <a:pPr algn="ctr">
-              <a:defRPr sz="1400" b="0">
-                <a:solidFill>
-                  <a:srgbClr val="9CA3AF"/>
-                </a:solidFill>
-              </a:defRPr>
-            </a:pPr>
-            <a:r>
-              <a:t>📧 hello@medd.com.au  |  🌐 sim.medd.com.au</a:t>
             </a:r>
           </a:p>
         </p:txBody>
@@ -4158,7 +3194,7 @@
     <p:bg>
       <p:bgPr>
         <a:solidFill>
-          <a:srgbClr val="3D3D3D"/>
+          <a:srgbClr val="C7F464"/>
         </a:solidFill>
         <a:effectLst/>
       </p:bgPr>
@@ -4178,8 +3214,8 @@
         </p:nvSpPr>
         <p:spPr>
           <a:xfrm>
-            <a:off x="914400" y="1828800"/>
-            <a:ext cx="10058400" cy="3657600"/>
+            <a:off x="914400" y="914400"/>
+            <a:ext cx="5486400" cy="457200"/>
           </a:xfrm>
           <a:prstGeom prst="rect">
             <a:avLst/>
@@ -4192,20 +3228,96 @@
           </a:bodyPr>
           <a:lstStyle/>
           <a:p>
-            <a:pPr algn="ctr">
-              <a:defRPr sz="2800" b="0">
-                <a:solidFill>
-                  <a:srgbClr val="C7F464"/>
-                </a:solidFill>
+            <a:pPr>
+              <a:defRPr sz="1800" b="0">
+                <a:solidFill>
+                  <a:srgbClr val="4A4A4A"/>
+                </a:solidFill>
+                <a:latin typeface="Arial"/>
               </a:defRPr>
             </a:pPr>
             <a:r>
+              <a:t>Our Vision</a:t>
+            </a:r>
+          </a:p>
+        </p:txBody>
+      </p:sp>
+      <p:sp>
+        <p:nvSpPr>
+          <p:cNvPr id="3" name="TextBox 2"/>
+          <p:cNvSpPr txBox="1"/>
+          <p:nvPr/>
+        </p:nvSpPr>
+        <p:spPr>
+          <a:xfrm>
+            <a:off x="914400" y="1371600"/>
+            <a:ext cx="5486400" cy="1371600"/>
+          </a:xfrm>
+          <a:prstGeom prst="rect">
+            <a:avLst/>
+          </a:prstGeom>
+          <a:noFill/>
+        </p:spPr>
+        <p:txBody>
+          <a:bodyPr wrap="square">
+            <a:spAutoFit/>
+          </a:bodyPr>
+          <a:lstStyle/>
+          <a:p>
+            <a:pPr>
+              <a:defRPr sz="4000" b="1">
+                <a:solidFill>
+                  <a:srgbClr val="1A1A1A"/>
+                </a:solidFill>
+                <a:latin typeface="Arial"/>
+              </a:defRPr>
+            </a:pPr>
+            <a:r>
+              <a:t>Make deliberate practice</a:t>
+            </a:r>
+            <a:br/>
+            <a:r>
+              <a:t>a daily norm.</a:t>
+            </a:r>
+          </a:p>
+        </p:txBody>
+      </p:sp>
+      <p:sp>
+        <p:nvSpPr>
+          <p:cNvPr id="4" name="TextBox 3"/>
+          <p:cNvSpPr txBox="1"/>
+          <p:nvPr/>
+        </p:nvSpPr>
+        <p:spPr>
+          <a:xfrm>
+            <a:off x="914400" y="3200400"/>
+            <a:ext cx="5029200" cy="1371600"/>
+          </a:xfrm>
+          <a:prstGeom prst="rect">
+            <a:avLst/>
+          </a:prstGeom>
+          <a:noFill/>
+        </p:spPr>
+        <p:txBody>
+          <a:bodyPr wrap="square">
+            <a:spAutoFit/>
+          </a:bodyPr>
+          <a:lstStyle/>
+          <a:p>
+            <a:pPr>
+              <a:defRPr sz="1600" b="0">
+                <a:solidFill>
+                  <a:srgbClr val="4A4A4A"/>
+                </a:solidFill>
+                <a:latin typeface="Arial"/>
+              </a:defRPr>
+            </a:pPr>
+            <a:r>
               <a:t>MEDD Sim is the simulation studio you control.</a:t>
             </a:r>
             <a:br/>
-            <a:br/>
-            <a:r>
-              <a:t>Build any AI-powered coach, role-play, examiner or supporting asset in minutes—then stitch them into learning pathways that turn high-stakes conversations into rehearsed performances.</a:t>
+            <a:r>
+              <a:t>Build any AI-powered coach, role-play, or examiner in minutes.</a:t>
             </a:r>
           </a:p>
         </p:txBody>
@@ -4224,7 +3336,7 @@
     <p:bg>
       <p:bgPr>
         <a:solidFill>
-          <a:srgbClr val="3D3D3D"/>
+          <a:srgbClr val="1A1A1A"/>
         </a:solidFill>
         <a:effectLst/>
       </p:bgPr>
@@ -4244,8 +3356,8 @@
         </p:nvSpPr>
         <p:spPr>
           <a:xfrm>
-            <a:off x="457200" y="457200"/>
-            <a:ext cx="1828800" cy="457200"/>
+            <a:off x="914400" y="457200"/>
+            <a:ext cx="10058400" cy="731520"/>
           </a:xfrm>
           <a:prstGeom prst="rect">
             <a:avLst/>
@@ -4258,71 +3370,40 @@
           </a:bodyPr>
           <a:lstStyle/>
           <a:p>
-            <a:pPr algn="l">
-              <a:defRPr sz="2000" b="0">
-                <a:solidFill>
-                  <a:srgbClr val="C7F464"/>
-                </a:solidFill>
+            <a:pPr>
+              <a:defRPr sz="3600" b="1">
+                <a:solidFill>
+                  <a:srgbClr val="FFFFFF"/>
+                </a:solidFill>
+                <a:latin typeface="Arial"/>
               </a:defRPr>
             </a:pPr>
             <a:r>
-              <a:t>Our vision</a:t>
-            </a:r>
-          </a:p>
-        </p:txBody>
-      </p:sp>
-      <p:sp>
-        <p:nvSpPr>
-          <p:cNvPr id="3" name="TextBox 2"/>
-          <p:cNvSpPr txBox="1"/>
-          <p:nvPr/>
-        </p:nvSpPr>
-        <p:spPr>
-          <a:xfrm>
-            <a:off x="457200" y="1097280"/>
-            <a:ext cx="5029200" cy="1828800"/>
-          </a:xfrm>
-          <a:prstGeom prst="rect">
-            <a:avLst/>
-          </a:prstGeom>
-          <a:noFill/>
-        </p:spPr>
-        <p:txBody>
-          <a:bodyPr wrap="square">
-            <a:spAutoFit/>
-          </a:bodyPr>
-          <a:lstStyle/>
-          <a:p>
-            <a:pPr algn="l">
-              <a:defRPr sz="3600" b="1">
-                <a:solidFill>
-                  <a:srgbClr val="FFFFFF"/>
-                </a:solidFill>
-              </a:defRPr>
-            </a:pPr>
-            <a:r>
-              <a:t>is to make deliberate practice a daily norm.</a:t>
-            </a:r>
-          </a:p>
-        </p:txBody>
-      </p:sp>
-      <p:sp>
-        <p:nvSpPr>
-          <p:cNvPr id="4" name="Rounded Rectangle 3"/>
+              <a:t>The problems we face</a:t>
+            </a:r>
+          </a:p>
+        </p:txBody>
+      </p:sp>
+      <p:sp>
+        <p:nvSpPr>
+          <p:cNvPr id="3" name="Rounded Rectangle 2"/>
           <p:cNvSpPr/>
           <p:nvPr/>
         </p:nvSpPr>
         <p:spPr>
           <a:xfrm>
-            <a:off x="6400800" y="914400"/>
-            <a:ext cx="5029200" cy="5029200"/>
+            <a:off x="731520" y="2286000"/>
+            <a:ext cx="3474720" cy="2011680"/>
           </a:xfrm>
           <a:prstGeom prst="roundRect">
             <a:avLst/>
           </a:prstGeom>
           <a:solidFill>
-            <a:srgbClr val="606060"/>
+            <a:srgbClr val="FFFFFF"/>
           </a:solidFill>
+          <a:ln>
+            <a:noFill/>
+          </a:ln>
         </p:spPr>
         <p:style>
           <a:lnRef idx="1">
@@ -4342,15 +3423,308 @@
           <a:bodyPr rtlCol="0" anchor="ctr"/>
           <a:lstStyle/>
           <a:p>
-            <a:pPr algn="ctr">
-              <a:defRPr>
-                <a:solidFill>
-                  <a:srgbClr val="FFFFFF"/>
-                </a:solidFill>
+            <a:pPr algn="ctr"/>
+          </a:p>
+        </p:txBody>
+      </p:sp>
+      <p:sp>
+        <p:nvSpPr>
+          <p:cNvPr id="4" name="TextBox 3"/>
+          <p:cNvSpPr txBox="1"/>
+          <p:nvPr/>
+        </p:nvSpPr>
+        <p:spPr>
+          <a:xfrm>
+            <a:off x="914400" y="2468880"/>
+            <a:ext cx="3108960" cy="457200"/>
+          </a:xfrm>
+          <a:prstGeom prst="rect">
+            <a:avLst/>
+          </a:prstGeom>
+          <a:noFill/>
+        </p:spPr>
+        <p:txBody>
+          <a:bodyPr wrap="square">
+            <a:spAutoFit/>
+          </a:bodyPr>
+          <a:lstStyle/>
+          <a:p>
+            <a:pPr>
+              <a:defRPr sz="1400" b="1">
+                <a:solidFill>
+                  <a:srgbClr val="0D6B56"/>
+                </a:solidFill>
+                <a:latin typeface="Arial"/>
               </a:defRPr>
             </a:pPr>
             <a:r>
-              <a:t>[Professional working on laptop]</a:t>
+              <a:t>Role-Play Anxiety</a:t>
+            </a:r>
+          </a:p>
+        </p:txBody>
+      </p:sp>
+      <p:sp>
+        <p:nvSpPr>
+          <p:cNvPr id="5" name="TextBox 4"/>
+          <p:cNvSpPr txBox="1"/>
+          <p:nvPr/>
+        </p:nvSpPr>
+        <p:spPr>
+          <a:xfrm>
+            <a:off x="914400" y="2834640"/>
+            <a:ext cx="3108960" cy="1097280"/>
+          </a:xfrm>
+          <a:prstGeom prst="rect">
+            <a:avLst/>
+          </a:prstGeom>
+          <a:noFill/>
+        </p:spPr>
+        <p:txBody>
+          <a:bodyPr wrap="square">
+            <a:spAutoFit/>
+          </a:bodyPr>
+          <a:lstStyle/>
+          <a:p>
+            <a:pPr>
+              <a:defRPr sz="1100" b="0">
+                <a:solidFill>
+                  <a:srgbClr val="4A4A4A"/>
+                </a:solidFill>
+                <a:latin typeface="Arial"/>
+              </a:defRPr>
+            </a:pPr>
+            <a:r>
+              <a:t>Nobody enjoys role-plays, so they become filler sessions or dreaded training.</a:t>
+            </a:r>
+          </a:p>
+        </p:txBody>
+      </p:sp>
+      <p:sp>
+        <p:nvSpPr>
+          <p:cNvPr id="6" name="Rounded Rectangle 5"/>
+          <p:cNvSpPr/>
+          <p:nvPr/>
+        </p:nvSpPr>
+        <p:spPr>
+          <a:xfrm>
+            <a:off x="4389120" y="2286000"/>
+            <a:ext cx="3474720" cy="2011680"/>
+          </a:xfrm>
+          <a:prstGeom prst="roundRect">
+            <a:avLst/>
+          </a:prstGeom>
+          <a:solidFill>
+            <a:srgbClr val="FFFFFF"/>
+          </a:solidFill>
+          <a:ln>
+            <a:noFill/>
+          </a:ln>
+        </p:spPr>
+        <p:style>
+          <a:lnRef idx="1">
+            <a:schemeClr val="accent1"/>
+          </a:lnRef>
+          <a:fillRef idx="3">
+            <a:schemeClr val="accent1"/>
+          </a:fillRef>
+          <a:effectRef idx="2">
+            <a:schemeClr val="accent1"/>
+          </a:effectRef>
+          <a:fontRef idx="minor">
+            <a:schemeClr val="lt1"/>
+          </a:fontRef>
+        </p:style>
+        <p:txBody>
+          <a:bodyPr rtlCol="0" anchor="ctr"/>
+          <a:lstStyle/>
+          <a:p>
+            <a:pPr algn="ctr"/>
+          </a:p>
+        </p:txBody>
+      </p:sp>
+      <p:sp>
+        <p:nvSpPr>
+          <p:cNvPr id="7" name="TextBox 6"/>
+          <p:cNvSpPr txBox="1"/>
+          <p:nvPr/>
+        </p:nvSpPr>
+        <p:spPr>
+          <a:xfrm>
+            <a:off x="4572000" y="2468880"/>
+            <a:ext cx="3108960" cy="457200"/>
+          </a:xfrm>
+          <a:prstGeom prst="rect">
+            <a:avLst/>
+          </a:prstGeom>
+          <a:noFill/>
+        </p:spPr>
+        <p:txBody>
+          <a:bodyPr wrap="square">
+            <a:spAutoFit/>
+          </a:bodyPr>
+          <a:lstStyle/>
+          <a:p>
+            <a:pPr>
+              <a:defRPr sz="1400" b="1">
+                <a:solidFill>
+                  <a:srgbClr val="0D6B56"/>
+                </a:solidFill>
+                <a:latin typeface="Arial"/>
+              </a:defRPr>
+            </a:pPr>
+            <a:r>
+              <a:t>Time-Starved Managers</a:t>
+            </a:r>
+          </a:p>
+        </p:txBody>
+      </p:sp>
+      <p:sp>
+        <p:nvSpPr>
+          <p:cNvPr id="8" name="TextBox 7"/>
+          <p:cNvSpPr txBox="1"/>
+          <p:nvPr/>
+        </p:nvSpPr>
+        <p:spPr>
+          <a:xfrm>
+            <a:off x="4572000" y="2834640"/>
+            <a:ext cx="3108960" cy="1097280"/>
+          </a:xfrm>
+          <a:prstGeom prst="rect">
+            <a:avLst/>
+          </a:prstGeom>
+          <a:noFill/>
+        </p:spPr>
+        <p:txBody>
+          <a:bodyPr wrap="square">
+            <a:spAutoFit/>
+          </a:bodyPr>
+          <a:lstStyle/>
+          <a:p>
+            <a:pPr>
+              <a:defRPr sz="1100" b="0">
+                <a:solidFill>
+                  <a:srgbClr val="4A4A4A"/>
+                </a:solidFill>
+                <a:latin typeface="Arial"/>
+              </a:defRPr>
+            </a:pPr>
+            <a:r>
+              <a:t>When managers are stretched thin, coaching is the first thing dropped.</a:t>
+            </a:r>
+          </a:p>
+        </p:txBody>
+      </p:sp>
+      <p:sp>
+        <p:nvSpPr>
+          <p:cNvPr id="9" name="Rounded Rectangle 8"/>
+          <p:cNvSpPr/>
+          <p:nvPr/>
+        </p:nvSpPr>
+        <p:spPr>
+          <a:xfrm>
+            <a:off x="8046720" y="2286000"/>
+            <a:ext cx="3474720" cy="2011680"/>
+          </a:xfrm>
+          <a:prstGeom prst="roundRect">
+            <a:avLst/>
+          </a:prstGeom>
+          <a:solidFill>
+            <a:srgbClr val="FFFFFF"/>
+          </a:solidFill>
+          <a:ln>
+            <a:noFill/>
+          </a:ln>
+        </p:spPr>
+        <p:style>
+          <a:lnRef idx="1">
+            <a:schemeClr val="accent1"/>
+          </a:lnRef>
+          <a:fillRef idx="3">
+            <a:schemeClr val="accent1"/>
+          </a:fillRef>
+          <a:effectRef idx="2">
+            <a:schemeClr val="accent1"/>
+          </a:effectRef>
+          <a:fontRef idx="minor">
+            <a:schemeClr val="lt1"/>
+          </a:fontRef>
+        </p:style>
+        <p:txBody>
+          <a:bodyPr rtlCol="0" anchor="ctr"/>
+          <a:lstStyle/>
+          <a:p>
+            <a:pPr algn="ctr"/>
+          </a:p>
+        </p:txBody>
+      </p:sp>
+      <p:sp>
+        <p:nvSpPr>
+          <p:cNvPr id="10" name="TextBox 9"/>
+          <p:cNvSpPr txBox="1"/>
+          <p:nvPr/>
+        </p:nvSpPr>
+        <p:spPr>
+          <a:xfrm>
+            <a:off x="8229600" y="2468880"/>
+            <a:ext cx="3108960" cy="457200"/>
+          </a:xfrm>
+          <a:prstGeom prst="rect">
+            <a:avLst/>
+          </a:prstGeom>
+          <a:noFill/>
+        </p:spPr>
+        <p:txBody>
+          <a:bodyPr wrap="square">
+            <a:spAutoFit/>
+          </a:bodyPr>
+          <a:lstStyle/>
+          <a:p>
+            <a:pPr>
+              <a:defRPr sz="1400" b="1">
+                <a:solidFill>
+                  <a:srgbClr val="0D6B56"/>
+                </a:solidFill>
+                <a:latin typeface="Arial"/>
+              </a:defRPr>
+            </a:pPr>
+            <a:r>
+              <a:t>Fear of Exposure</a:t>
+            </a:r>
+          </a:p>
+        </p:txBody>
+      </p:sp>
+      <p:sp>
+        <p:nvSpPr>
+          <p:cNvPr id="11" name="TextBox 10"/>
+          <p:cNvSpPr txBox="1"/>
+          <p:nvPr/>
+        </p:nvSpPr>
+        <p:spPr>
+          <a:xfrm>
+            <a:off x="8229600" y="2834640"/>
+            <a:ext cx="3108960" cy="1097280"/>
+          </a:xfrm>
+          <a:prstGeom prst="rect">
+            <a:avLst/>
+          </a:prstGeom>
+          <a:noFill/>
+        </p:spPr>
+        <p:txBody>
+          <a:bodyPr wrap="square">
+            <a:spAutoFit/>
+          </a:bodyPr>
+          <a:lstStyle/>
+          <a:p>
+            <a:pPr>
+              <a:defRPr sz="1100" b="0">
+                <a:solidFill>
+                  <a:srgbClr val="4A4A4A"/>
+                </a:solidFill>
+                <a:latin typeface="Arial"/>
+              </a:defRPr>
+            </a:pPr>
+            <a:r>
+              <a:t>Professionals love coaching results — just don't love feeling exposed.</a:t>
             </a:r>
           </a:p>
         </p:txBody>
@@ -4369,7 +3743,7 @@
     <p:bg>
       <p:bgPr>
         <a:solidFill>
-          <a:srgbClr val="3D3D3D"/>
+          <a:srgbClr val="C7F464"/>
         </a:solidFill>
         <a:effectLst/>
       </p:bgPr>
@@ -4389,8 +3763,8 @@
         </p:nvSpPr>
         <p:spPr>
           <a:xfrm>
-            <a:off x="457200" y="457200"/>
-            <a:ext cx="4572000" cy="914400"/>
+            <a:off x="914400" y="457200"/>
+            <a:ext cx="5486400" cy="457200"/>
           </a:xfrm>
           <a:prstGeom prst="rect">
             <a:avLst/>
@@ -4403,29 +3777,102 @@
           </a:bodyPr>
           <a:lstStyle/>
           <a:p>
-            <a:pPr algn="l">
+            <a:pPr>
+              <a:defRPr sz="1800" b="0">
+                <a:solidFill>
+                  <a:srgbClr val="4A4A4A"/>
+                </a:solidFill>
+                <a:latin typeface="Arial"/>
+              </a:defRPr>
+            </a:pPr>
+            <a:r>
+              <a:t>How we fix it</a:t>
+            </a:r>
+          </a:p>
+        </p:txBody>
+      </p:sp>
+      <p:sp>
+        <p:nvSpPr>
+          <p:cNvPr id="3" name="TextBox 2"/>
+          <p:cNvSpPr txBox="1"/>
+          <p:nvPr/>
+        </p:nvSpPr>
+        <p:spPr>
+          <a:xfrm>
+            <a:off x="914400" y="914400"/>
+            <a:ext cx="5486400" cy="731520"/>
+          </a:xfrm>
+          <a:prstGeom prst="rect">
+            <a:avLst/>
+          </a:prstGeom>
+          <a:noFill/>
+        </p:spPr>
+        <p:txBody>
+          <a:bodyPr wrap="square">
+            <a:spAutoFit/>
+          </a:bodyPr>
+          <a:lstStyle/>
+          <a:p>
+            <a:pPr>
               <a:defRPr sz="3600" b="1">
                 <a:solidFill>
-                  <a:srgbClr val="FFFFFF"/>
-                </a:solidFill>
+                  <a:srgbClr val="1A1A1A"/>
+                </a:solidFill>
+                <a:latin typeface="Arial"/>
               </a:defRPr>
             </a:pPr>
             <a:r>
-              <a:t>The problem we face</a:t>
-            </a:r>
-          </a:p>
-        </p:txBody>
-      </p:sp>
-      <p:sp>
-        <p:nvSpPr>
-          <p:cNvPr id="3" name="Rounded Rectangle 2"/>
+              <a:t>A behaviour rehearsal engine</a:t>
+            </a:r>
+          </a:p>
+        </p:txBody>
+      </p:sp>
+      <p:sp>
+        <p:nvSpPr>
+          <p:cNvPr id="4" name="TextBox 3"/>
+          <p:cNvSpPr txBox="1"/>
+          <p:nvPr/>
+        </p:nvSpPr>
+        <p:spPr>
+          <a:xfrm>
+            <a:off x="914400" y="1645920"/>
+            <a:ext cx="5486400" cy="548640"/>
+          </a:xfrm>
+          <a:prstGeom prst="rect">
+            <a:avLst/>
+          </a:prstGeom>
+          <a:noFill/>
+        </p:spPr>
+        <p:txBody>
+          <a:bodyPr wrap="square">
+            <a:spAutoFit/>
+          </a:bodyPr>
+          <a:lstStyle/>
+          <a:p>
+            <a:pPr>
+              <a:defRPr sz="1600" b="0">
+                <a:solidFill>
+                  <a:srgbClr val="4A4A4A"/>
+                </a:solidFill>
+                <a:latin typeface="Arial"/>
+              </a:defRPr>
+            </a:pPr>
+            <a:r>
+              <a:t>Build scenarios, practice in private, and make it happen in the real world.</a:t>
+            </a:r>
+          </a:p>
+        </p:txBody>
+      </p:sp>
+      <p:sp>
+        <p:nvSpPr>
+          <p:cNvPr id="5" name="Rounded Rectangle 4"/>
           <p:cNvSpPr/>
           <p:nvPr/>
         </p:nvSpPr>
         <p:spPr>
           <a:xfrm>
-            <a:off x="457200" y="4114800"/>
-            <a:ext cx="3657600" cy="2286000"/>
+            <a:off x="914400" y="2743200"/>
+            <a:ext cx="2743200" cy="1463040"/>
           </a:xfrm>
           <a:prstGeom prst="roundRect">
             <a:avLst/>
@@ -4452,50 +3899,101 @@
           </a:fontRef>
         </p:style>
         <p:txBody>
-          <a:bodyPr rtlCol="0" anchor="ctr" wrap="square"/>
-          <a:lstStyle/>
-          <a:p>
-            <a:pPr algn="ctr">
+          <a:bodyPr rtlCol="0" anchor="ctr"/>
+          <a:lstStyle/>
+          <a:p>
+            <a:pPr algn="ctr"/>
+          </a:p>
+        </p:txBody>
+      </p:sp>
+      <p:sp>
+        <p:nvSpPr>
+          <p:cNvPr id="6" name="TextBox 5"/>
+          <p:cNvSpPr txBox="1"/>
+          <p:nvPr/>
+        </p:nvSpPr>
+        <p:spPr>
+          <a:xfrm>
+            <a:off x="1097280" y="2926080"/>
+            <a:ext cx="2377440" cy="457200"/>
+          </a:xfrm>
+          <a:prstGeom prst="rect">
+            <a:avLst/>
+          </a:prstGeom>
+          <a:noFill/>
+        </p:spPr>
+        <p:txBody>
+          <a:bodyPr wrap="square">
+            <a:spAutoFit/>
+          </a:bodyPr>
+          <a:lstStyle/>
+          <a:p>
+            <a:pPr>
               <a:defRPr sz="1400" b="1">
                 <a:solidFill>
-                  <a:srgbClr val="000000"/>
-                </a:solidFill>
+                  <a:srgbClr val="0D6B56"/>
+                </a:solidFill>
+                <a:latin typeface="Arial"/>
               </a:defRPr>
             </a:pPr>
             <a:r>
-              <a:t>Problem 1</a:t>
-            </a:r>
-          </a:p>
+              <a:t>Total Control</a:t>
+            </a:r>
+          </a:p>
+        </p:txBody>
+      </p:sp>
+      <p:sp>
+        <p:nvSpPr>
+          <p:cNvPr id="7" name="TextBox 6"/>
+          <p:cNvSpPr txBox="1"/>
+          <p:nvPr/>
+        </p:nvSpPr>
+        <p:spPr>
+          <a:xfrm>
+            <a:off x="1097280" y="3291840"/>
+            <a:ext cx="2377440" cy="1097280"/>
+          </a:xfrm>
+          <a:prstGeom prst="rect">
+            <a:avLst/>
+          </a:prstGeom>
+          <a:noFill/>
+        </p:spPr>
+        <p:txBody>
+          <a:bodyPr wrap="square">
+            <a:spAutoFit/>
+          </a:bodyPr>
+          <a:lstStyle/>
           <a:p>
             <a:pPr>
-              <a:defRPr sz="1100">
-                <a:solidFill>
-                  <a:srgbClr val="000000"/>
-                </a:solidFill>
+              <a:defRPr sz="1100" b="0">
+                <a:solidFill>
+                  <a:srgbClr val="4A4A4A"/>
+                </a:solidFill>
+                <a:latin typeface="Arial"/>
               </a:defRPr>
             </a:pPr>
             <a:r>
-              <a:t>Nobody enjoys role-plays, so they tend to be a filler session at sales meetings or a dreaded component of SFE.</a:t>
-            </a:r>
-          </a:p>
-        </p:txBody>
-      </p:sp>
-      <p:sp>
-        <p:nvSpPr>
-          <p:cNvPr id="4" name="Rounded Rectangle 3"/>
+              <a:t>User-generated agents from templates or scratch</a:t>
+            </a:r>
+          </a:p>
+        </p:txBody>
+      </p:sp>
+      <p:sp>
+        <p:nvSpPr>
+          <p:cNvPr id="8" name="Rounded Rectangle 7"/>
           <p:cNvSpPr/>
           <p:nvPr/>
         </p:nvSpPr>
         <p:spPr>
           <a:xfrm>
-            <a:off x="4297680" y="4114800"/>
-            <a:ext cx="3657600" cy="2286000"/>
+            <a:off x="3840480" y="2743200"/>
+            <a:ext cx="2743200" cy="1463040"/>
           </a:xfrm>
           <a:prstGeom prst="roundRect">
             <a:avLst/>
           </a:prstGeom>
           <a:solidFill>
-            <a:srgbClr val="C7F464"/>
+            <a:srgbClr val="FFFFFF"/>
           </a:solidFill>
           <a:ln>
             <a:noFill/>
@@ -4516,50 +4014,101 @@
           </a:fontRef>
         </p:style>
         <p:txBody>
-          <a:bodyPr rtlCol="0" anchor="ctr" wrap="square"/>
-          <a:lstStyle/>
-          <a:p>
-            <a:pPr algn="ctr">
+          <a:bodyPr rtlCol="0" anchor="ctr"/>
+          <a:lstStyle/>
+          <a:p>
+            <a:pPr algn="ctr"/>
+          </a:p>
+        </p:txBody>
+      </p:sp>
+      <p:sp>
+        <p:nvSpPr>
+          <p:cNvPr id="9" name="TextBox 8"/>
+          <p:cNvSpPr txBox="1"/>
+          <p:nvPr/>
+        </p:nvSpPr>
+        <p:spPr>
+          <a:xfrm>
+            <a:off x="4023360" y="2926080"/>
+            <a:ext cx="2377440" cy="457200"/>
+          </a:xfrm>
+          <a:prstGeom prst="rect">
+            <a:avLst/>
+          </a:prstGeom>
+          <a:noFill/>
+        </p:spPr>
+        <p:txBody>
+          <a:bodyPr wrap="square">
+            <a:spAutoFit/>
+          </a:bodyPr>
+          <a:lstStyle/>
+          <a:p>
+            <a:pPr>
               <a:defRPr sz="1400" b="1">
                 <a:solidFill>
-                  <a:srgbClr val="000000"/>
-                </a:solidFill>
+                  <a:srgbClr val="0D6B56"/>
+                </a:solidFill>
+                <a:latin typeface="Arial"/>
               </a:defRPr>
             </a:pPr>
             <a:r>
-              <a:t>Problem 2</a:t>
-            </a:r>
-          </a:p>
+              <a:t>Content Studio</a:t>
+            </a:r>
+          </a:p>
+        </p:txBody>
+      </p:sp>
+      <p:sp>
+        <p:nvSpPr>
+          <p:cNvPr id="10" name="TextBox 9"/>
+          <p:cNvSpPr txBox="1"/>
+          <p:nvPr/>
+        </p:nvSpPr>
+        <p:spPr>
+          <a:xfrm>
+            <a:off x="4023360" y="3291840"/>
+            <a:ext cx="2377440" cy="1097280"/>
+          </a:xfrm>
+          <a:prstGeom prst="rect">
+            <a:avLst/>
+          </a:prstGeom>
+          <a:noFill/>
+        </p:spPr>
+        <p:txBody>
+          <a:bodyPr wrap="square">
+            <a:spAutoFit/>
+          </a:bodyPr>
+          <a:lstStyle/>
           <a:p>
             <a:pPr>
-              <a:defRPr sz="1100">
-                <a:solidFill>
-                  <a:srgbClr val="000000"/>
-                </a:solidFill>
+              <a:defRPr sz="1100" b="0">
+                <a:solidFill>
+                  <a:srgbClr val="4A4A4A"/>
+                </a:solidFill>
+                <a:latin typeface="Arial"/>
               </a:defRPr>
             </a:pPr>
             <a:r>
-              <a:t>When managers are stretched thin, coaching is usually the first thing that is dropped.</a:t>
-            </a:r>
-          </a:p>
-        </p:txBody>
-      </p:sp>
-      <p:sp>
-        <p:nvSpPr>
-          <p:cNvPr id="5" name="Rounded Rectangle 4"/>
+              <a:t>Generate resources with a click</a:t>
+            </a:r>
+          </a:p>
+        </p:txBody>
+      </p:sp>
+      <p:sp>
+        <p:nvSpPr>
+          <p:cNvPr id="11" name="Rounded Rectangle 10"/>
           <p:cNvSpPr/>
           <p:nvPr/>
         </p:nvSpPr>
         <p:spPr>
           <a:xfrm>
-            <a:off x="8138160" y="4114800"/>
-            <a:ext cx="3657600" cy="2286000"/>
+            <a:off x="914400" y="4389120"/>
+            <a:ext cx="2743200" cy="1463040"/>
           </a:xfrm>
           <a:prstGeom prst="roundRect">
             <a:avLst/>
           </a:prstGeom>
           <a:solidFill>
-            <a:srgbClr val="3D3D3D"/>
+            <a:srgbClr val="FFFFFF"/>
           </a:solidFill>
           <a:ln>
             <a:noFill/>
@@ -4580,30 +4129,196 @@
           </a:fontRef>
         </p:style>
         <p:txBody>
-          <a:bodyPr rtlCol="0" anchor="ctr" wrap="square"/>
-          <a:lstStyle/>
-          <a:p>
-            <a:pPr algn="ctr">
+          <a:bodyPr rtlCol="0" anchor="ctr"/>
+          <a:lstStyle/>
+          <a:p>
+            <a:pPr algn="ctr"/>
+          </a:p>
+        </p:txBody>
+      </p:sp>
+      <p:sp>
+        <p:nvSpPr>
+          <p:cNvPr id="12" name="TextBox 11"/>
+          <p:cNvSpPr txBox="1"/>
+          <p:nvPr/>
+        </p:nvSpPr>
+        <p:spPr>
+          <a:xfrm>
+            <a:off x="1097280" y="4572000"/>
+            <a:ext cx="2377440" cy="457200"/>
+          </a:xfrm>
+          <a:prstGeom prst="rect">
+            <a:avLst/>
+          </a:prstGeom>
+          <a:noFill/>
+        </p:spPr>
+        <p:txBody>
+          <a:bodyPr wrap="square">
+            <a:spAutoFit/>
+          </a:bodyPr>
+          <a:lstStyle/>
+          <a:p>
+            <a:pPr>
               <a:defRPr sz="1400" b="1">
                 <a:solidFill>
-                  <a:srgbClr val="FFFFFF"/>
-                </a:solidFill>
+                  <a:srgbClr val="0D6B56"/>
+                </a:solidFill>
+                <a:latin typeface="Arial"/>
               </a:defRPr>
             </a:pPr>
             <a:r>
-              <a:t>Problem 3</a:t>
-            </a:r>
-          </a:p>
+              <a:t>BYO Rubric</a:t>
+            </a:r>
+          </a:p>
+        </p:txBody>
+      </p:sp>
+      <p:sp>
+        <p:nvSpPr>
+          <p:cNvPr id="13" name="TextBox 12"/>
+          <p:cNvSpPr txBox="1"/>
+          <p:nvPr/>
+        </p:nvSpPr>
+        <p:spPr>
+          <a:xfrm>
+            <a:off x="1097280" y="4937759"/>
+            <a:ext cx="2377440" cy="1097280"/>
+          </a:xfrm>
+          <a:prstGeom prst="rect">
+            <a:avLst/>
+          </a:prstGeom>
+          <a:noFill/>
+        </p:spPr>
+        <p:txBody>
+          <a:bodyPr wrap="square">
+            <a:spAutoFit/>
+          </a:bodyPr>
+          <a:lstStyle/>
           <a:p>
             <a:pPr>
-              <a:defRPr sz="1100">
-                <a:solidFill>
-                  <a:srgbClr val="FFFFFF"/>
-                </a:solidFill>
+              <a:defRPr sz="1100" b="0">
+                <a:solidFill>
+                  <a:srgbClr val="4A4A4A"/>
+                </a:solidFill>
+                <a:latin typeface="Arial"/>
               </a:defRPr>
             </a:pPr>
             <a:r>
-              <a:t>Most professionals love the results of coaching. They just don't love the feeling of being exposed.</a:t>
+              <a:t>Standardise feedback to your framework</a:t>
+            </a:r>
+          </a:p>
+        </p:txBody>
+      </p:sp>
+      <p:sp>
+        <p:nvSpPr>
+          <p:cNvPr id="14" name="Rounded Rectangle 13"/>
+          <p:cNvSpPr/>
+          <p:nvPr/>
+        </p:nvSpPr>
+        <p:spPr>
+          <a:xfrm>
+            <a:off x="3840480" y="4389120"/>
+            <a:ext cx="2743200" cy="1463040"/>
+          </a:xfrm>
+          <a:prstGeom prst="roundRect">
+            <a:avLst/>
+          </a:prstGeom>
+          <a:solidFill>
+            <a:srgbClr val="FFFFFF"/>
+          </a:solidFill>
+          <a:ln>
+            <a:noFill/>
+          </a:ln>
+        </p:spPr>
+        <p:style>
+          <a:lnRef idx="1">
+            <a:schemeClr val="accent1"/>
+          </a:lnRef>
+          <a:fillRef idx="3">
+            <a:schemeClr val="accent1"/>
+          </a:fillRef>
+          <a:effectRef idx="2">
+            <a:schemeClr val="accent1"/>
+          </a:effectRef>
+          <a:fontRef idx="minor">
+            <a:schemeClr val="lt1"/>
+          </a:fontRef>
+        </p:style>
+        <p:txBody>
+          <a:bodyPr rtlCol="0" anchor="ctr"/>
+          <a:lstStyle/>
+          <a:p>
+            <a:pPr algn="ctr"/>
+          </a:p>
+        </p:txBody>
+      </p:sp>
+      <p:sp>
+        <p:nvSpPr>
+          <p:cNvPr id="15" name="TextBox 14"/>
+          <p:cNvSpPr txBox="1"/>
+          <p:nvPr/>
+        </p:nvSpPr>
+        <p:spPr>
+          <a:xfrm>
+            <a:off x="4023360" y="4572000"/>
+            <a:ext cx="2377440" cy="457200"/>
+          </a:xfrm>
+          <a:prstGeom prst="rect">
+            <a:avLst/>
+          </a:prstGeom>
+          <a:noFill/>
+        </p:spPr>
+        <p:txBody>
+          <a:bodyPr wrap="square">
+            <a:spAutoFit/>
+          </a:bodyPr>
+          <a:lstStyle/>
+          <a:p>
+            <a:pPr>
+              <a:defRPr sz="1400" b="1">
+                <a:solidFill>
+                  <a:srgbClr val="0D6B56"/>
+                </a:solidFill>
+                <a:latin typeface="Arial"/>
+              </a:defRPr>
+            </a:pPr>
+            <a:r>
+              <a:t>Learning Pathways</a:t>
+            </a:r>
+          </a:p>
+        </p:txBody>
+      </p:sp>
+      <p:sp>
+        <p:nvSpPr>
+          <p:cNvPr id="16" name="TextBox 15"/>
+          <p:cNvSpPr txBox="1"/>
+          <p:nvPr/>
+        </p:nvSpPr>
+        <p:spPr>
+          <a:xfrm>
+            <a:off x="4023360" y="4937759"/>
+            <a:ext cx="2377440" cy="1097280"/>
+          </a:xfrm>
+          <a:prstGeom prst="rect">
+            <a:avLst/>
+          </a:prstGeom>
+          <a:noFill/>
+        </p:spPr>
+        <p:txBody>
+          <a:bodyPr wrap="square">
+            <a:spAutoFit/>
+          </a:bodyPr>
+          <a:lstStyle/>
+          <a:p>
+            <a:pPr>
+              <a:defRPr sz="1100" b="0">
+                <a:solidFill>
+                  <a:srgbClr val="4A4A4A"/>
+                </a:solidFill>
+                <a:latin typeface="Arial"/>
+              </a:defRPr>
+            </a:pPr>
+            <a:r>
+              <a:t>Structured training for any goal</a:t>
             </a:r>
           </a:p>
         </p:txBody>
@@ -4622,7 +4337,7 @@
     <p:bg>
       <p:bgPr>
         <a:solidFill>
-          <a:srgbClr val="3D3D3D"/>
+          <a:srgbClr val="C7F464"/>
         </a:solidFill>
         <a:effectLst/>
       </p:bgPr>
@@ -4642,8 +4357,8 @@
         </p:nvSpPr>
         <p:spPr>
           <a:xfrm>
-            <a:off x="457200" y="274320"/>
-            <a:ext cx="5486400" cy="731520"/>
+            <a:off x="914400" y="457200"/>
+            <a:ext cx="10058400" cy="731520"/>
           </a:xfrm>
           <a:prstGeom prst="rect">
             <a:avLst/>
@@ -4656,78 +4371,36 @@
           </a:bodyPr>
           <a:lstStyle/>
           <a:p>
-            <a:pPr algn="l">
-              <a:defRPr sz="3600" b="1">
-                <a:solidFill>
-                  <a:srgbClr val="FFFFFF"/>
-                </a:solidFill>
+            <a:pPr>
+              <a:defRPr sz="3200" b="1">
+                <a:solidFill>
+                  <a:srgbClr val="1A1A1A"/>
+                </a:solidFill>
+                <a:latin typeface="Arial"/>
               </a:defRPr>
             </a:pPr>
             <a:r>
-              <a:t>How we fix it</a:t>
-            </a:r>
-          </a:p>
-        </p:txBody>
-      </p:sp>
-      <p:sp>
-        <p:nvSpPr>
-          <p:cNvPr id="3" name="TextBox 2"/>
-          <p:cNvSpPr txBox="1"/>
-          <p:nvPr/>
-        </p:nvSpPr>
-        <p:spPr>
-          <a:xfrm>
-            <a:off x="457200" y="1005840"/>
-            <a:ext cx="5486400" cy="1097280"/>
-          </a:xfrm>
-          <a:prstGeom prst="rect">
-            <a:avLst/>
-          </a:prstGeom>
-          <a:noFill/>
-        </p:spPr>
-        <p:txBody>
-          <a:bodyPr wrap="square">
-            <a:spAutoFit/>
-          </a:bodyPr>
-          <a:lstStyle/>
-          <a:p>
-            <a:pPr algn="l">
-              <a:defRPr sz="1800" b="0">
-                <a:solidFill>
-                  <a:srgbClr val="FFFFFF"/>
-                </a:solidFill>
-              </a:defRPr>
-            </a:pPr>
-            <a:r>
-              <a:t>A behaviour rehearsal engine:</a:t>
-            </a:r>
-            <a:br/>
-            <a:r>
-              <a:t>build scenarios, practice in private,</a:t>
-            </a:r>
-            <a:br/>
-            <a:r>
-              <a:t>and make it happen in the real world.</a:t>
-            </a:r>
-          </a:p>
-        </p:txBody>
-      </p:sp>
-      <p:sp>
-        <p:nvSpPr>
-          <p:cNvPr id="4" name="Rounded Rectangle 3"/>
+              <a:t>Build any coaching or roleplay experience</a:t>
+            </a:r>
+          </a:p>
+        </p:txBody>
+      </p:sp>
+      <p:sp>
+        <p:nvSpPr>
+          <p:cNvPr id="3" name="Rounded Rectangle 2"/>
           <p:cNvSpPr/>
           <p:nvPr/>
         </p:nvSpPr>
         <p:spPr>
           <a:xfrm>
-            <a:off x="274320" y="3931920"/>
-            <a:ext cx="2194560" cy="2743200"/>
+            <a:off x="731520" y="1645920"/>
+            <a:ext cx="3474720" cy="1280160"/>
           </a:xfrm>
           <a:prstGeom prst="roundRect">
             <a:avLst/>
           </a:prstGeom>
           <a:solidFill>
-            <a:srgbClr val="E0E0E0"/>
+            <a:srgbClr val="FFFFFF"/>
           </a:solidFill>
           <a:ln>
             <a:noFill/>
@@ -4748,50 +4421,101 @@
           </a:fontRef>
         </p:style>
         <p:txBody>
-          <a:bodyPr rtlCol="0" anchor="ctr" wrap="square"/>
-          <a:lstStyle/>
-          <a:p>
-            <a:pPr algn="ctr">
-              <a:defRPr sz="1100" b="1">
-                <a:solidFill>
-                  <a:srgbClr val="000000"/>
-                </a:solidFill>
+          <a:bodyPr rtlCol="0" anchor="ctr"/>
+          <a:lstStyle/>
+          <a:p>
+            <a:pPr algn="ctr"/>
+          </a:p>
+        </p:txBody>
+      </p:sp>
+      <p:sp>
+        <p:nvSpPr>
+          <p:cNvPr id="4" name="TextBox 3"/>
+          <p:cNvSpPr txBox="1"/>
+          <p:nvPr/>
+        </p:nvSpPr>
+        <p:spPr>
+          <a:xfrm>
+            <a:off x="914400" y="1828800"/>
+            <a:ext cx="3108960" cy="457200"/>
+          </a:xfrm>
+          <a:prstGeom prst="rect">
+            <a:avLst/>
+          </a:prstGeom>
+          <a:noFill/>
+        </p:spPr>
+        <p:txBody>
+          <a:bodyPr wrap="square">
+            <a:spAutoFit/>
+          </a:bodyPr>
+          <a:lstStyle/>
+          <a:p>
+            <a:pPr>
+              <a:defRPr sz="1400" b="1">
+                <a:solidFill>
+                  <a:srgbClr val="0D6B56"/>
+                </a:solidFill>
+                <a:latin typeface="Arial"/>
               </a:defRPr>
             </a:pPr>
             <a:r>
-              <a:t>1. Total Control</a:t>
-            </a:r>
-          </a:p>
+              <a:t>👔 Roleplay Customer</a:t>
+            </a:r>
+          </a:p>
+        </p:txBody>
+      </p:sp>
+      <p:sp>
+        <p:nvSpPr>
+          <p:cNvPr id="5" name="TextBox 4"/>
+          <p:cNvSpPr txBox="1"/>
+          <p:nvPr/>
+        </p:nvSpPr>
+        <p:spPr>
+          <a:xfrm>
+            <a:off x="914400" y="2194560"/>
+            <a:ext cx="3108960" cy="1097280"/>
+          </a:xfrm>
+          <a:prstGeom prst="rect">
+            <a:avLst/>
+          </a:prstGeom>
+          <a:noFill/>
+        </p:spPr>
+        <p:txBody>
+          <a:bodyPr wrap="square">
+            <a:spAutoFit/>
+          </a:bodyPr>
+          <a:lstStyle/>
           <a:p>
             <a:pPr>
-              <a:defRPr sz="900">
-                <a:solidFill>
-                  <a:srgbClr val="000000"/>
-                </a:solidFill>
+              <a:defRPr sz="1100" b="0">
+                <a:solidFill>
+                  <a:srgbClr val="4A4A4A"/>
+                </a:solidFill>
+                <a:latin typeface="Arial"/>
               </a:defRPr>
             </a:pPr>
             <a:r>
-              <a:t>User-generated agents: build from templates or scratch for sales, business coaching, patient simulations, OSCE-style examiners</a:t>
-            </a:r>
-          </a:p>
-        </p:txBody>
-      </p:sp>
-      <p:sp>
-        <p:nvSpPr>
-          <p:cNvPr id="5" name="Rounded Rectangle 4"/>
+              <a:t>Personas, objections, buying motives</a:t>
+            </a:r>
+          </a:p>
+        </p:txBody>
+      </p:sp>
+      <p:sp>
+        <p:nvSpPr>
+          <p:cNvPr id="6" name="Rounded Rectangle 5"/>
           <p:cNvSpPr/>
           <p:nvPr/>
         </p:nvSpPr>
         <p:spPr>
           <a:xfrm>
-            <a:off x="2560320" y="3931920"/>
-            <a:ext cx="2194560" cy="2743200"/>
+            <a:off x="4480559" y="1645920"/>
+            <a:ext cx="3474720" cy="1280160"/>
           </a:xfrm>
           <a:prstGeom prst="roundRect">
             <a:avLst/>
           </a:prstGeom>
           <a:solidFill>
-            <a:srgbClr val="F0F0F0"/>
+            <a:srgbClr val="FFFFFF"/>
           </a:solidFill>
           <a:ln>
             <a:noFill/>
@@ -4812,50 +4536,101 @@
           </a:fontRef>
         </p:style>
         <p:txBody>
-          <a:bodyPr rtlCol="0" anchor="ctr" wrap="square"/>
-          <a:lstStyle/>
-          <a:p>
-            <a:pPr algn="ctr">
-              <a:defRPr sz="1100" b="1">
-                <a:solidFill>
-                  <a:srgbClr val="000000"/>
-                </a:solidFill>
+          <a:bodyPr rtlCol="0" anchor="ctr"/>
+          <a:lstStyle/>
+          <a:p>
+            <a:pPr algn="ctr"/>
+          </a:p>
+        </p:txBody>
+      </p:sp>
+      <p:sp>
+        <p:nvSpPr>
+          <p:cNvPr id="7" name="TextBox 6"/>
+          <p:cNvSpPr txBox="1"/>
+          <p:nvPr/>
+        </p:nvSpPr>
+        <p:spPr>
+          <a:xfrm>
+            <a:off x="4663440" y="1828800"/>
+            <a:ext cx="3108960" cy="457200"/>
+          </a:xfrm>
+          <a:prstGeom prst="rect">
+            <a:avLst/>
+          </a:prstGeom>
+          <a:noFill/>
+        </p:spPr>
+        <p:txBody>
+          <a:bodyPr wrap="square">
+            <a:spAutoFit/>
+          </a:bodyPr>
+          <a:lstStyle/>
+          <a:p>
+            <a:pPr>
+              <a:defRPr sz="1400" b="1">
+                <a:solidFill>
+                  <a:srgbClr val="0D6B56"/>
+                </a:solidFill>
+                <a:latin typeface="Arial"/>
               </a:defRPr>
             </a:pPr>
             <a:r>
-              <a:t>2. Content Studio</a:t>
-            </a:r>
-          </a:p>
+              <a:t>💬 Coach Any Situation</a:t>
+            </a:r>
+          </a:p>
+        </p:txBody>
+      </p:sp>
+      <p:sp>
+        <p:nvSpPr>
+          <p:cNvPr id="8" name="TextBox 7"/>
+          <p:cNvSpPr txBox="1"/>
+          <p:nvPr/>
+        </p:nvSpPr>
+        <p:spPr>
+          <a:xfrm>
+            <a:off x="4663440" y="2194560"/>
+            <a:ext cx="3108960" cy="1097280"/>
+          </a:xfrm>
+          <a:prstGeom prst="rect">
+            <a:avLst/>
+          </a:prstGeom>
+          <a:noFill/>
+        </p:spPr>
+        <p:txBody>
+          <a:bodyPr wrap="square">
+            <a:spAutoFit/>
+          </a:bodyPr>
+          <a:lstStyle/>
           <a:p>
             <a:pPr>
-              <a:defRPr sz="900">
-                <a:solidFill>
-                  <a:srgbClr val="000000"/>
-                </a:solidFill>
+              <a:defRPr sz="1100" b="0">
+                <a:solidFill>
+                  <a:srgbClr val="4A4A4A"/>
+                </a:solidFill>
+                <a:latin typeface="Arial"/>
               </a:defRPr>
             </a:pPr>
             <a:r>
-              <a:t>Custom Notebook LM style tools to generate all types of resources with a click of a button.</a:t>
-            </a:r>
-          </a:p>
-        </p:txBody>
-      </p:sp>
-      <p:sp>
-        <p:nvSpPr>
-          <p:cNvPr id="6" name="Rounded Rectangle 5"/>
+              <a:t>Sales, business, HR templates</a:t>
+            </a:r>
+          </a:p>
+        </p:txBody>
+      </p:sp>
+      <p:sp>
+        <p:nvSpPr>
+          <p:cNvPr id="9" name="Rounded Rectangle 8"/>
           <p:cNvSpPr/>
           <p:nvPr/>
         </p:nvSpPr>
         <p:spPr>
           <a:xfrm>
-            <a:off x="4846320" y="3931920"/>
-            <a:ext cx="2194560" cy="2743200"/>
+            <a:off x="8229600" y="1645920"/>
+            <a:ext cx="3474720" cy="1280160"/>
           </a:xfrm>
           <a:prstGeom prst="roundRect">
             <a:avLst/>
           </a:prstGeom>
           <a:solidFill>
-            <a:srgbClr val="C7F464"/>
+            <a:srgbClr val="FFFFFF"/>
           </a:solidFill>
           <a:ln>
             <a:noFill/>
@@ -4876,50 +4651,101 @@
           </a:fontRef>
         </p:style>
         <p:txBody>
-          <a:bodyPr rtlCol="0" anchor="ctr" wrap="square"/>
-          <a:lstStyle/>
-          <a:p>
-            <a:pPr algn="ctr">
-              <a:defRPr sz="1100" b="1">
-                <a:solidFill>
-                  <a:srgbClr val="000000"/>
-                </a:solidFill>
+          <a:bodyPr rtlCol="0" anchor="ctr"/>
+          <a:lstStyle/>
+          <a:p>
+            <a:pPr algn="ctr"/>
+          </a:p>
+        </p:txBody>
+      </p:sp>
+      <p:sp>
+        <p:nvSpPr>
+          <p:cNvPr id="10" name="TextBox 9"/>
+          <p:cNvSpPr txBox="1"/>
+          <p:nvPr/>
+        </p:nvSpPr>
+        <p:spPr>
+          <a:xfrm>
+            <a:off x="8412480" y="1828800"/>
+            <a:ext cx="3108960" cy="457200"/>
+          </a:xfrm>
+          <a:prstGeom prst="rect">
+            <a:avLst/>
+          </a:prstGeom>
+          <a:noFill/>
+        </p:spPr>
+        <p:txBody>
+          <a:bodyPr wrap="square">
+            <a:spAutoFit/>
+          </a:bodyPr>
+          <a:lstStyle/>
+          <a:p>
+            <a:pPr>
+              <a:defRPr sz="1400" b="1">
+                <a:solidFill>
+                  <a:srgbClr val="0D6B56"/>
+                </a:solidFill>
+                <a:latin typeface="Arial"/>
               </a:defRPr>
             </a:pPr>
             <a:r>
-              <a:t>3. BYO Rubric</a:t>
-            </a:r>
-          </a:p>
+              <a:t>📚 Workforce Readiness</a:t>
+            </a:r>
+          </a:p>
+        </p:txBody>
+      </p:sp>
+      <p:sp>
+        <p:nvSpPr>
+          <p:cNvPr id="11" name="TextBox 10"/>
+          <p:cNvSpPr txBox="1"/>
+          <p:nvPr/>
+        </p:nvSpPr>
+        <p:spPr>
+          <a:xfrm>
+            <a:off x="8412480" y="2194560"/>
+            <a:ext cx="3108960" cy="1097280"/>
+          </a:xfrm>
+          <a:prstGeom prst="rect">
+            <a:avLst/>
+          </a:prstGeom>
+          <a:noFill/>
+        </p:spPr>
+        <p:txBody>
+          <a:bodyPr wrap="square">
+            <a:spAutoFit/>
+          </a:bodyPr>
+          <a:lstStyle/>
           <a:p>
             <a:pPr>
-              <a:defRPr sz="900">
-                <a:solidFill>
-                  <a:srgbClr val="000000"/>
-                </a:solidFill>
+              <a:defRPr sz="1100" b="0">
+                <a:solidFill>
+                  <a:srgbClr val="4A4A4A"/>
+                </a:solidFill>
+                <a:latin typeface="Arial"/>
               </a:defRPr>
             </a:pPr>
             <a:r>
-              <a:t>Standardise coaching and feedback style based on the company's subscribed format.</a:t>
-            </a:r>
-          </a:p>
-        </p:txBody>
-      </p:sp>
-      <p:sp>
-        <p:nvSpPr>
-          <p:cNvPr id="7" name="Rounded Rectangle 6"/>
+              <a:t>Orientation, compliance training</a:t>
+            </a:r>
+          </a:p>
+        </p:txBody>
+      </p:sp>
+      <p:sp>
+        <p:nvSpPr>
+          <p:cNvPr id="12" name="Rounded Rectangle 11"/>
           <p:cNvSpPr/>
           <p:nvPr/>
         </p:nvSpPr>
         <p:spPr>
           <a:xfrm>
-            <a:off x="7132320" y="3931920"/>
-            <a:ext cx="2194560" cy="2743200"/>
+            <a:off x="731520" y="3200400"/>
+            <a:ext cx="3474720" cy="1280160"/>
           </a:xfrm>
           <a:prstGeom prst="roundRect">
             <a:avLst/>
           </a:prstGeom>
           <a:solidFill>
-            <a:srgbClr val="F5E663"/>
+            <a:srgbClr val="FFFFFF"/>
           </a:solidFill>
           <a:ln>
             <a:noFill/>
@@ -4940,50 +4766,101 @@
           </a:fontRef>
         </p:style>
         <p:txBody>
-          <a:bodyPr rtlCol="0" anchor="ctr" wrap="square"/>
-          <a:lstStyle/>
-          <a:p>
-            <a:pPr algn="ctr">
-              <a:defRPr sz="1100" b="1">
-                <a:solidFill>
-                  <a:srgbClr val="000000"/>
-                </a:solidFill>
+          <a:bodyPr rtlCol="0" anchor="ctr"/>
+          <a:lstStyle/>
+          <a:p>
+            <a:pPr algn="ctr"/>
+          </a:p>
+        </p:txBody>
+      </p:sp>
+      <p:sp>
+        <p:nvSpPr>
+          <p:cNvPr id="13" name="TextBox 12"/>
+          <p:cNvSpPr txBox="1"/>
+          <p:nvPr/>
+        </p:nvSpPr>
+        <p:spPr>
+          <a:xfrm>
+            <a:off x="914400" y="3383280"/>
+            <a:ext cx="3108960" cy="457200"/>
+          </a:xfrm>
+          <a:prstGeom prst="rect">
+            <a:avLst/>
+          </a:prstGeom>
+          <a:noFill/>
+        </p:spPr>
+        <p:txBody>
+          <a:bodyPr wrap="square">
+            <a:spAutoFit/>
+          </a:bodyPr>
+          <a:lstStyle/>
+          <a:p>
+            <a:pPr>
+              <a:defRPr sz="1400" b="1">
+                <a:solidFill>
+                  <a:srgbClr val="0D6B56"/>
+                </a:solidFill>
+                <a:latin typeface="Arial"/>
               </a:defRPr>
             </a:pPr>
             <a:r>
-              <a:t>4. Learning Pathways</a:t>
-            </a:r>
-          </a:p>
+              <a:t>🏥 Patient Case Study</a:t>
+            </a:r>
+          </a:p>
+        </p:txBody>
+      </p:sp>
+      <p:sp>
+        <p:nvSpPr>
+          <p:cNvPr id="14" name="TextBox 13"/>
+          <p:cNvSpPr txBox="1"/>
+          <p:nvPr/>
+        </p:nvSpPr>
+        <p:spPr>
+          <a:xfrm>
+            <a:off x="914400" y="3749039"/>
+            <a:ext cx="3108960" cy="1097280"/>
+          </a:xfrm>
+          <a:prstGeom prst="rect">
+            <a:avLst/>
+          </a:prstGeom>
+          <a:noFill/>
+        </p:spPr>
+        <p:txBody>
+          <a:bodyPr wrap="square">
+            <a:spAutoFit/>
+          </a:bodyPr>
+          <a:lstStyle/>
           <a:p>
             <a:pPr>
-              <a:defRPr sz="900">
-                <a:solidFill>
-                  <a:srgbClr val="000000"/>
-                </a:solidFill>
+              <a:defRPr sz="1100" b="0">
+                <a:solidFill>
+                  <a:srgbClr val="4A4A4A"/>
+                </a:solidFill>
+                <a:latin typeface="Arial"/>
               </a:defRPr>
             </a:pPr>
             <a:r>
-              <a:t>Create structured learning pathways for product launches, clinical training, business acumen, and performance evaluation.</a:t>
-            </a:r>
-          </a:p>
-        </p:txBody>
-      </p:sp>
-      <p:sp>
-        <p:nvSpPr>
-          <p:cNvPr id="8" name="Rounded Rectangle 7"/>
+              <a:t>AI patient simulations for CPD</a:t>
+            </a:r>
+          </a:p>
+        </p:txBody>
+      </p:sp>
+      <p:sp>
+        <p:nvSpPr>
+          <p:cNvPr id="15" name="Rounded Rectangle 14"/>
           <p:cNvSpPr/>
           <p:nvPr/>
         </p:nvSpPr>
         <p:spPr>
           <a:xfrm>
-            <a:off x="9418320" y="3931920"/>
-            <a:ext cx="2194560" cy="2743200"/>
+            <a:off x="4480559" y="3200400"/>
+            <a:ext cx="3474720" cy="1280160"/>
           </a:xfrm>
           <a:prstGeom prst="roundRect">
             <a:avLst/>
           </a:prstGeom>
           <a:solidFill>
-            <a:srgbClr val="5BC0DE"/>
+            <a:srgbClr val="FFFFFF"/>
           </a:solidFill>
           <a:ln>
             <a:noFill/>
@@ -5004,42 +4881,196 @@
           </a:fontRef>
         </p:style>
         <p:txBody>
-          <a:bodyPr rtlCol="0" anchor="ctr" wrap="square"/>
-          <a:lstStyle/>
-          <a:p>
-            <a:pPr algn="ctr">
-              <a:defRPr sz="1100" b="1">
-                <a:solidFill>
-                  <a:srgbClr val="000000"/>
-                </a:solidFill>
+          <a:bodyPr rtlCol="0" anchor="ctr"/>
+          <a:lstStyle/>
+          <a:p>
+            <a:pPr algn="ctr"/>
+          </a:p>
+        </p:txBody>
+      </p:sp>
+      <p:sp>
+        <p:nvSpPr>
+          <p:cNvPr id="16" name="TextBox 15"/>
+          <p:cNvSpPr txBox="1"/>
+          <p:nvPr/>
+        </p:nvSpPr>
+        <p:spPr>
+          <a:xfrm>
+            <a:off x="4663440" y="3383280"/>
+            <a:ext cx="3108960" cy="457200"/>
+          </a:xfrm>
+          <a:prstGeom prst="rect">
+            <a:avLst/>
+          </a:prstGeom>
+          <a:noFill/>
+        </p:spPr>
+        <p:txBody>
+          <a:bodyPr wrap="square">
+            <a:spAutoFit/>
+          </a:bodyPr>
+          <a:lstStyle/>
+          <a:p>
+            <a:pPr>
+              <a:defRPr sz="1400" b="1">
+                <a:solidFill>
+                  <a:srgbClr val="0D6B56"/>
+                </a:solidFill>
+                <a:latin typeface="Arial"/>
               </a:defRPr>
             </a:pPr>
             <a:r>
-              <a:t>5. Security</a:t>
-            </a:r>
-          </a:p>
+              <a:t>📋 Examiner Mode</a:t>
+            </a:r>
+          </a:p>
+        </p:txBody>
+      </p:sp>
+      <p:sp>
+        <p:nvSpPr>
+          <p:cNvPr id="17" name="TextBox 16"/>
+          <p:cNvSpPr txBox="1"/>
+          <p:nvPr/>
+        </p:nvSpPr>
+        <p:spPr>
+          <a:xfrm>
+            <a:off x="4663440" y="3749039"/>
+            <a:ext cx="3108960" cy="1097280"/>
+          </a:xfrm>
+          <a:prstGeom prst="rect">
+            <a:avLst/>
+          </a:prstGeom>
+          <a:noFill/>
+        </p:spPr>
+        <p:txBody>
+          <a:bodyPr wrap="square">
+            <a:spAutoFit/>
+          </a:bodyPr>
+          <a:lstStyle/>
           <a:p>
             <a:pPr>
-              <a:defRPr sz="900">
-                <a:solidFill>
-                  <a:srgbClr val="000000"/>
-                </a:solidFill>
+              <a:defRPr sz="1100" b="0">
+                <a:solidFill>
+                  <a:srgbClr val="4A4A4A"/>
+                </a:solidFill>
+                <a:latin typeface="Arial"/>
               </a:defRPr>
             </a:pPr>
             <a:r>
-              <a:t>• MEDD servers</a:t>
-            </a:r>
-            <a:br/>
-            <a:r>
-              <a:t>• Isolated instance</a:t>
-            </a:r>
-            <a:br/>
-            <a:r>
-              <a:t>• No LLM training</a:t>
-            </a:r>
-            <a:br/>
-            <a:r>
-              <a:t>• RAG (retrieval augmentation)</a:t>
+              <a:t>OSCE clinical assessments</a:t>
+            </a:r>
+          </a:p>
+        </p:txBody>
+      </p:sp>
+      <p:sp>
+        <p:nvSpPr>
+          <p:cNvPr id="18" name="Rounded Rectangle 17"/>
+          <p:cNvSpPr/>
+          <p:nvPr/>
+        </p:nvSpPr>
+        <p:spPr>
+          <a:xfrm>
+            <a:off x="8229600" y="3200400"/>
+            <a:ext cx="3474720" cy="1280160"/>
+          </a:xfrm>
+          <a:prstGeom prst="roundRect">
+            <a:avLst/>
+          </a:prstGeom>
+          <a:solidFill>
+            <a:srgbClr val="FFFFFF"/>
+          </a:solidFill>
+          <a:ln>
+            <a:noFill/>
+          </a:ln>
+        </p:spPr>
+        <p:style>
+          <a:lnRef idx="1">
+            <a:schemeClr val="accent1"/>
+          </a:lnRef>
+          <a:fillRef idx="3">
+            <a:schemeClr val="accent1"/>
+          </a:fillRef>
+          <a:effectRef idx="2">
+            <a:schemeClr val="accent1"/>
+          </a:effectRef>
+          <a:fontRef idx="minor">
+            <a:schemeClr val="lt1"/>
+          </a:fontRef>
+        </p:style>
+        <p:txBody>
+          <a:bodyPr rtlCol="0" anchor="ctr"/>
+          <a:lstStyle/>
+          <a:p>
+            <a:pPr algn="ctr"/>
+          </a:p>
+        </p:txBody>
+      </p:sp>
+      <p:sp>
+        <p:nvSpPr>
+          <p:cNvPr id="19" name="TextBox 18"/>
+          <p:cNvSpPr txBox="1"/>
+          <p:nvPr/>
+        </p:nvSpPr>
+        <p:spPr>
+          <a:xfrm>
+            <a:off x="8412480" y="3383280"/>
+            <a:ext cx="3108960" cy="457200"/>
+          </a:xfrm>
+          <a:prstGeom prst="rect">
+            <a:avLst/>
+          </a:prstGeom>
+          <a:noFill/>
+        </p:spPr>
+        <p:txBody>
+          <a:bodyPr wrap="square">
+            <a:spAutoFit/>
+          </a:bodyPr>
+          <a:lstStyle/>
+          <a:p>
+            <a:pPr>
+              <a:defRPr sz="1400" b="1">
+                <a:solidFill>
+                  <a:srgbClr val="0D6B56"/>
+                </a:solidFill>
+                <a:latin typeface="Arial"/>
+              </a:defRPr>
+            </a:pPr>
+            <a:r>
+              <a:t>🎯 User-Created Sims</a:t>
+            </a:r>
+          </a:p>
+        </p:txBody>
+      </p:sp>
+      <p:sp>
+        <p:nvSpPr>
+          <p:cNvPr id="20" name="TextBox 19"/>
+          <p:cNvSpPr txBox="1"/>
+          <p:nvPr/>
+        </p:nvSpPr>
+        <p:spPr>
+          <a:xfrm>
+            <a:off x="8412480" y="3749039"/>
+            <a:ext cx="3108960" cy="1097280"/>
+          </a:xfrm>
+          <a:prstGeom prst="rect">
+            <a:avLst/>
+          </a:prstGeom>
+          <a:noFill/>
+        </p:spPr>
+        <p:txBody>
+          <a:bodyPr wrap="square">
+            <a:spAutoFit/>
+          </a:bodyPr>
+          <a:lstStyle/>
+          <a:p>
+            <a:pPr>
+              <a:defRPr sz="1100" b="0">
+                <a:solidFill>
+                  <a:srgbClr val="4A4A4A"/>
+                </a:solidFill>
+                <a:latin typeface="Arial"/>
+              </a:defRPr>
+            </a:pPr>
+            <a:r>
+              <a:t>Personalized team coaching</a:t>
             </a:r>
           </a:p>
         </p:txBody>
@@ -5058,7 +5089,7 @@
     <p:bg>
       <p:bgPr>
         <a:solidFill>
-          <a:srgbClr val="3D3D3D"/>
+          <a:srgbClr val="C7F464"/>
         </a:solidFill>
         <a:effectLst/>
       </p:bgPr>
@@ -5078,8 +5109,8 @@
         </p:nvSpPr>
         <p:spPr>
           <a:xfrm>
-            <a:off x="457200" y="274320"/>
-            <a:ext cx="10972800" cy="731520"/>
+            <a:off x="914400" y="457200"/>
+            <a:ext cx="10058400" cy="731520"/>
           </a:xfrm>
           <a:prstGeom prst="rect">
             <a:avLst/>
@@ -5092,15 +5123,16 @@
           </a:bodyPr>
           <a:lstStyle/>
           <a:p>
-            <a:pPr algn="l">
-              <a:defRPr sz="3200" b="1">
-                <a:solidFill>
-                  <a:srgbClr val="FFFFFF"/>
-                </a:solidFill>
+            <a:pPr>
+              <a:defRPr sz="3600" b="1">
+                <a:solidFill>
+                  <a:srgbClr val="1A1A1A"/>
+                </a:solidFill>
+                <a:latin typeface="Arial"/>
               </a:defRPr>
             </a:pPr>
             <a:r>
-              <a:t>Build any coaching or roleplay experience</a:t>
+              <a:t>How It Works</a:t>
             </a:r>
           </a:p>
         </p:txBody>
@@ -5113,8 +5145,8 @@
         </p:nvSpPr>
         <p:spPr>
           <a:xfrm>
-            <a:off x="457200" y="1371600"/>
-            <a:ext cx="3657600" cy="2011680"/>
+            <a:off x="731520" y="2286000"/>
+            <a:ext cx="2560320" cy="2743200"/>
           </a:xfrm>
           <a:prstGeom prst="roundRect">
             <a:avLst/>
@@ -5141,50 +5173,29 @@
           </a:fontRef>
         </p:style>
         <p:txBody>
-          <a:bodyPr rtlCol="0" anchor="ctr" wrap="square"/>
-          <a:lstStyle/>
-          <a:p>
-            <a:pPr algn="ctr">
-              <a:defRPr sz="1400" b="1">
-                <a:solidFill>
-                  <a:srgbClr val="0D6B56"/>
-                </a:solidFill>
-              </a:defRPr>
-            </a:pPr>
-            <a:r>
-              <a:t>Roleplay any customer</a:t>
-            </a:r>
-          </a:p>
-          <a:p>
-            <a:pPr>
-              <a:defRPr sz="1000">
-                <a:solidFill>
-                  <a:srgbClr val="000000"/>
-                </a:solidFill>
-              </a:defRPr>
-            </a:pPr>
-            <a:r>
-              <a:t>Create agents with specific personas, objections, and buying motives. Then set the temperature for real-world conversations.</a:t>
-            </a:r>
-          </a:p>
-        </p:txBody>
-      </p:sp>
-      <p:sp>
-        <p:nvSpPr>
-          <p:cNvPr id="4" name="Rounded Rectangle 3"/>
+          <a:bodyPr rtlCol="0" anchor="ctr"/>
+          <a:lstStyle/>
+          <a:p>
+            <a:pPr algn="ctr"/>
+          </a:p>
+        </p:txBody>
+      </p:sp>
+      <p:sp>
+        <p:nvSpPr>
+          <p:cNvPr id="4" name="Oval 3"/>
           <p:cNvSpPr/>
           <p:nvPr/>
         </p:nvSpPr>
         <p:spPr>
           <a:xfrm>
-            <a:off x="4297680" y="1371600"/>
-            <a:ext cx="3657600" cy="2011680"/>
-          </a:xfrm>
-          <a:prstGeom prst="roundRect">
+            <a:off x="1645920" y="2560320"/>
+            <a:ext cx="731520" cy="731520"/>
+          </a:xfrm>
+          <a:prstGeom prst="ellipse">
             <a:avLst/>
           </a:prstGeom>
           <a:solidFill>
-            <a:srgbClr val="C7F464"/>
+            <a:srgbClr val="0D6B56"/>
           </a:solidFill>
           <a:ln>
             <a:noFill/>
@@ -5205,44 +5216,135 @@
           </a:fontRef>
         </p:style>
         <p:txBody>
-          <a:bodyPr rtlCol="0" anchor="ctr" wrap="square"/>
+          <a:bodyPr rtlCol="0" anchor="ctr"/>
+          <a:lstStyle/>
+          <a:p>
+            <a:pPr algn="ctr"/>
+          </a:p>
+        </p:txBody>
+      </p:sp>
+      <p:sp>
+        <p:nvSpPr>
+          <p:cNvPr id="5" name="TextBox 4"/>
+          <p:cNvSpPr txBox="1"/>
+          <p:nvPr/>
+        </p:nvSpPr>
+        <p:spPr>
+          <a:xfrm>
+            <a:off x="1874519" y="2651760"/>
+            <a:ext cx="457200" cy="457200"/>
+          </a:xfrm>
+          <a:prstGeom prst="rect">
+            <a:avLst/>
+          </a:prstGeom>
+          <a:noFill/>
+        </p:spPr>
+        <p:txBody>
+          <a:bodyPr wrap="square">
+            <a:spAutoFit/>
+          </a:bodyPr>
+          <a:lstStyle/>
+          <a:p>
+            <a:pPr>
+              <a:defRPr sz="2400" b="1">
+                <a:solidFill>
+                  <a:srgbClr val="FFFFFF"/>
+                </a:solidFill>
+                <a:latin typeface="Arial"/>
+              </a:defRPr>
+            </a:pPr>
+            <a:r>
+              <a:t>1</a:t>
+            </a:r>
+          </a:p>
+        </p:txBody>
+      </p:sp>
+      <p:sp>
+        <p:nvSpPr>
+          <p:cNvPr id="6" name="TextBox 5"/>
+          <p:cNvSpPr txBox="1"/>
+          <p:nvPr/>
+        </p:nvSpPr>
+        <p:spPr>
+          <a:xfrm>
+            <a:off x="1005840" y="3566160"/>
+            <a:ext cx="2011680" cy="457200"/>
+          </a:xfrm>
+          <a:prstGeom prst="rect">
+            <a:avLst/>
+          </a:prstGeom>
+          <a:noFill/>
+        </p:spPr>
+        <p:txBody>
+          <a:bodyPr wrap="square">
+            <a:spAutoFit/>
+          </a:bodyPr>
           <a:lstStyle/>
           <a:p>
             <a:pPr algn="ctr">
-              <a:defRPr sz="1400" b="1">
-                <a:solidFill>
-                  <a:srgbClr val="000000"/>
-                </a:solidFill>
+              <a:defRPr sz="1800" b="1">
+                <a:solidFill>
+                  <a:srgbClr val="1A1A1A"/>
+                </a:solidFill>
+                <a:latin typeface="Arial"/>
               </a:defRPr>
             </a:pPr>
             <a:r>
-              <a:t>Coach any situation</a:t>
-            </a:r>
-          </a:p>
-          <a:p>
-            <a:pPr>
-              <a:defRPr sz="1000">
-                <a:solidFill>
-                  <a:srgbClr val="000000"/>
-                </a:solidFill>
+              <a:t>Register</a:t>
+            </a:r>
+          </a:p>
+        </p:txBody>
+      </p:sp>
+      <p:sp>
+        <p:nvSpPr>
+          <p:cNvPr id="7" name="TextBox 6"/>
+          <p:cNvSpPr txBox="1"/>
+          <p:nvPr/>
+        </p:nvSpPr>
+        <p:spPr>
+          <a:xfrm>
+            <a:off x="1005840" y="4114800"/>
+            <a:ext cx="2011680" cy="914400"/>
+          </a:xfrm>
+          <a:prstGeom prst="rect">
+            <a:avLst/>
+          </a:prstGeom>
+          <a:noFill/>
+        </p:spPr>
+        <p:txBody>
+          <a:bodyPr wrap="square">
+            <a:spAutoFit/>
+          </a:bodyPr>
+          <a:lstStyle/>
+          <a:p>
+            <a:pPr algn="ctr">
+              <a:defRPr sz="1200" b="0">
+                <a:solidFill>
+                  <a:srgbClr val="4A4A4A"/>
+                </a:solidFill>
+                <a:latin typeface="Arial"/>
               </a:defRPr>
             </a:pPr>
             <a:r>
-              <a:t>Develop a coach for any situation using best practice templates for sales, business, HR and much more...</a:t>
-            </a:r>
-          </a:p>
-        </p:txBody>
-      </p:sp>
-      <p:sp>
-        <p:nvSpPr>
-          <p:cNvPr id="5" name="Rounded Rectangle 4"/>
+              <a:t>Access dashboard,</a:t>
+            </a:r>
+            <a:br/>
+            <a:r>
+              <a:t>select package</a:t>
+            </a:r>
+          </a:p>
+        </p:txBody>
+      </p:sp>
+      <p:sp>
+        <p:nvSpPr>
+          <p:cNvPr id="8" name="Rounded Rectangle 7"/>
           <p:cNvSpPr/>
           <p:nvPr/>
         </p:nvSpPr>
         <p:spPr>
           <a:xfrm>
-            <a:off x="8138160" y="1371600"/>
-            <a:ext cx="3657600" cy="2011680"/>
+            <a:off x="3566160" y="2286000"/>
+            <a:ext cx="2560320" cy="2743200"/>
           </a:xfrm>
           <a:prstGeom prst="roundRect">
             <a:avLst/>
@@ -5269,50 +5371,29 @@
           </a:fontRef>
         </p:style>
         <p:txBody>
-          <a:bodyPr rtlCol="0" anchor="ctr" wrap="square"/>
-          <a:lstStyle/>
-          <a:p>
-            <a:pPr algn="ctr">
-              <a:defRPr sz="1400" b="1">
-                <a:solidFill>
-                  <a:srgbClr val="0D6B56"/>
-                </a:solidFill>
-              </a:defRPr>
-            </a:pPr>
-            <a:r>
-              <a:t>Workforce Readiness</a:t>
-            </a:r>
-          </a:p>
-          <a:p>
-            <a:pPr>
-              <a:defRPr sz="1000">
-                <a:solidFill>
-                  <a:srgbClr val="000000"/>
-                </a:solidFill>
-              </a:defRPr>
-            </a:pPr>
-            <a:r>
-              <a:t>Create learning modules and simulations for orientation, performance reviews, compliancy training.</a:t>
-            </a:r>
-          </a:p>
-        </p:txBody>
-      </p:sp>
-      <p:sp>
-        <p:nvSpPr>
-          <p:cNvPr id="6" name="Rounded Rectangle 5"/>
+          <a:bodyPr rtlCol="0" anchor="ctr"/>
+          <a:lstStyle/>
+          <a:p>
+            <a:pPr algn="ctr"/>
+          </a:p>
+        </p:txBody>
+      </p:sp>
+      <p:sp>
+        <p:nvSpPr>
+          <p:cNvPr id="9" name="Oval 8"/>
           <p:cNvSpPr/>
           <p:nvPr/>
         </p:nvSpPr>
         <p:spPr>
           <a:xfrm>
-            <a:off x="457200" y="3657600"/>
-            <a:ext cx="3657600" cy="2011680"/>
-          </a:xfrm>
-          <a:prstGeom prst="roundRect">
+            <a:off x="4480560" y="2560320"/>
+            <a:ext cx="731520" cy="731520"/>
+          </a:xfrm>
+          <a:prstGeom prst="ellipse">
             <a:avLst/>
           </a:prstGeom>
           <a:solidFill>
-            <a:srgbClr val="C7F464"/>
+            <a:srgbClr val="0D6B56"/>
           </a:solidFill>
           <a:ln>
             <a:noFill/>
@@ -5333,44 +5414,135 @@
           </a:fontRef>
         </p:style>
         <p:txBody>
-          <a:bodyPr rtlCol="0" anchor="ctr" wrap="square"/>
+          <a:bodyPr rtlCol="0" anchor="ctr"/>
+          <a:lstStyle/>
+          <a:p>
+            <a:pPr algn="ctr"/>
+          </a:p>
+        </p:txBody>
+      </p:sp>
+      <p:sp>
+        <p:nvSpPr>
+          <p:cNvPr id="10" name="TextBox 9"/>
+          <p:cNvSpPr txBox="1"/>
+          <p:nvPr/>
+        </p:nvSpPr>
+        <p:spPr>
+          <a:xfrm>
+            <a:off x="4709160" y="2651760"/>
+            <a:ext cx="457200" cy="457200"/>
+          </a:xfrm>
+          <a:prstGeom prst="rect">
+            <a:avLst/>
+          </a:prstGeom>
+          <a:noFill/>
+        </p:spPr>
+        <p:txBody>
+          <a:bodyPr wrap="square">
+            <a:spAutoFit/>
+          </a:bodyPr>
+          <a:lstStyle/>
+          <a:p>
+            <a:pPr>
+              <a:defRPr sz="2400" b="1">
+                <a:solidFill>
+                  <a:srgbClr val="FFFFFF"/>
+                </a:solidFill>
+                <a:latin typeface="Arial"/>
+              </a:defRPr>
+            </a:pPr>
+            <a:r>
+              <a:t>2</a:t>
+            </a:r>
+          </a:p>
+        </p:txBody>
+      </p:sp>
+      <p:sp>
+        <p:nvSpPr>
+          <p:cNvPr id="11" name="TextBox 10"/>
+          <p:cNvSpPr txBox="1"/>
+          <p:nvPr/>
+        </p:nvSpPr>
+        <p:spPr>
+          <a:xfrm>
+            <a:off x="3840480" y="3566160"/>
+            <a:ext cx="2011680" cy="457200"/>
+          </a:xfrm>
+          <a:prstGeom prst="rect">
+            <a:avLst/>
+          </a:prstGeom>
+          <a:noFill/>
+        </p:spPr>
+        <p:txBody>
+          <a:bodyPr wrap="square">
+            <a:spAutoFit/>
+          </a:bodyPr>
           <a:lstStyle/>
           <a:p>
             <a:pPr algn="ctr">
-              <a:defRPr sz="1400" b="1">
-                <a:solidFill>
-                  <a:srgbClr val="000000"/>
-                </a:solidFill>
+              <a:defRPr sz="1800" b="1">
+                <a:solidFill>
+                  <a:srgbClr val="1A1A1A"/>
+                </a:solidFill>
+                <a:latin typeface="Arial"/>
               </a:defRPr>
             </a:pPr>
             <a:r>
-              <a:t>Patient case study</a:t>
-            </a:r>
-          </a:p>
-          <a:p>
-            <a:pPr>
-              <a:defRPr sz="1000">
-                <a:solidFill>
-                  <a:srgbClr val="000000"/>
-                </a:solidFill>
+              <a:t>Onboard</a:t>
+            </a:r>
+          </a:p>
+        </p:txBody>
+      </p:sp>
+      <p:sp>
+        <p:nvSpPr>
+          <p:cNvPr id="12" name="TextBox 11"/>
+          <p:cNvSpPr txBox="1"/>
+          <p:nvPr/>
+        </p:nvSpPr>
+        <p:spPr>
+          <a:xfrm>
+            <a:off x="3840480" y="4114800"/>
+            <a:ext cx="2011680" cy="914400"/>
+          </a:xfrm>
+          <a:prstGeom prst="rect">
+            <a:avLst/>
+          </a:prstGeom>
+          <a:noFill/>
+        </p:spPr>
+        <p:txBody>
+          <a:bodyPr wrap="square">
+            <a:spAutoFit/>
+          </a:bodyPr>
+          <a:lstStyle/>
+          <a:p>
+            <a:pPr algn="ctr">
+              <a:defRPr sz="1200" b="0">
+                <a:solidFill>
+                  <a:srgbClr val="4A4A4A"/>
+                </a:solidFill>
+                <a:latin typeface="Arial"/>
               </a:defRPr>
             </a:pPr>
             <a:r>
-              <a:t>Take therapy development to the next level by adding AI patient case-study simulations to CPD presentations.</a:t>
-            </a:r>
-          </a:p>
-        </p:txBody>
-      </p:sp>
-      <p:sp>
-        <p:nvSpPr>
-          <p:cNvPr id="7" name="Rounded Rectangle 6"/>
+              <a:t>Bring your team,</a:t>
+            </a:r>
+            <a:br/>
+            <a:r>
+              <a:t>assign roles</a:t>
+            </a:r>
+          </a:p>
+        </p:txBody>
+      </p:sp>
+      <p:sp>
+        <p:nvSpPr>
+          <p:cNvPr id="13" name="Rounded Rectangle 12"/>
           <p:cNvSpPr/>
           <p:nvPr/>
         </p:nvSpPr>
         <p:spPr>
           <a:xfrm>
-            <a:off x="4297680" y="3657600"/>
-            <a:ext cx="3657600" cy="2011680"/>
+            <a:off x="6400800" y="2286000"/>
+            <a:ext cx="2560320" cy="2743200"/>
           </a:xfrm>
           <a:prstGeom prst="roundRect">
             <a:avLst/>
@@ -5397,50 +5569,29 @@
           </a:fontRef>
         </p:style>
         <p:txBody>
-          <a:bodyPr rtlCol="0" anchor="ctr" wrap="square"/>
-          <a:lstStyle/>
-          <a:p>
-            <a:pPr algn="ctr">
-              <a:defRPr sz="1400" b="1">
-                <a:solidFill>
-                  <a:srgbClr val="0D6B56"/>
-                </a:solidFill>
-              </a:defRPr>
-            </a:pPr>
-            <a:r>
-              <a:t>Examiner Mode</a:t>
-            </a:r>
-          </a:p>
-          <a:p>
-            <a:pPr>
-              <a:defRPr sz="1000">
-                <a:solidFill>
-                  <a:srgbClr val="000000"/>
-                </a:solidFill>
-              </a:defRPr>
-            </a:pPr>
-            <a:r>
-              <a:t>Create an OSCE agent to assess any clinical, technical, or knowledge-based scenario with a custom rubric.</a:t>
-            </a:r>
-          </a:p>
-        </p:txBody>
-      </p:sp>
-      <p:sp>
-        <p:nvSpPr>
-          <p:cNvPr id="8" name="Rounded Rectangle 7"/>
+          <a:bodyPr rtlCol="0" anchor="ctr"/>
+          <a:lstStyle/>
+          <a:p>
+            <a:pPr algn="ctr"/>
+          </a:p>
+        </p:txBody>
+      </p:sp>
+      <p:sp>
+        <p:nvSpPr>
+          <p:cNvPr id="14" name="Oval 13"/>
           <p:cNvSpPr/>
           <p:nvPr/>
         </p:nvSpPr>
         <p:spPr>
           <a:xfrm>
-            <a:off x="8138160" y="3657600"/>
-            <a:ext cx="3657600" cy="2011680"/>
-          </a:xfrm>
-          <a:prstGeom prst="roundRect">
+            <a:off x="7315200" y="2560320"/>
+            <a:ext cx="731520" cy="731520"/>
+          </a:xfrm>
+          <a:prstGeom prst="ellipse">
             <a:avLst/>
           </a:prstGeom>
           <a:solidFill>
-            <a:srgbClr val="C7F464"/>
+            <a:srgbClr val="0D6B56"/>
           </a:solidFill>
           <a:ln>
             <a:noFill/>
@@ -5461,44 +5612,23 @@
           </a:fontRef>
         </p:style>
         <p:txBody>
-          <a:bodyPr rtlCol="0" anchor="ctr" wrap="square"/>
-          <a:lstStyle/>
-          <a:p>
-            <a:pPr algn="ctr">
-              <a:defRPr sz="1400" b="1">
-                <a:solidFill>
-                  <a:srgbClr val="000000"/>
-                </a:solidFill>
-              </a:defRPr>
-            </a:pPr>
-            <a:r>
-              <a:t>User-created Sims</a:t>
-            </a:r>
-          </a:p>
-          <a:p>
-            <a:pPr>
-              <a:defRPr sz="1000">
-                <a:solidFill>
-                  <a:srgbClr val="000000"/>
-                </a:solidFill>
-              </a:defRPr>
-            </a:pPr>
-            <a:r>
-              <a:t>Let the team create personalised coaching, role-play, or assessment simulations tailored to their goals.</a:t>
-            </a:r>
-          </a:p>
-        </p:txBody>
-      </p:sp>
-      <p:sp>
-        <p:nvSpPr>
-          <p:cNvPr id="9" name="TextBox 8"/>
+          <a:bodyPr rtlCol="0" anchor="ctr"/>
+          <a:lstStyle/>
+          <a:p>
+            <a:pPr algn="ctr"/>
+          </a:p>
+        </p:txBody>
+      </p:sp>
+      <p:sp>
+        <p:nvSpPr>
+          <p:cNvPr id="15" name="TextBox 14"/>
           <p:cNvSpPr txBox="1"/>
           <p:nvPr/>
         </p:nvSpPr>
         <p:spPr>
           <a:xfrm>
-            <a:off x="914400" y="6126480"/>
-            <a:ext cx="10058400" cy="457200"/>
+            <a:off x="7543800" y="2651760"/>
+            <a:ext cx="457200" cy="457200"/>
           </a:xfrm>
           <a:prstGeom prst="rect">
             <a:avLst/>
@@ -5511,15 +5641,290 @@
           </a:bodyPr>
           <a:lstStyle/>
           <a:p>
+            <a:pPr>
+              <a:defRPr sz="2400" b="1">
+                <a:solidFill>
+                  <a:srgbClr val="FFFFFF"/>
+                </a:solidFill>
+                <a:latin typeface="Arial"/>
+              </a:defRPr>
+            </a:pPr>
+            <a:r>
+              <a:t>3</a:t>
+            </a:r>
+          </a:p>
+        </p:txBody>
+      </p:sp>
+      <p:sp>
+        <p:nvSpPr>
+          <p:cNvPr id="16" name="TextBox 15"/>
+          <p:cNvSpPr txBox="1"/>
+          <p:nvPr/>
+        </p:nvSpPr>
+        <p:spPr>
+          <a:xfrm>
+            <a:off x="6675120" y="3566160"/>
+            <a:ext cx="2011680" cy="457200"/>
+          </a:xfrm>
+          <a:prstGeom prst="rect">
+            <a:avLst/>
+          </a:prstGeom>
+          <a:noFill/>
+        </p:spPr>
+        <p:txBody>
+          <a:bodyPr wrap="square">
+            <a:spAutoFit/>
+          </a:bodyPr>
+          <a:lstStyle/>
+          <a:p>
             <a:pPr algn="ctr">
-              <a:defRPr sz="1800" b="0">
+              <a:defRPr sz="1800" b="1">
+                <a:solidFill>
+                  <a:srgbClr val="1A1A1A"/>
+                </a:solidFill>
+                <a:latin typeface="Arial"/>
+              </a:defRPr>
+            </a:pPr>
+            <a:r>
+              <a:t>Create</a:t>
+            </a:r>
+          </a:p>
+        </p:txBody>
+      </p:sp>
+      <p:sp>
+        <p:nvSpPr>
+          <p:cNvPr id="17" name="TextBox 16"/>
+          <p:cNvSpPr txBox="1"/>
+          <p:nvPr/>
+        </p:nvSpPr>
+        <p:spPr>
+          <a:xfrm>
+            <a:off x="6675120" y="4114800"/>
+            <a:ext cx="2011680" cy="914400"/>
+          </a:xfrm>
+          <a:prstGeom prst="rect">
+            <a:avLst/>
+          </a:prstGeom>
+          <a:noFill/>
+        </p:spPr>
+        <p:txBody>
+          <a:bodyPr wrap="square">
+            <a:spAutoFit/>
+          </a:bodyPr>
+          <a:lstStyle/>
+          <a:p>
+            <a:pPr algn="ctr">
+              <a:defRPr sz="1200" b="0">
+                <a:solidFill>
+                  <a:srgbClr val="4A4A4A"/>
+                </a:solidFill>
+                <a:latin typeface="Arial"/>
+              </a:defRPr>
+            </a:pPr>
+            <a:r>
+              <a:t>Build agents,</a:t>
+            </a:r>
+            <a:br/>
+            <a:r>
+              <a:t>pathways, campaigns</a:t>
+            </a:r>
+          </a:p>
+        </p:txBody>
+      </p:sp>
+      <p:sp>
+        <p:nvSpPr>
+          <p:cNvPr id="18" name="Rounded Rectangle 17"/>
+          <p:cNvSpPr/>
+          <p:nvPr/>
+        </p:nvSpPr>
+        <p:spPr>
+          <a:xfrm>
+            <a:off x="9235440" y="2286000"/>
+            <a:ext cx="2560320" cy="2743200"/>
+          </a:xfrm>
+          <a:prstGeom prst="roundRect">
+            <a:avLst/>
+          </a:prstGeom>
+          <a:solidFill>
+            <a:srgbClr val="FFFFFF"/>
+          </a:solidFill>
+          <a:ln>
+            <a:noFill/>
+          </a:ln>
+        </p:spPr>
+        <p:style>
+          <a:lnRef idx="1">
+            <a:schemeClr val="accent1"/>
+          </a:lnRef>
+          <a:fillRef idx="3">
+            <a:schemeClr val="accent1"/>
+          </a:fillRef>
+          <a:effectRef idx="2">
+            <a:schemeClr val="accent1"/>
+          </a:effectRef>
+          <a:fontRef idx="minor">
+            <a:schemeClr val="lt1"/>
+          </a:fontRef>
+        </p:style>
+        <p:txBody>
+          <a:bodyPr rtlCol="0" anchor="ctr"/>
+          <a:lstStyle/>
+          <a:p>
+            <a:pPr algn="ctr"/>
+          </a:p>
+        </p:txBody>
+      </p:sp>
+      <p:sp>
+        <p:nvSpPr>
+          <p:cNvPr id="19" name="Oval 18"/>
+          <p:cNvSpPr/>
+          <p:nvPr/>
+        </p:nvSpPr>
+        <p:spPr>
+          <a:xfrm>
+            <a:off x="10149840" y="2560320"/>
+            <a:ext cx="731520" cy="731520"/>
+          </a:xfrm>
+          <a:prstGeom prst="ellipse">
+            <a:avLst/>
+          </a:prstGeom>
+          <a:solidFill>
+            <a:srgbClr val="0D6B56"/>
+          </a:solidFill>
+          <a:ln>
+            <a:noFill/>
+          </a:ln>
+        </p:spPr>
+        <p:style>
+          <a:lnRef idx="1">
+            <a:schemeClr val="accent1"/>
+          </a:lnRef>
+          <a:fillRef idx="3">
+            <a:schemeClr val="accent1"/>
+          </a:fillRef>
+          <a:effectRef idx="2">
+            <a:schemeClr val="accent1"/>
+          </a:effectRef>
+          <a:fontRef idx="minor">
+            <a:schemeClr val="lt1"/>
+          </a:fontRef>
+        </p:style>
+        <p:txBody>
+          <a:bodyPr rtlCol="0" anchor="ctr"/>
+          <a:lstStyle/>
+          <a:p>
+            <a:pPr algn="ctr"/>
+          </a:p>
+        </p:txBody>
+      </p:sp>
+      <p:sp>
+        <p:nvSpPr>
+          <p:cNvPr id="20" name="TextBox 19"/>
+          <p:cNvSpPr txBox="1"/>
+          <p:nvPr/>
+        </p:nvSpPr>
+        <p:spPr>
+          <a:xfrm>
+            <a:off x="10378440" y="2651760"/>
+            <a:ext cx="457200" cy="457200"/>
+          </a:xfrm>
+          <a:prstGeom prst="rect">
+            <a:avLst/>
+          </a:prstGeom>
+          <a:noFill/>
+        </p:spPr>
+        <p:txBody>
+          <a:bodyPr wrap="square">
+            <a:spAutoFit/>
+          </a:bodyPr>
+          <a:lstStyle/>
+          <a:p>
+            <a:pPr>
+              <a:defRPr sz="2400" b="1">
                 <a:solidFill>
                   <a:srgbClr val="FFFFFF"/>
                 </a:solidFill>
+                <a:latin typeface="Arial"/>
               </a:defRPr>
             </a:pPr>
             <a:r>
-              <a:t>Create from templates, build from scratch, or go full service</a:t>
+              <a:t>4</a:t>
+            </a:r>
+          </a:p>
+        </p:txBody>
+      </p:sp>
+      <p:sp>
+        <p:nvSpPr>
+          <p:cNvPr id="21" name="TextBox 20"/>
+          <p:cNvSpPr txBox="1"/>
+          <p:nvPr/>
+        </p:nvSpPr>
+        <p:spPr>
+          <a:xfrm>
+            <a:off x="9509760" y="3566160"/>
+            <a:ext cx="2011680" cy="457200"/>
+          </a:xfrm>
+          <a:prstGeom prst="rect">
+            <a:avLst/>
+          </a:prstGeom>
+          <a:noFill/>
+        </p:spPr>
+        <p:txBody>
+          <a:bodyPr wrap="square">
+            <a:spAutoFit/>
+          </a:bodyPr>
+          <a:lstStyle/>
+          <a:p>
+            <a:pPr algn="ctr">
+              <a:defRPr sz="1800" b="1">
+                <a:solidFill>
+                  <a:srgbClr val="1A1A1A"/>
+                </a:solidFill>
+                <a:latin typeface="Arial"/>
+              </a:defRPr>
+            </a:pPr>
+            <a:r>
+              <a:t>Practice</a:t>
+            </a:r>
+          </a:p>
+        </p:txBody>
+      </p:sp>
+      <p:sp>
+        <p:nvSpPr>
+          <p:cNvPr id="22" name="TextBox 21"/>
+          <p:cNvSpPr txBox="1"/>
+          <p:nvPr/>
+        </p:nvSpPr>
+        <p:spPr>
+          <a:xfrm>
+            <a:off x="9509760" y="4114800"/>
+            <a:ext cx="2011680" cy="914400"/>
+          </a:xfrm>
+          <a:prstGeom prst="rect">
+            <a:avLst/>
+          </a:prstGeom>
+          <a:noFill/>
+        </p:spPr>
+        <p:txBody>
+          <a:bodyPr wrap="square">
+            <a:spAutoFit/>
+          </a:bodyPr>
+          <a:lstStyle/>
+          <a:p>
+            <a:pPr algn="ctr">
+              <a:defRPr sz="1200" b="0">
+                <a:solidFill>
+                  <a:srgbClr val="4A4A4A"/>
+                </a:solidFill>
+                <a:latin typeface="Arial"/>
+              </a:defRPr>
+            </a:pPr>
+            <a:r>
+              <a:t>Rehearse, feedback,</a:t>
+            </a:r>
+            <a:br/>
+            <a:r>
+              <a:t>improve</a:t>
             </a:r>
           </a:p>
         </p:txBody>
@@ -5538,7 +5943,7 @@
     <p:bg>
       <p:bgPr>
         <a:solidFill>
-          <a:srgbClr val="3D3D3D"/>
+          <a:srgbClr val="C7F464"/>
         </a:solidFill>
         <a:effectLst/>
       </p:bgPr>
@@ -5558,8 +5963,8 @@
         </p:nvSpPr>
         <p:spPr>
           <a:xfrm>
-            <a:off x="457200" y="274320"/>
-            <a:ext cx="5486400" cy="731520"/>
+            <a:off x="914400" y="457200"/>
+            <a:ext cx="10058400" cy="731520"/>
           </a:xfrm>
           <a:prstGeom prst="rect">
             <a:avLst/>
@@ -5572,35 +5977,72 @@
           </a:bodyPr>
           <a:lstStyle/>
           <a:p>
-            <a:pPr algn="l">
+            <a:pPr>
               <a:defRPr sz="3600" b="1">
                 <a:solidFill>
-                  <a:srgbClr val="FFFFFF"/>
-                </a:solidFill>
+                  <a:srgbClr val="1A1A1A"/>
+                </a:solidFill>
+                <a:latin typeface="Arial"/>
               </a:defRPr>
             </a:pPr>
             <a:r>
-              <a:t>How it Works</a:t>
-            </a:r>
-          </a:p>
-        </p:txBody>
-      </p:sp>
-      <p:sp>
-        <p:nvSpPr>
-          <p:cNvPr id="3" name="Rounded Rectangle 2"/>
+              <a:t>Security and governance</a:t>
+            </a:r>
+          </a:p>
+        </p:txBody>
+      </p:sp>
+      <p:sp>
+        <p:nvSpPr>
+          <p:cNvPr id="3" name="TextBox 2"/>
+          <p:cNvSpPr txBox="1"/>
+          <p:nvPr/>
+        </p:nvSpPr>
+        <p:spPr>
+          <a:xfrm>
+            <a:off x="914400" y="1097280"/>
+            <a:ext cx="10058400" cy="457200"/>
+          </a:xfrm>
+          <a:prstGeom prst="rect">
+            <a:avLst/>
+          </a:prstGeom>
+          <a:noFill/>
+        </p:spPr>
+        <p:txBody>
+          <a:bodyPr wrap="square">
+            <a:spAutoFit/>
+          </a:bodyPr>
+          <a:lstStyle/>
+          <a:p>
+            <a:pPr>
+              <a:defRPr sz="1800" b="0">
+                <a:solidFill>
+                  <a:srgbClr val="4A4A4A"/>
+                </a:solidFill>
+                <a:latin typeface="Arial"/>
+              </a:defRPr>
+            </a:pPr>
+            <a:r>
+              <a:t>Private by design — secure by default</a:t>
+            </a:r>
+          </a:p>
+        </p:txBody>
+      </p:sp>
+      <p:sp>
+        <p:nvSpPr>
+          <p:cNvPr id="4" name="Rounded Rectangle 3"/>
           <p:cNvSpPr/>
           <p:nvPr/>
         </p:nvSpPr>
         <p:spPr>
           <a:xfrm>
-            <a:off x="457200" y="1371600"/>
-            <a:ext cx="2743200" cy="3657600"/>
+            <a:off x="914400" y="2011680"/>
+            <a:ext cx="5029200" cy="640080"/>
           </a:xfrm>
           <a:prstGeom prst="roundRect">
             <a:avLst/>
           </a:prstGeom>
           <a:solidFill>
-            <a:srgbClr val="C7F464"/>
+            <a:srgbClr val="FFFFFF"/>
           </a:solidFill>
           <a:ln>
             <a:noFill/>
@@ -5621,41 +6063,68 @@
           </a:fontRef>
         </p:style>
         <p:txBody>
-          <a:bodyPr rtlCol="0" anchor="ctr" wrap="square"/>
-          <a:lstStyle/>
-          <a:p>
-            <a:pPr algn="ctr">
-              <a:defRPr sz="1100">
-                <a:solidFill>
-                  <a:srgbClr val="000000"/>
-                </a:solidFill>
+          <a:bodyPr rtlCol="0" anchor="ctr"/>
+          <a:lstStyle/>
+          <a:p>
+            <a:pPr algn="ctr"/>
+          </a:p>
+        </p:txBody>
+      </p:sp>
+      <p:sp>
+        <p:nvSpPr>
+          <p:cNvPr id="5" name="TextBox 4"/>
+          <p:cNvSpPr txBox="1"/>
+          <p:nvPr/>
+        </p:nvSpPr>
+        <p:spPr>
+          <a:xfrm>
+            <a:off x="1188720" y="2148840"/>
+            <a:ext cx="4572000" cy="457200"/>
+          </a:xfrm>
+          <a:prstGeom prst="rect">
+            <a:avLst/>
+          </a:prstGeom>
+          <a:noFill/>
+        </p:spPr>
+        <p:txBody>
+          <a:bodyPr wrap="square">
+            <a:spAutoFit/>
+          </a:bodyPr>
+          <a:lstStyle/>
+          <a:p>
+            <a:pPr>
+              <a:defRPr sz="1400" b="0">
+                <a:solidFill>
+                  <a:srgbClr val="1A1A1A"/>
+                </a:solidFill>
+                <a:latin typeface="Arial"/>
               </a:defRPr>
             </a:pPr>
             <a:r>
-              <a:t>Register to medd to access the sim dashboard and set up your account. Select a subscriber package.</a:t>
-            </a:r>
-          </a:p>
-        </p:txBody>
-      </p:sp>
-      <p:sp>
-        <p:nvSpPr>
-          <p:cNvPr id="4" name="Oval 3"/>
+              <a:t>🛡️ Data boundary — no model training</a:t>
+            </a:r>
+          </a:p>
+        </p:txBody>
+      </p:sp>
+      <p:sp>
+        <p:nvSpPr>
+          <p:cNvPr id="6" name="Rounded Rectangle 5"/>
           <p:cNvSpPr/>
           <p:nvPr/>
         </p:nvSpPr>
         <p:spPr>
           <a:xfrm>
-            <a:off x="1463040" y="5303520"/>
-            <a:ext cx="731520" cy="731520"/>
-          </a:xfrm>
-          <a:prstGeom prst="ellipse">
-            <a:avLst/>
-          </a:prstGeom>
-          <a:noFill/>
-          <a:ln w="25400">
-            <a:solidFill>
-              <a:srgbClr val="C7F464"/>
-            </a:solidFill>
+            <a:off x="6217920" y="2011680"/>
+            <a:ext cx="5029200" cy="640080"/>
+          </a:xfrm>
+          <a:prstGeom prst="roundRect">
+            <a:avLst/>
+          </a:prstGeom>
+          <a:solidFill>
+            <a:srgbClr val="FFFFFF"/>
+          </a:solidFill>
+          <a:ln>
+            <a:noFill/>
           </a:ln>
         </p:spPr>
         <p:style>
@@ -5676,35 +6145,62 @@
           <a:bodyPr rtlCol="0" anchor="ctr"/>
           <a:lstStyle/>
           <a:p>
-            <a:pPr algn="ctr">
-              <a:defRPr sz="2400" b="1">
-                <a:solidFill>
-                  <a:srgbClr val="C7F464"/>
-                </a:solidFill>
+            <a:pPr algn="ctr"/>
+          </a:p>
+        </p:txBody>
+      </p:sp>
+      <p:sp>
+        <p:nvSpPr>
+          <p:cNvPr id="7" name="TextBox 6"/>
+          <p:cNvSpPr txBox="1"/>
+          <p:nvPr/>
+        </p:nvSpPr>
+        <p:spPr>
+          <a:xfrm>
+            <a:off x="6492240" y="2148840"/>
+            <a:ext cx="4572000" cy="457200"/>
+          </a:xfrm>
+          <a:prstGeom prst="rect">
+            <a:avLst/>
+          </a:prstGeom>
+          <a:noFill/>
+        </p:spPr>
+        <p:txBody>
+          <a:bodyPr wrap="square">
+            <a:spAutoFit/>
+          </a:bodyPr>
+          <a:lstStyle/>
+          <a:p>
+            <a:pPr>
+              <a:defRPr sz="1400" b="0">
+                <a:solidFill>
+                  <a:srgbClr val="1A1A1A"/>
+                </a:solidFill>
+                <a:latin typeface="Arial"/>
               </a:defRPr>
             </a:pPr>
             <a:r>
-              <a:t>1</a:t>
-            </a:r>
-          </a:p>
-        </p:txBody>
-      </p:sp>
-      <p:sp>
-        <p:nvSpPr>
-          <p:cNvPr id="5" name="Rounded Rectangle 4"/>
+              <a:t>🖥️ Customer isolation — separate instance</a:t>
+            </a:r>
+          </a:p>
+        </p:txBody>
+      </p:sp>
+      <p:sp>
+        <p:nvSpPr>
+          <p:cNvPr id="8" name="Rounded Rectangle 7"/>
           <p:cNvSpPr/>
           <p:nvPr/>
         </p:nvSpPr>
         <p:spPr>
           <a:xfrm>
-            <a:off x="3383280" y="1371600"/>
-            <a:ext cx="2743200" cy="3657600"/>
+            <a:off x="914400" y="2926080"/>
+            <a:ext cx="5029200" cy="640080"/>
           </a:xfrm>
           <a:prstGeom prst="roundRect">
             <a:avLst/>
           </a:prstGeom>
           <a:solidFill>
-            <a:srgbClr val="C7F464"/>
+            <a:srgbClr val="FFFFFF"/>
           </a:solidFill>
           <a:ln>
             <a:noFill/>
@@ -5725,41 +6221,68 @@
           </a:fontRef>
         </p:style>
         <p:txBody>
-          <a:bodyPr rtlCol="0" anchor="ctr" wrap="square"/>
-          <a:lstStyle/>
-          <a:p>
-            <a:pPr algn="ctr">
-              <a:defRPr sz="1100">
-                <a:solidFill>
-                  <a:srgbClr val="000000"/>
-                </a:solidFill>
+          <a:bodyPr rtlCol="0" anchor="ctr"/>
+          <a:lstStyle/>
+          <a:p>
+            <a:pPr algn="ctr"/>
+          </a:p>
+        </p:txBody>
+      </p:sp>
+      <p:sp>
+        <p:nvSpPr>
+          <p:cNvPr id="9" name="TextBox 8"/>
+          <p:cNvSpPr txBox="1"/>
+          <p:nvPr/>
+        </p:nvSpPr>
+        <p:spPr>
+          <a:xfrm>
+            <a:off x="1188720" y="3063240"/>
+            <a:ext cx="4572000" cy="457200"/>
+          </a:xfrm>
+          <a:prstGeom prst="rect">
+            <a:avLst/>
+          </a:prstGeom>
+          <a:noFill/>
+        </p:spPr>
+        <p:txBody>
+          <a:bodyPr wrap="square">
+            <a:spAutoFit/>
+          </a:bodyPr>
+          <a:lstStyle/>
+          <a:p>
+            <a:pPr>
+              <a:defRPr sz="1400" b="0">
+                <a:solidFill>
+                  <a:srgbClr val="1A1A1A"/>
+                </a:solidFill>
+                <a:latin typeface="Arial"/>
               </a:defRPr>
             </a:pPr>
             <a:r>
-              <a:t>Onboard the team using the onboarding tools and assign user types.</a:t>
-            </a:r>
-          </a:p>
-        </p:txBody>
-      </p:sp>
-      <p:sp>
-        <p:nvSpPr>
-          <p:cNvPr id="6" name="Oval 5"/>
+              <a:t>🔐 Role-based access control</a:t>
+            </a:r>
+          </a:p>
+        </p:txBody>
+      </p:sp>
+      <p:sp>
+        <p:nvSpPr>
+          <p:cNvPr id="10" name="Rounded Rectangle 9"/>
           <p:cNvSpPr/>
           <p:nvPr/>
         </p:nvSpPr>
         <p:spPr>
           <a:xfrm>
-            <a:off x="4389120" y="5303520"/>
-            <a:ext cx="731520" cy="731520"/>
-          </a:xfrm>
-          <a:prstGeom prst="ellipse">
-            <a:avLst/>
-          </a:prstGeom>
-          <a:noFill/>
-          <a:ln w="25400">
-            <a:solidFill>
-              <a:srgbClr val="C7F464"/>
-            </a:solidFill>
+            <a:off x="6217920" y="2926080"/>
+            <a:ext cx="5029200" cy="640080"/>
+          </a:xfrm>
+          <a:prstGeom prst="roundRect">
+            <a:avLst/>
+          </a:prstGeom>
+          <a:solidFill>
+            <a:srgbClr val="FFFFFF"/>
+          </a:solidFill>
+          <a:ln>
+            <a:noFill/>
           </a:ln>
         </p:spPr>
         <p:style>
@@ -5780,35 +6303,62 @@
           <a:bodyPr rtlCol="0" anchor="ctr"/>
           <a:lstStyle/>
           <a:p>
-            <a:pPr algn="ctr">
-              <a:defRPr sz="2400" b="1">
-                <a:solidFill>
-                  <a:srgbClr val="C7F464"/>
-                </a:solidFill>
+            <a:pPr algn="ctr"/>
+          </a:p>
+        </p:txBody>
+      </p:sp>
+      <p:sp>
+        <p:nvSpPr>
+          <p:cNvPr id="11" name="TextBox 10"/>
+          <p:cNvSpPr txBox="1"/>
+          <p:nvPr/>
+        </p:nvSpPr>
+        <p:spPr>
+          <a:xfrm>
+            <a:off x="6492240" y="3063240"/>
+            <a:ext cx="4572000" cy="457200"/>
+          </a:xfrm>
+          <a:prstGeom prst="rect">
+            <a:avLst/>
+          </a:prstGeom>
+          <a:noFill/>
+        </p:spPr>
+        <p:txBody>
+          <a:bodyPr wrap="square">
+            <a:spAutoFit/>
+          </a:bodyPr>
+          <a:lstStyle/>
+          <a:p>
+            <a:pPr>
+              <a:defRPr sz="1400" b="0">
+                <a:solidFill>
+                  <a:srgbClr val="1A1A1A"/>
+                </a:solidFill>
+                <a:latin typeface="Arial"/>
               </a:defRPr>
             </a:pPr>
             <a:r>
-              <a:t>2</a:t>
-            </a:r>
-          </a:p>
-        </p:txBody>
-      </p:sp>
-      <p:sp>
-        <p:nvSpPr>
-          <p:cNvPr id="7" name="Rounded Rectangle 6"/>
+              <a:t>📋 Full audit logs</a:t>
+            </a:r>
+          </a:p>
+        </p:txBody>
+      </p:sp>
+      <p:sp>
+        <p:nvSpPr>
+          <p:cNvPr id="12" name="Rounded Rectangle 11"/>
           <p:cNvSpPr/>
           <p:nvPr/>
         </p:nvSpPr>
         <p:spPr>
           <a:xfrm>
-            <a:off x="6309360" y="1371600"/>
-            <a:ext cx="2743200" cy="3657600"/>
+            <a:off x="914400" y="3840480"/>
+            <a:ext cx="5029200" cy="640080"/>
           </a:xfrm>
           <a:prstGeom prst="roundRect">
             <a:avLst/>
           </a:prstGeom>
           <a:solidFill>
-            <a:srgbClr val="C7F464"/>
+            <a:srgbClr val="FFFFFF"/>
           </a:solidFill>
           <a:ln>
             <a:noFill/>
@@ -5829,41 +6379,68 @@
           </a:fontRef>
         </p:style>
         <p:txBody>
-          <a:bodyPr rtlCol="0" anchor="ctr" wrap="square"/>
-          <a:lstStyle/>
-          <a:p>
-            <a:pPr algn="ctr">
-              <a:defRPr sz="1100">
-                <a:solidFill>
-                  <a:srgbClr val="000000"/>
-                </a:solidFill>
+          <a:bodyPr rtlCol="0" anchor="ctr"/>
+          <a:lstStyle/>
+          <a:p>
+            <a:pPr algn="ctr"/>
+          </a:p>
+        </p:txBody>
+      </p:sp>
+      <p:sp>
+        <p:nvSpPr>
+          <p:cNvPr id="13" name="TextBox 12"/>
+          <p:cNvSpPr txBox="1"/>
+          <p:nvPr/>
+        </p:nvSpPr>
+        <p:spPr>
+          <a:xfrm>
+            <a:off x="1188720" y="3977640"/>
+            <a:ext cx="4572000" cy="457200"/>
+          </a:xfrm>
+          <a:prstGeom prst="rect">
+            <a:avLst/>
+          </a:prstGeom>
+          <a:noFill/>
+        </p:spPr>
+        <p:txBody>
+          <a:bodyPr wrap="square">
+            <a:spAutoFit/>
+          </a:bodyPr>
+          <a:lstStyle/>
+          <a:p>
+            <a:pPr>
+              <a:defRPr sz="1400" b="0">
+                <a:solidFill>
+                  <a:srgbClr val="1A1A1A"/>
+                </a:solidFill>
+                <a:latin typeface="Arial"/>
               </a:defRPr>
             </a:pPr>
             <a:r>
-              <a:t>Create your first agent, learning pathway, roleplay, gamified campaign or LearnDash course.</a:t>
-            </a:r>
-          </a:p>
-        </p:txBody>
-      </p:sp>
-      <p:sp>
-        <p:nvSpPr>
-          <p:cNvPr id="8" name="Oval 7"/>
+              <a:t>📄 Rubric versioning</a:t>
+            </a:r>
+          </a:p>
+        </p:txBody>
+      </p:sp>
+      <p:sp>
+        <p:nvSpPr>
+          <p:cNvPr id="14" name="Rounded Rectangle 13"/>
           <p:cNvSpPr/>
           <p:nvPr/>
         </p:nvSpPr>
         <p:spPr>
           <a:xfrm>
-            <a:off x="7315200" y="5303520"/>
-            <a:ext cx="731520" cy="731520"/>
-          </a:xfrm>
-          <a:prstGeom prst="ellipse">
-            <a:avLst/>
-          </a:prstGeom>
-          <a:noFill/>
-          <a:ln w="25400">
-            <a:solidFill>
-              <a:srgbClr val="C7F464"/>
-            </a:solidFill>
+            <a:off x="6217920" y="3840480"/>
+            <a:ext cx="5029200" cy="640080"/>
+          </a:xfrm>
+          <a:prstGeom prst="roundRect">
+            <a:avLst/>
+          </a:prstGeom>
+          <a:solidFill>
+            <a:srgbClr val="FFFFFF"/>
+          </a:solidFill>
+          <a:ln>
+            <a:noFill/>
           </a:ln>
         </p:spPr>
         <p:style>
@@ -5884,119 +6461,42 @@
           <a:bodyPr rtlCol="0" anchor="ctr"/>
           <a:lstStyle/>
           <a:p>
-            <a:pPr algn="ctr">
-              <a:defRPr sz="2400" b="1">
-                <a:solidFill>
-                  <a:srgbClr val="C7F464"/>
-                </a:solidFill>
+            <a:pPr algn="ctr"/>
+          </a:p>
+        </p:txBody>
+      </p:sp>
+      <p:sp>
+        <p:nvSpPr>
+          <p:cNvPr id="15" name="TextBox 14"/>
+          <p:cNvSpPr txBox="1"/>
+          <p:nvPr/>
+        </p:nvSpPr>
+        <p:spPr>
+          <a:xfrm>
+            <a:off x="6492240" y="3977640"/>
+            <a:ext cx="4572000" cy="457200"/>
+          </a:xfrm>
+          <a:prstGeom prst="rect">
+            <a:avLst/>
+          </a:prstGeom>
+          <a:noFill/>
+        </p:spPr>
+        <p:txBody>
+          <a:bodyPr wrap="square">
+            <a:spAutoFit/>
+          </a:bodyPr>
+          <a:lstStyle/>
+          <a:p>
+            <a:pPr>
+              <a:defRPr sz="1400" b="0">
+                <a:solidFill>
+                  <a:srgbClr val="1A1A1A"/>
+                </a:solidFill>
+                <a:latin typeface="Arial"/>
               </a:defRPr>
             </a:pPr>
             <a:r>
-              <a:t>3</a:t>
-            </a:r>
-          </a:p>
-        </p:txBody>
-      </p:sp>
-      <p:sp>
-        <p:nvSpPr>
-          <p:cNvPr id="9" name="Rounded Rectangle 8"/>
-          <p:cNvSpPr/>
-          <p:nvPr/>
-        </p:nvSpPr>
-        <p:spPr>
-          <a:xfrm>
-            <a:off x="9235440" y="1371600"/>
-            <a:ext cx="2743200" cy="3657600"/>
-          </a:xfrm>
-          <a:prstGeom prst="roundRect">
-            <a:avLst/>
-          </a:prstGeom>
-          <a:solidFill>
-            <a:srgbClr val="C7F464"/>
-          </a:solidFill>
-          <a:ln>
-            <a:noFill/>
-          </a:ln>
-        </p:spPr>
-        <p:style>
-          <a:lnRef idx="1">
-            <a:schemeClr val="accent1"/>
-          </a:lnRef>
-          <a:fillRef idx="3">
-            <a:schemeClr val="accent1"/>
-          </a:fillRef>
-          <a:effectRef idx="2">
-            <a:schemeClr val="accent1"/>
-          </a:effectRef>
-          <a:fontRef idx="minor">
-            <a:schemeClr val="lt1"/>
-          </a:fontRef>
-        </p:style>
-        <p:txBody>
-          <a:bodyPr rtlCol="0" anchor="ctr" wrap="square"/>
-          <a:lstStyle/>
-          <a:p>
-            <a:pPr algn="ctr">
-              <a:defRPr sz="1100">
-                <a:solidFill>
-                  <a:srgbClr val="000000"/>
-                </a:solidFill>
-              </a:defRPr>
-            </a:pPr>
-            <a:r>
-              <a:t>Build patient simulation case studies and CPD education for therapy development activities.</a:t>
-            </a:r>
-          </a:p>
-        </p:txBody>
-      </p:sp>
-      <p:sp>
-        <p:nvSpPr>
-          <p:cNvPr id="10" name="Oval 9"/>
-          <p:cNvSpPr/>
-          <p:nvPr/>
-        </p:nvSpPr>
-        <p:spPr>
-          <a:xfrm>
-            <a:off x="10241280" y="5303520"/>
-            <a:ext cx="731520" cy="731520"/>
-          </a:xfrm>
-          <a:prstGeom prst="ellipse">
-            <a:avLst/>
-          </a:prstGeom>
-          <a:noFill/>
-          <a:ln w="25400">
-            <a:solidFill>
-              <a:srgbClr val="C7F464"/>
-            </a:solidFill>
-          </a:ln>
-        </p:spPr>
-        <p:style>
-          <a:lnRef idx="1">
-            <a:schemeClr val="accent1"/>
-          </a:lnRef>
-          <a:fillRef idx="3">
-            <a:schemeClr val="accent1"/>
-          </a:fillRef>
-          <a:effectRef idx="2">
-            <a:schemeClr val="accent1"/>
-          </a:effectRef>
-          <a:fontRef idx="minor">
-            <a:schemeClr val="lt1"/>
-          </a:fontRef>
-        </p:style>
-        <p:txBody>
-          <a:bodyPr rtlCol="0" anchor="ctr"/>
-          <a:lstStyle/>
-          <a:p>
-            <a:pPr algn="ctr">
-              <a:defRPr sz="2400" b="1">
-                <a:solidFill>
-                  <a:srgbClr val="C7F464"/>
-                </a:solidFill>
-              </a:defRPr>
-            </a:pPr>
-            <a:r>
-              <a:t>4</a:t>
+              <a:t>📤 Exportable evidence</a:t>
             </a:r>
           </a:p>
         </p:txBody>
@@ -6015,7 +6515,7 @@
     <p:bg>
       <p:bgPr>
         <a:solidFill>
-          <a:srgbClr val="3D3D3D"/>
+          <a:srgbClr val="C7F464"/>
         </a:solidFill>
         <a:effectLst/>
       </p:bgPr>
@@ -6035,8 +6535,8 @@
         </p:nvSpPr>
         <p:spPr>
           <a:xfrm>
-            <a:off x="457200" y="274320"/>
-            <a:ext cx="7315200" cy="731520"/>
+            <a:off x="914400" y="274320"/>
+            <a:ext cx="10058400" cy="548640"/>
           </a:xfrm>
           <a:prstGeom prst="rect">
             <a:avLst/>
@@ -6049,304 +6549,36 @@
           </a:bodyPr>
           <a:lstStyle/>
           <a:p>
-            <a:pPr algn="l">
-              <a:defRPr sz="3600" b="1">
-                <a:solidFill>
-                  <a:srgbClr val="FFFFFF"/>
-                </a:solidFill>
+            <a:pPr>
+              <a:defRPr sz="3200" b="1">
+                <a:solidFill>
+                  <a:srgbClr val="1A1A1A"/>
+                </a:solidFill>
+                <a:latin typeface="Arial"/>
               </a:defRPr>
             </a:pPr>
             <a:r>
-              <a:t>Security and governance</a:t>
-            </a:r>
-          </a:p>
-        </p:txBody>
-      </p:sp>
-      <p:sp>
-        <p:nvSpPr>
-          <p:cNvPr id="3" name="TextBox 2"/>
-          <p:cNvSpPr txBox="1"/>
-          <p:nvPr/>
-        </p:nvSpPr>
-        <p:spPr>
-          <a:xfrm>
-            <a:off x="457200" y="914400"/>
-            <a:ext cx="7315200" cy="457200"/>
-          </a:xfrm>
-          <a:prstGeom prst="rect">
-            <a:avLst/>
-          </a:prstGeom>
-          <a:noFill/>
-        </p:spPr>
-        <p:txBody>
-          <a:bodyPr wrap="square">
-            <a:spAutoFit/>
-          </a:bodyPr>
-          <a:lstStyle/>
-          <a:p>
-            <a:pPr algn="l">
-              <a:defRPr sz="2000" b="0">
-                <a:solidFill>
-                  <a:srgbClr val="C7F464"/>
-                </a:solidFill>
-              </a:defRPr>
-            </a:pPr>
-            <a:r>
-              <a:t>Private by design - secure by default</a:t>
-            </a:r>
-          </a:p>
-        </p:txBody>
-      </p:sp>
-      <p:sp>
-        <p:nvSpPr>
-          <p:cNvPr id="4" name="TextBox 3"/>
-          <p:cNvSpPr txBox="1"/>
-          <p:nvPr/>
-        </p:nvSpPr>
-        <p:spPr>
-          <a:xfrm>
-            <a:off x="457200" y="1645920"/>
-            <a:ext cx="2743200" cy="365760"/>
-          </a:xfrm>
-          <a:prstGeom prst="rect">
-            <a:avLst/>
-          </a:prstGeom>
-          <a:noFill/>
-        </p:spPr>
-        <p:txBody>
-          <a:bodyPr wrap="square">
-            <a:spAutoFit/>
-          </a:bodyPr>
-          <a:lstStyle/>
-          <a:p>
-            <a:pPr algn="l">
-              <a:defRPr sz="1400" b="1">
-                <a:solidFill>
-                  <a:srgbClr val="FFFFFF"/>
-                </a:solidFill>
-              </a:defRPr>
-            </a:pPr>
-            <a:r>
-              <a:t>Data boundary</a:t>
-            </a:r>
-          </a:p>
-        </p:txBody>
-      </p:sp>
-      <p:sp>
-        <p:nvSpPr>
-          <p:cNvPr id="5" name="TextBox 4"/>
-          <p:cNvSpPr txBox="1"/>
-          <p:nvPr/>
-        </p:nvSpPr>
-        <p:spPr>
-          <a:xfrm>
-            <a:off x="457200" y="2011680"/>
-            <a:ext cx="6400800" cy="1097280"/>
-          </a:xfrm>
-          <a:prstGeom prst="rect">
-            <a:avLst/>
-          </a:prstGeom>
-          <a:noFill/>
-        </p:spPr>
-        <p:txBody>
-          <a:bodyPr wrap="square">
-            <a:spAutoFit/>
-          </a:bodyPr>
-          <a:lstStyle/>
-          <a:p>
-            <a:pPr algn="l">
-              <a:defRPr sz="1200" b="0">
-                <a:solidFill>
-                  <a:srgbClr val="FFFFFF"/>
-                </a:solidFill>
-              </a:defRPr>
-            </a:pPr>
-            <a:r>
-              <a:t>• No model training</a:t>
-            </a:r>
-            <a:br/>
-            <a:r>
-              <a:t>• Customer isolation (separate instance - no sharing)</a:t>
-            </a:r>
-            <a:br/>
-            <a:r>
-              <a:t>• Configurable retention</a:t>
-            </a:r>
-          </a:p>
-        </p:txBody>
-      </p:sp>
-      <p:sp>
-        <p:nvSpPr>
-          <p:cNvPr id="6" name="TextBox 5"/>
-          <p:cNvSpPr txBox="1"/>
-          <p:nvPr/>
-        </p:nvSpPr>
-        <p:spPr>
-          <a:xfrm>
-            <a:off x="457200" y="3200400"/>
-            <a:ext cx="2743200" cy="365760"/>
-          </a:xfrm>
-          <a:prstGeom prst="rect">
-            <a:avLst/>
-          </a:prstGeom>
-          <a:noFill/>
-        </p:spPr>
-        <p:txBody>
-          <a:bodyPr wrap="square">
-            <a:spAutoFit/>
-          </a:bodyPr>
-          <a:lstStyle/>
-          <a:p>
-            <a:pPr algn="l">
-              <a:defRPr sz="1400" b="1">
-                <a:solidFill>
-                  <a:srgbClr val="FFFFFF"/>
-                </a:solidFill>
-              </a:defRPr>
-            </a:pPr>
-            <a:r>
-              <a:t>Access &amp; oversight</a:t>
-            </a:r>
-          </a:p>
-        </p:txBody>
-      </p:sp>
-      <p:sp>
-        <p:nvSpPr>
-          <p:cNvPr id="7" name="TextBox 6"/>
-          <p:cNvSpPr txBox="1"/>
-          <p:nvPr/>
-        </p:nvSpPr>
-        <p:spPr>
-          <a:xfrm>
-            <a:off x="457200" y="3566160"/>
-            <a:ext cx="6400800" cy="1097280"/>
-          </a:xfrm>
-          <a:prstGeom prst="rect">
-            <a:avLst/>
-          </a:prstGeom>
-          <a:noFill/>
-        </p:spPr>
-        <p:txBody>
-          <a:bodyPr wrap="square">
-            <a:spAutoFit/>
-          </a:bodyPr>
-          <a:lstStyle/>
-          <a:p>
-            <a:pPr algn="l">
-              <a:defRPr sz="1200" b="0">
-                <a:solidFill>
-                  <a:srgbClr val="FFFFFF"/>
-                </a:solidFill>
-              </a:defRPr>
-            </a:pPr>
-            <a:r>
-              <a:t>• Role-based access (learner/assessor/admin)</a:t>
-            </a:r>
-            <a:br/>
-            <a:r>
-              <a:t>• Admin governance (scenario approval, assessor assignment)</a:t>
-            </a:r>
-            <a:br/>
-            <a:r>
-              <a:t>• Optional transcript controls (on/off, redaction)</a:t>
-            </a:r>
-          </a:p>
-        </p:txBody>
-      </p:sp>
-      <p:sp>
-        <p:nvSpPr>
-          <p:cNvPr id="8" name="TextBox 7"/>
-          <p:cNvSpPr txBox="1"/>
-          <p:nvPr/>
-        </p:nvSpPr>
-        <p:spPr>
-          <a:xfrm>
-            <a:off x="457200" y="4754880"/>
-            <a:ext cx="2743200" cy="365760"/>
-          </a:xfrm>
-          <a:prstGeom prst="rect">
-            <a:avLst/>
-          </a:prstGeom>
-          <a:noFill/>
-        </p:spPr>
-        <p:txBody>
-          <a:bodyPr wrap="square">
-            <a:spAutoFit/>
-          </a:bodyPr>
-          <a:lstStyle/>
-          <a:p>
-            <a:pPr algn="l">
-              <a:defRPr sz="1400" b="1">
-                <a:solidFill>
-                  <a:srgbClr val="FFFFFF"/>
-                </a:solidFill>
-              </a:defRPr>
-            </a:pPr>
-            <a:r>
-              <a:t>Audit &amp; compliance</a:t>
-            </a:r>
-          </a:p>
-        </p:txBody>
-      </p:sp>
-      <p:sp>
-        <p:nvSpPr>
-          <p:cNvPr id="9" name="TextBox 8"/>
-          <p:cNvSpPr txBox="1"/>
-          <p:nvPr/>
-        </p:nvSpPr>
-        <p:spPr>
-          <a:xfrm>
-            <a:off x="457200" y="5120640"/>
-            <a:ext cx="6400800" cy="1097280"/>
-          </a:xfrm>
-          <a:prstGeom prst="rect">
-            <a:avLst/>
-          </a:prstGeom>
-          <a:noFill/>
-        </p:spPr>
-        <p:txBody>
-          <a:bodyPr wrap="square">
-            <a:spAutoFit/>
-          </a:bodyPr>
-          <a:lstStyle/>
-          <a:p>
-            <a:pPr algn="l">
-              <a:defRPr sz="1200" b="0">
-                <a:solidFill>
-                  <a:srgbClr val="FFFFFF"/>
-                </a:solidFill>
-              </a:defRPr>
-            </a:pPr>
-            <a:r>
-              <a:t>• Audit logs (who did what, when)</a:t>
-            </a:r>
-            <a:br/>
-            <a:r>
-              <a:t>• Rubric versioning (which rules + content were used)</a:t>
-            </a:r>
-            <a:br/>
-            <a:r>
-              <a:t>• Exportable evidence accessible by admin/end-user</a:t>
-            </a:r>
-          </a:p>
-        </p:txBody>
-      </p:sp>
-      <p:sp>
-        <p:nvSpPr>
-          <p:cNvPr id="10" name="Rounded Rectangle 9"/>
+              <a:t>Pricing</a:t>
+            </a:r>
+          </a:p>
+        </p:txBody>
+      </p:sp>
+      <p:sp>
+        <p:nvSpPr>
+          <p:cNvPr id="3" name="Rounded Rectangle 2"/>
           <p:cNvSpPr/>
           <p:nvPr/>
         </p:nvSpPr>
         <p:spPr>
           <a:xfrm>
-            <a:off x="8229600" y="1828800"/>
-            <a:ext cx="3200400" cy="2743200"/>
+            <a:off x="731520" y="1097280"/>
+            <a:ext cx="3474720" cy="4572000"/>
           </a:xfrm>
           <a:prstGeom prst="roundRect">
             <a:avLst/>
           </a:prstGeom>
           <a:solidFill>
-            <a:srgbClr val="C7F464"/>
+            <a:srgbClr val="FFFFFF"/>
           </a:solidFill>
           <a:ln>
             <a:noFill/>
@@ -6370,11 +6602,610 @@
           <a:bodyPr rtlCol="0" anchor="ctr"/>
           <a:lstStyle/>
           <a:p>
+            <a:pPr algn="ctr"/>
+          </a:p>
+        </p:txBody>
+      </p:sp>
+      <p:sp>
+        <p:nvSpPr>
+          <p:cNvPr id="4" name="TextBox 3"/>
+          <p:cNvSpPr txBox="1"/>
+          <p:nvPr/>
+        </p:nvSpPr>
+        <p:spPr>
+          <a:xfrm>
+            <a:off x="914400" y="1280160"/>
+            <a:ext cx="3200400" cy="365760"/>
+          </a:xfrm>
+          <a:prstGeom prst="rect">
+            <a:avLst/>
+          </a:prstGeom>
+          <a:noFill/>
+        </p:spPr>
+        <p:txBody>
+          <a:bodyPr wrap="square">
+            <a:spAutoFit/>
+          </a:bodyPr>
+          <a:lstStyle/>
+          <a:p>
             <a:pPr algn="ctr">
-              <a:defRPr sz="7200"/>
+              <a:defRPr sz="1200" b="1">
+                <a:solidFill>
+                  <a:srgbClr val="0D6B56"/>
+                </a:solidFill>
+                <a:latin typeface="Arial"/>
+              </a:defRPr>
             </a:pPr>
             <a:r>
-              <a:t>🔒</a:t>
+              <a:t>ESSENTIAL</a:t>
+            </a:r>
+          </a:p>
+        </p:txBody>
+      </p:sp>
+      <p:sp>
+        <p:nvSpPr>
+          <p:cNvPr id="5" name="TextBox 4"/>
+          <p:cNvSpPr txBox="1"/>
+          <p:nvPr/>
+        </p:nvSpPr>
+        <p:spPr>
+          <a:xfrm>
+            <a:off x="914400" y="1737360"/>
+            <a:ext cx="3200400" cy="548640"/>
+          </a:xfrm>
+          <a:prstGeom prst="rect">
+            <a:avLst/>
+          </a:prstGeom>
+          <a:noFill/>
+        </p:spPr>
+        <p:txBody>
+          <a:bodyPr wrap="square">
+            <a:spAutoFit/>
+          </a:bodyPr>
+          <a:lstStyle/>
+          <a:p>
+            <a:pPr algn="ctr">
+              <a:defRPr sz="4000" b="1">
+                <a:solidFill>
+                  <a:srgbClr val="1A1A1A"/>
+                </a:solidFill>
+                <a:latin typeface="Arial"/>
+              </a:defRPr>
+            </a:pPr>
+            <a:r>
+              <a:t>$39</a:t>
+            </a:r>
+          </a:p>
+        </p:txBody>
+      </p:sp>
+      <p:sp>
+        <p:nvSpPr>
+          <p:cNvPr id="6" name="TextBox 5"/>
+          <p:cNvSpPr txBox="1"/>
+          <p:nvPr/>
+        </p:nvSpPr>
+        <p:spPr>
+          <a:xfrm>
+            <a:off x="914400" y="2286000"/>
+            <a:ext cx="3200400" cy="274320"/>
+          </a:xfrm>
+          <a:prstGeom prst="rect">
+            <a:avLst/>
+          </a:prstGeom>
+          <a:noFill/>
+        </p:spPr>
+        <p:txBody>
+          <a:bodyPr wrap="square">
+            <a:spAutoFit/>
+          </a:bodyPr>
+          <a:lstStyle/>
+          <a:p>
+            <a:pPr algn="ctr">
+              <a:defRPr sz="1200" b="0">
+                <a:solidFill>
+                  <a:srgbClr val="4A4A4A"/>
+                </a:solidFill>
+                <a:latin typeface="Arial"/>
+              </a:defRPr>
+            </a:pPr>
+            <a:r>
+              <a:t>/user/mo</a:t>
+            </a:r>
+          </a:p>
+        </p:txBody>
+      </p:sp>
+      <p:sp>
+        <p:nvSpPr>
+          <p:cNvPr id="7" name="TextBox 6"/>
+          <p:cNvSpPr txBox="1"/>
+          <p:nvPr/>
+        </p:nvSpPr>
+        <p:spPr>
+          <a:xfrm>
+            <a:off x="1097280" y="2926080"/>
+            <a:ext cx="2926080" cy="2286000"/>
+          </a:xfrm>
+          <a:prstGeom prst="rect">
+            <a:avLst/>
+          </a:prstGeom>
+          <a:noFill/>
+        </p:spPr>
+        <p:txBody>
+          <a:bodyPr wrap="square">
+            <a:spAutoFit/>
+          </a:bodyPr>
+          <a:lstStyle/>
+          <a:p>
+            <a:pPr>
+              <a:defRPr sz="1100" b="0">
+                <a:solidFill>
+                  <a:srgbClr val="4A4A4A"/>
+                </a:solidFill>
+                <a:latin typeface="Arial"/>
+              </a:defRPr>
+            </a:pPr>
+            <a:r>
+              <a:t>✓ 10 min video / 60 min audio</a:t>
+            </a:r>
+            <a:br/>
+            <a:r>
+              <a:t>✓ Unlimited agent types</a:t>
+            </a:r>
+            <a:br/>
+            <a:r>
+              <a:t>✓ Learning pathways</a:t>
+            </a:r>
+            <a:br/>
+            <a:r>
+              <a:t>✓ Templates + rubrics</a:t>
+            </a:r>
+            <a:br/>
+            <a:r>
+              <a:t>✓ Email support</a:t>
+            </a:r>
+          </a:p>
+        </p:txBody>
+      </p:sp>
+      <p:sp>
+        <p:nvSpPr>
+          <p:cNvPr id="8" name="Rounded Rectangle 7"/>
+          <p:cNvSpPr/>
+          <p:nvPr/>
+        </p:nvSpPr>
+        <p:spPr>
+          <a:xfrm>
+            <a:off x="4389120" y="1097280"/>
+            <a:ext cx="3474720" cy="4572000"/>
+          </a:xfrm>
+          <a:prstGeom prst="roundRect">
+            <a:avLst/>
+          </a:prstGeom>
+          <a:solidFill>
+            <a:srgbClr val="FFFFFF"/>
+          </a:solidFill>
+          <a:ln w="25400">
+            <a:solidFill>
+              <a:srgbClr val="0D6B56"/>
+            </a:solidFill>
+          </a:ln>
+        </p:spPr>
+        <p:style>
+          <a:lnRef idx="1">
+            <a:schemeClr val="accent1"/>
+          </a:lnRef>
+          <a:fillRef idx="3">
+            <a:schemeClr val="accent1"/>
+          </a:fillRef>
+          <a:effectRef idx="2">
+            <a:schemeClr val="accent1"/>
+          </a:effectRef>
+          <a:fontRef idx="minor">
+            <a:schemeClr val="lt1"/>
+          </a:fontRef>
+        </p:style>
+        <p:txBody>
+          <a:bodyPr rtlCol="0" anchor="ctr"/>
+          <a:lstStyle/>
+          <a:p>
+            <a:pPr algn="ctr"/>
+          </a:p>
+        </p:txBody>
+      </p:sp>
+      <p:sp>
+        <p:nvSpPr>
+          <p:cNvPr id="9" name="TextBox 8"/>
+          <p:cNvSpPr txBox="1"/>
+          <p:nvPr/>
+        </p:nvSpPr>
+        <p:spPr>
+          <a:xfrm>
+            <a:off x="5029200" y="914400"/>
+            <a:ext cx="2286000" cy="274320"/>
+          </a:xfrm>
+          <a:prstGeom prst="rect">
+            <a:avLst/>
+          </a:prstGeom>
+          <a:noFill/>
+        </p:spPr>
+        <p:txBody>
+          <a:bodyPr wrap="square">
+            <a:spAutoFit/>
+          </a:bodyPr>
+          <a:lstStyle/>
+          <a:p>
+            <a:pPr algn="ctr">
+              <a:defRPr sz="1000" b="1">
+                <a:solidFill>
+                  <a:srgbClr val="0D6B56"/>
+                </a:solidFill>
+                <a:latin typeface="Arial"/>
+              </a:defRPr>
+            </a:pPr>
+            <a:r>
+              <a:t>★ POPULAR</a:t>
+            </a:r>
+          </a:p>
+        </p:txBody>
+      </p:sp>
+      <p:sp>
+        <p:nvSpPr>
+          <p:cNvPr id="10" name="TextBox 9"/>
+          <p:cNvSpPr txBox="1"/>
+          <p:nvPr/>
+        </p:nvSpPr>
+        <p:spPr>
+          <a:xfrm>
+            <a:off x="4572000" y="1280160"/>
+            <a:ext cx="3200400" cy="365760"/>
+          </a:xfrm>
+          <a:prstGeom prst="rect">
+            <a:avLst/>
+          </a:prstGeom>
+          <a:noFill/>
+        </p:spPr>
+        <p:txBody>
+          <a:bodyPr wrap="square">
+            <a:spAutoFit/>
+          </a:bodyPr>
+          <a:lstStyle/>
+          <a:p>
+            <a:pPr algn="ctr">
+              <a:defRPr sz="1200" b="1">
+                <a:solidFill>
+                  <a:srgbClr val="0D6B56"/>
+                </a:solidFill>
+                <a:latin typeface="Arial"/>
+              </a:defRPr>
+            </a:pPr>
+            <a:r>
+              <a:t>PROFESSIONAL</a:t>
+            </a:r>
+          </a:p>
+        </p:txBody>
+      </p:sp>
+      <p:sp>
+        <p:nvSpPr>
+          <p:cNvPr id="11" name="TextBox 10"/>
+          <p:cNvSpPr txBox="1"/>
+          <p:nvPr/>
+        </p:nvSpPr>
+        <p:spPr>
+          <a:xfrm>
+            <a:off x="4572000" y="1737360"/>
+            <a:ext cx="3200400" cy="548640"/>
+          </a:xfrm>
+          <a:prstGeom prst="rect">
+            <a:avLst/>
+          </a:prstGeom>
+          <a:noFill/>
+        </p:spPr>
+        <p:txBody>
+          <a:bodyPr wrap="square">
+            <a:spAutoFit/>
+          </a:bodyPr>
+          <a:lstStyle/>
+          <a:p>
+            <a:pPr algn="ctr">
+              <a:defRPr sz="4000" b="1">
+                <a:solidFill>
+                  <a:srgbClr val="1A1A1A"/>
+                </a:solidFill>
+                <a:latin typeface="Arial"/>
+              </a:defRPr>
+            </a:pPr>
+            <a:r>
+              <a:t>$79</a:t>
+            </a:r>
+          </a:p>
+        </p:txBody>
+      </p:sp>
+      <p:sp>
+        <p:nvSpPr>
+          <p:cNvPr id="12" name="TextBox 11"/>
+          <p:cNvSpPr txBox="1"/>
+          <p:nvPr/>
+        </p:nvSpPr>
+        <p:spPr>
+          <a:xfrm>
+            <a:off x="4572000" y="2286000"/>
+            <a:ext cx="3200400" cy="274320"/>
+          </a:xfrm>
+          <a:prstGeom prst="rect">
+            <a:avLst/>
+          </a:prstGeom>
+          <a:noFill/>
+        </p:spPr>
+        <p:txBody>
+          <a:bodyPr wrap="square">
+            <a:spAutoFit/>
+          </a:bodyPr>
+          <a:lstStyle/>
+          <a:p>
+            <a:pPr algn="ctr">
+              <a:defRPr sz="1200" b="0">
+                <a:solidFill>
+                  <a:srgbClr val="4A4A4A"/>
+                </a:solidFill>
+                <a:latin typeface="Arial"/>
+              </a:defRPr>
+            </a:pPr>
+            <a:r>
+              <a:t>/user/mo</a:t>
+            </a:r>
+          </a:p>
+        </p:txBody>
+      </p:sp>
+      <p:sp>
+        <p:nvSpPr>
+          <p:cNvPr id="13" name="TextBox 12"/>
+          <p:cNvSpPr txBox="1"/>
+          <p:nvPr/>
+        </p:nvSpPr>
+        <p:spPr>
+          <a:xfrm>
+            <a:off x="4754880" y="2926080"/>
+            <a:ext cx="2926080" cy="2286000"/>
+          </a:xfrm>
+          <a:prstGeom prst="rect">
+            <a:avLst/>
+          </a:prstGeom>
+          <a:noFill/>
+        </p:spPr>
+        <p:txBody>
+          <a:bodyPr wrap="square">
+            <a:spAutoFit/>
+          </a:bodyPr>
+          <a:lstStyle/>
+          <a:p>
+            <a:pPr>
+              <a:defRPr sz="1100" b="0">
+                <a:solidFill>
+                  <a:srgbClr val="4A4A4A"/>
+                </a:solidFill>
+                <a:latin typeface="Arial"/>
+              </a:defRPr>
+            </a:pPr>
+            <a:r>
+              <a:t>✓ 25 min video / 90 min audio</a:t>
+            </a:r>
+            <a:br/>
+            <a:r>
+              <a:t>✓ Everything in Essential</a:t>
+            </a:r>
+            <a:br/>
+            <a:r>
+              <a:t>✓ Team analytics</a:t>
+            </a:r>
+            <a:br/>
+            <a:r>
+              <a:t>✓ Gamification</a:t>
+            </a:r>
+            <a:br/>
+            <a:r>
+              <a:t>✓ Priority support</a:t>
+            </a:r>
+          </a:p>
+        </p:txBody>
+      </p:sp>
+      <p:sp>
+        <p:nvSpPr>
+          <p:cNvPr id="14" name="Rounded Rectangle 13"/>
+          <p:cNvSpPr/>
+          <p:nvPr/>
+        </p:nvSpPr>
+        <p:spPr>
+          <a:xfrm>
+            <a:off x="8046720" y="1097280"/>
+            <a:ext cx="3474720" cy="4572000"/>
+          </a:xfrm>
+          <a:prstGeom prst="roundRect">
+            <a:avLst/>
+          </a:prstGeom>
+          <a:solidFill>
+            <a:srgbClr val="FFFFFF"/>
+          </a:solidFill>
+          <a:ln>
+            <a:noFill/>
+          </a:ln>
+        </p:spPr>
+        <p:style>
+          <a:lnRef idx="1">
+            <a:schemeClr val="accent1"/>
+          </a:lnRef>
+          <a:fillRef idx="3">
+            <a:schemeClr val="accent1"/>
+          </a:fillRef>
+          <a:effectRef idx="2">
+            <a:schemeClr val="accent1"/>
+          </a:effectRef>
+          <a:fontRef idx="minor">
+            <a:schemeClr val="lt1"/>
+          </a:fontRef>
+        </p:style>
+        <p:txBody>
+          <a:bodyPr rtlCol="0" anchor="ctr"/>
+          <a:lstStyle/>
+          <a:p>
+            <a:pPr algn="ctr"/>
+          </a:p>
+        </p:txBody>
+      </p:sp>
+      <p:sp>
+        <p:nvSpPr>
+          <p:cNvPr id="15" name="TextBox 14"/>
+          <p:cNvSpPr txBox="1"/>
+          <p:nvPr/>
+        </p:nvSpPr>
+        <p:spPr>
+          <a:xfrm>
+            <a:off x="8229600" y="1280160"/>
+            <a:ext cx="3200400" cy="365760"/>
+          </a:xfrm>
+          <a:prstGeom prst="rect">
+            <a:avLst/>
+          </a:prstGeom>
+          <a:noFill/>
+        </p:spPr>
+        <p:txBody>
+          <a:bodyPr wrap="square">
+            <a:spAutoFit/>
+          </a:bodyPr>
+          <a:lstStyle/>
+          <a:p>
+            <a:pPr algn="ctr">
+              <a:defRPr sz="1200" b="1">
+                <a:solidFill>
+                  <a:srgbClr val="0D6B56"/>
+                </a:solidFill>
+                <a:latin typeface="Arial"/>
+              </a:defRPr>
+            </a:pPr>
+            <a:r>
+              <a:t>ENTERPRISE</a:t>
+            </a:r>
+          </a:p>
+        </p:txBody>
+      </p:sp>
+      <p:sp>
+        <p:nvSpPr>
+          <p:cNvPr id="16" name="TextBox 15"/>
+          <p:cNvSpPr txBox="1"/>
+          <p:nvPr/>
+        </p:nvSpPr>
+        <p:spPr>
+          <a:xfrm>
+            <a:off x="8229600" y="1737360"/>
+            <a:ext cx="3200400" cy="548640"/>
+          </a:xfrm>
+          <a:prstGeom prst="rect">
+            <a:avLst/>
+          </a:prstGeom>
+          <a:noFill/>
+        </p:spPr>
+        <p:txBody>
+          <a:bodyPr wrap="square">
+            <a:spAutoFit/>
+          </a:bodyPr>
+          <a:lstStyle/>
+          <a:p>
+            <a:pPr algn="ctr">
+              <a:defRPr sz="4000" b="1">
+                <a:solidFill>
+                  <a:srgbClr val="1A1A1A"/>
+                </a:solidFill>
+                <a:latin typeface="Arial"/>
+              </a:defRPr>
+            </a:pPr>
+            <a:r>
+              <a:t>Custom</a:t>
+            </a:r>
+          </a:p>
+        </p:txBody>
+      </p:sp>
+      <p:sp>
+        <p:nvSpPr>
+          <p:cNvPr id="17" name="TextBox 16"/>
+          <p:cNvSpPr txBox="1"/>
+          <p:nvPr/>
+        </p:nvSpPr>
+        <p:spPr>
+          <a:xfrm>
+            <a:off x="8229600" y="2286000"/>
+            <a:ext cx="3200400" cy="274320"/>
+          </a:xfrm>
+          <a:prstGeom prst="rect">
+            <a:avLst/>
+          </a:prstGeom>
+          <a:noFill/>
+        </p:spPr>
+        <p:txBody>
+          <a:bodyPr wrap="square">
+            <a:spAutoFit/>
+          </a:bodyPr>
+          <a:lstStyle/>
+          <a:p>
+            <a:pPr algn="ctr">
+              <a:defRPr sz="1200" b="0">
+                <a:solidFill>
+                  <a:srgbClr val="4A4A4A"/>
+                </a:solidFill>
+                <a:latin typeface="Arial"/>
+              </a:defRPr>
+            </a:pPr>
+            <a:r>
+              <a:t>contact us</a:t>
+            </a:r>
+          </a:p>
+        </p:txBody>
+      </p:sp>
+      <p:sp>
+        <p:nvSpPr>
+          <p:cNvPr id="18" name="TextBox 17"/>
+          <p:cNvSpPr txBox="1"/>
+          <p:nvPr/>
+        </p:nvSpPr>
+        <p:spPr>
+          <a:xfrm>
+            <a:off x="8412480" y="2926080"/>
+            <a:ext cx="2926080" cy="2286000"/>
+          </a:xfrm>
+          <a:prstGeom prst="rect">
+            <a:avLst/>
+          </a:prstGeom>
+          <a:noFill/>
+        </p:spPr>
+        <p:txBody>
+          <a:bodyPr wrap="square">
+            <a:spAutoFit/>
+          </a:bodyPr>
+          <a:lstStyle/>
+          <a:p>
+            <a:pPr>
+              <a:defRPr sz="1100" b="0">
+                <a:solidFill>
+                  <a:srgbClr val="4A4A4A"/>
+                </a:solidFill>
+                <a:latin typeface="Arial"/>
+              </a:defRPr>
+            </a:pPr>
+            <a:r>
+              <a:t>✓ Custom instance</a:t>
+            </a:r>
+            <a:br/>
+            <a:r>
+              <a:t>✓ High pooled allowances</a:t>
+            </a:r>
+            <a:br/>
+            <a:r>
+              <a:t>✓ SSO &amp; governance</a:t>
+            </a:r>
+            <a:br/>
+            <a:r>
+              <a:t>✓ Volume rates</a:t>
+            </a:r>
+            <a:br/>
+            <a:r>
+              <a:t>✓ Phone support</a:t>
             </a:r>
           </a:p>
         </p:txBody>
@@ -6393,7 +7224,7 @@
     <p:bg>
       <p:bgPr>
         <a:solidFill>
-          <a:srgbClr val="3D3D3D"/>
+          <a:srgbClr val="C7F464"/>
         </a:solidFill>
         <a:effectLst/>
       </p:bgPr>
@@ -6413,8 +7244,8 @@
         </p:nvSpPr>
         <p:spPr>
           <a:xfrm>
-            <a:off x="1828800" y="2286000"/>
-            <a:ext cx="8229600" cy="1828800"/>
+            <a:off x="0" y="1371600"/>
+            <a:ext cx="12191695" cy="731520"/>
           </a:xfrm>
           <a:prstGeom prst="rect">
             <a:avLst/>
@@ -6428,42 +7259,210 @@
           <a:lstStyle/>
           <a:p>
             <a:pPr algn="ctr">
-              <a:defRPr sz="9600" b="1">
-                <a:solidFill>
-                  <a:srgbClr val="C7F464"/>
-                </a:solidFill>
+              <a:defRPr sz="4800" b="1">
+                <a:solidFill>
+                  <a:srgbClr val="0D6B56"/>
+                </a:solidFill>
+                <a:latin typeface="Arial"/>
               </a:defRPr>
             </a:pPr>
             <a:r>
-              <a:t>Demo</a:t>
-            </a:r>
-          </a:p>
-        </p:txBody>
-      </p:sp>
-      <p:pic>
-        <p:nvPicPr>
-          <p:cNvPr id="3" name="Picture 2" descr="content-studio.png"/>
-          <p:cNvPicPr>
-            <a:picLocks noChangeAspect="1"/>
-          </p:cNvPicPr>
-          <p:nvPr/>
-        </p:nvPicPr>
-        <p:blipFill>
-          <a:blip r:embed="rId2"/>
-          <a:stretch>
-            <a:fillRect/>
-          </a:stretch>
-        </p:blipFill>
-        <p:spPr>
-          <a:xfrm>
-            <a:off x="2743200" y="4114800"/>
-            <a:ext cx="6400800" cy="5695096"/>
-          </a:xfrm>
-          <a:prstGeom prst="rect">
-            <a:avLst/>
-          </a:prstGeom>
-        </p:spPr>
-      </p:pic>
+              <a:t>medd sim</a:t>
+            </a:r>
+          </a:p>
+        </p:txBody>
+      </p:sp>
+      <p:sp>
+        <p:nvSpPr>
+          <p:cNvPr id="3" name="TextBox 2"/>
+          <p:cNvSpPr txBox="1"/>
+          <p:nvPr/>
+        </p:nvSpPr>
+        <p:spPr>
+          <a:xfrm>
+            <a:off x="0" y="2560320"/>
+            <a:ext cx="12191695" cy="1097280"/>
+          </a:xfrm>
+          <a:prstGeom prst="rect">
+            <a:avLst/>
+          </a:prstGeom>
+          <a:noFill/>
+        </p:spPr>
+        <p:txBody>
+          <a:bodyPr wrap="square">
+            <a:spAutoFit/>
+          </a:bodyPr>
+          <a:lstStyle/>
+          <a:p>
+            <a:pPr algn="ctr">
+              <a:defRPr sz="4000" b="1">
+                <a:solidFill>
+                  <a:srgbClr val="1A1A1A"/>
+                </a:solidFill>
+                <a:latin typeface="Arial"/>
+              </a:defRPr>
+            </a:pPr>
+            <a:r>
+              <a:t>Ready to transform how</a:t>
+            </a:r>
+            <a:br/>
+            <a:r>
+              <a:t>your team practices?</a:t>
+            </a:r>
+          </a:p>
+        </p:txBody>
+      </p:sp>
+      <p:sp>
+        <p:nvSpPr>
+          <p:cNvPr id="4" name="TextBox 3"/>
+          <p:cNvSpPr txBox="1"/>
+          <p:nvPr/>
+        </p:nvSpPr>
+        <p:spPr>
+          <a:xfrm>
+            <a:off x="0" y="4114800"/>
+            <a:ext cx="12191695" cy="548640"/>
+          </a:xfrm>
+          <a:prstGeom prst="rect">
+            <a:avLst/>
+          </a:prstGeom>
+          <a:noFill/>
+        </p:spPr>
+        <p:txBody>
+          <a:bodyPr wrap="square">
+            <a:spAutoFit/>
+          </a:bodyPr>
+          <a:lstStyle/>
+          <a:p>
+            <a:pPr algn="ctr">
+              <a:defRPr sz="1800" b="0">
+                <a:solidFill>
+                  <a:srgbClr val="4A4A4A"/>
+                </a:solidFill>
+                <a:latin typeface="Arial"/>
+              </a:defRPr>
+            </a:pPr>
+            <a:r>
+              <a:t>Turn high-stakes conversations into rehearsed performances.</a:t>
+            </a:r>
+          </a:p>
+        </p:txBody>
+      </p:sp>
+      <p:sp>
+        <p:nvSpPr>
+          <p:cNvPr id="5" name="Rounded Rectangle 4"/>
+          <p:cNvSpPr/>
+          <p:nvPr/>
+        </p:nvSpPr>
+        <p:spPr>
+          <a:xfrm>
+            <a:off x="4389120" y="4846320"/>
+            <a:ext cx="3383280" cy="640080"/>
+          </a:xfrm>
+          <a:prstGeom prst="roundRect">
+            <a:avLst/>
+          </a:prstGeom>
+          <a:solidFill>
+            <a:srgbClr val="0D6B56"/>
+          </a:solidFill>
+          <a:ln>
+            <a:noFill/>
+          </a:ln>
+        </p:spPr>
+        <p:style>
+          <a:lnRef idx="1">
+            <a:schemeClr val="accent1"/>
+          </a:lnRef>
+          <a:fillRef idx="3">
+            <a:schemeClr val="accent1"/>
+          </a:fillRef>
+          <a:effectRef idx="2">
+            <a:schemeClr val="accent1"/>
+          </a:effectRef>
+          <a:fontRef idx="minor">
+            <a:schemeClr val="lt1"/>
+          </a:fontRef>
+        </p:style>
+        <p:txBody>
+          <a:bodyPr rtlCol="0" anchor="ctr"/>
+          <a:lstStyle/>
+          <a:p>
+            <a:pPr algn="ctr"/>
+          </a:p>
+        </p:txBody>
+      </p:sp>
+      <p:sp>
+        <p:nvSpPr>
+          <p:cNvPr id="6" name="TextBox 5"/>
+          <p:cNvSpPr txBox="1"/>
+          <p:nvPr/>
+        </p:nvSpPr>
+        <p:spPr>
+          <a:xfrm>
+            <a:off x="4846320" y="4937760"/>
+            <a:ext cx="2560320" cy="457200"/>
+          </a:xfrm>
+          <a:prstGeom prst="rect">
+            <a:avLst/>
+          </a:prstGeom>
+          <a:noFill/>
+        </p:spPr>
+        <p:txBody>
+          <a:bodyPr wrap="square">
+            <a:spAutoFit/>
+          </a:bodyPr>
+          <a:lstStyle/>
+          <a:p>
+            <a:pPr algn="ctr">
+              <a:defRPr sz="1800" b="1">
+                <a:solidFill>
+                  <a:srgbClr val="FFFFFF"/>
+                </a:solidFill>
+                <a:latin typeface="Arial"/>
+              </a:defRPr>
+            </a:pPr>
+            <a:r>
+              <a:t>Start Free Trial</a:t>
+            </a:r>
+          </a:p>
+        </p:txBody>
+      </p:sp>
+      <p:sp>
+        <p:nvSpPr>
+          <p:cNvPr id="7" name="TextBox 6"/>
+          <p:cNvSpPr txBox="1"/>
+          <p:nvPr/>
+        </p:nvSpPr>
+        <p:spPr>
+          <a:xfrm>
+            <a:off x="0" y="5760720"/>
+            <a:ext cx="12191695" cy="365760"/>
+          </a:xfrm>
+          <a:prstGeom prst="rect">
+            <a:avLst/>
+          </a:prstGeom>
+          <a:noFill/>
+        </p:spPr>
+        <p:txBody>
+          <a:bodyPr wrap="square">
+            <a:spAutoFit/>
+          </a:bodyPr>
+          <a:lstStyle/>
+          <a:p>
+            <a:pPr algn="ctr">
+              <a:defRPr sz="1400" b="0">
+                <a:solidFill>
+                  <a:srgbClr val="4A4A4A"/>
+                </a:solidFill>
+                <a:latin typeface="Arial"/>
+              </a:defRPr>
+            </a:pPr>
+            <a:r>
+              <a:t>📧 hello@medd.com.au   |   🌐 sim.medd.com.au</a:t>
+            </a:r>
+          </a:p>
+        </p:txBody>
+      </p:sp>
     </p:spTree>
   </p:cSld>
   <p:clrMapOvr>

--- a/MEDD-SIM-Pitch-Deck.pptx
+++ b/MEDD-SIM-Pitch-Deck.pptx
@@ -3092,7 +3092,7 @@
     <p:bg>
       <p:bgPr>
         <a:solidFill>
-          <a:srgbClr val="C7F464"/>
+          <a:srgbClr val="1A1A1A"/>
         </a:solidFill>
         <a:effectLst/>
       </p:bgPr>
@@ -3112,7 +3112,7 @@
         </p:nvSpPr>
         <p:spPr>
           <a:xfrm>
-            <a:off x="0" y="2286000"/>
+            <a:off x="0" y="2011680"/>
             <a:ext cx="12191695" cy="914400"/>
           </a:xfrm>
           <a:prstGeom prst="rect">
@@ -3127,9 +3127,9 @@
           <a:lstStyle/>
           <a:p>
             <a:pPr algn="ctr">
-              <a:defRPr sz="7200" b="1">
-                <a:solidFill>
-                  <a:srgbClr val="0D6B56"/>
+              <a:defRPr sz="6400" b="1">
+                <a:solidFill>
+                  <a:srgbClr val="10A37F"/>
                 </a:solidFill>
                 <a:latin typeface="Arial"/>
               </a:defRPr>
@@ -3148,7 +3148,7 @@
         </p:nvSpPr>
         <p:spPr>
           <a:xfrm>
-            <a:off x="1371600" y="4114800"/>
+            <a:off x="1371600" y="3657600"/>
             <a:ext cx="9448495" cy="1371600"/>
           </a:xfrm>
           <a:prstGeom prst="rect">
@@ -3163,19 +3163,19 @@
           <a:lstStyle/>
           <a:p>
             <a:pPr algn="ctr">
-              <a:defRPr sz="2400" b="0">
-                <a:solidFill>
-                  <a:srgbClr val="1A1A1A"/>
-                </a:solidFill>
-                <a:latin typeface="Arial"/>
-              </a:defRPr>
-            </a:pPr>
-            <a:r>
-              <a:t>Giving your team the tools to practice the moments that matter,</a:t>
+              <a:defRPr sz="2600" b="0">
+                <a:solidFill>
+                  <a:srgbClr val="FFFFFF"/>
+                </a:solidFill>
+                <a:latin typeface="Arial"/>
+              </a:defRPr>
+            </a:pPr>
+            <a:r>
+              <a:t>Giving your team the tools to practice</a:t>
             </a:r>
             <a:br/>
             <a:r>
-              <a:t>before they matter.</a:t>
+              <a:t>the moments that matter, before they matter.</a:t>
             </a:r>
           </a:p>
         </p:txBody>
@@ -3194,7 +3194,7 @@
     <p:bg>
       <p:bgPr>
         <a:solidFill>
-          <a:srgbClr val="C7F464"/>
+          <a:srgbClr val="1A1A1A"/>
         </a:solidFill>
         <a:effectLst/>
       </p:bgPr>
@@ -3214,84 +3214,8 @@
         </p:nvSpPr>
         <p:spPr>
           <a:xfrm>
-            <a:off x="914400" y="914400"/>
-            <a:ext cx="5486400" cy="457200"/>
-          </a:xfrm>
-          <a:prstGeom prst="rect">
-            <a:avLst/>
-          </a:prstGeom>
-          <a:noFill/>
-        </p:spPr>
-        <p:txBody>
-          <a:bodyPr wrap="square">
-            <a:spAutoFit/>
-          </a:bodyPr>
-          <a:lstStyle/>
-          <a:p>
-            <a:pPr>
-              <a:defRPr sz="1800" b="0">
-                <a:solidFill>
-                  <a:srgbClr val="4A4A4A"/>
-                </a:solidFill>
-                <a:latin typeface="Arial"/>
-              </a:defRPr>
-            </a:pPr>
-            <a:r>
-              <a:t>Our Vision</a:t>
-            </a:r>
-          </a:p>
-        </p:txBody>
-      </p:sp>
-      <p:sp>
-        <p:nvSpPr>
-          <p:cNvPr id="3" name="TextBox 2"/>
-          <p:cNvSpPr txBox="1"/>
-          <p:nvPr/>
-        </p:nvSpPr>
-        <p:spPr>
-          <a:xfrm>
-            <a:off x="914400" y="1371600"/>
-            <a:ext cx="5486400" cy="1371600"/>
-          </a:xfrm>
-          <a:prstGeom prst="rect">
-            <a:avLst/>
-          </a:prstGeom>
-          <a:noFill/>
-        </p:spPr>
-        <p:txBody>
-          <a:bodyPr wrap="square">
-            <a:spAutoFit/>
-          </a:bodyPr>
-          <a:lstStyle/>
-          <a:p>
-            <a:pPr>
-              <a:defRPr sz="4000" b="1">
-                <a:solidFill>
-                  <a:srgbClr val="1A1A1A"/>
-                </a:solidFill>
-                <a:latin typeface="Arial"/>
-              </a:defRPr>
-            </a:pPr>
-            <a:r>
-              <a:t>Make deliberate practice</a:t>
-            </a:r>
-            <a:br/>
-            <a:r>
-              <a:t>a daily norm.</a:t>
-            </a:r>
-          </a:p>
-        </p:txBody>
-      </p:sp>
-      <p:sp>
-        <p:nvSpPr>
-          <p:cNvPr id="4" name="TextBox 3"/>
-          <p:cNvSpPr txBox="1"/>
-          <p:nvPr/>
-        </p:nvSpPr>
-        <p:spPr>
-          <a:xfrm>
-            <a:off x="914400" y="3200400"/>
-            <a:ext cx="5029200" cy="1371600"/>
+            <a:off x="731520" y="731520"/>
+            <a:ext cx="5486400" cy="365760"/>
           </a:xfrm>
           <a:prstGeom prst="rect">
             <a:avLst/>
@@ -3307,7 +3231,83 @@
             <a:pPr>
               <a:defRPr sz="1600" b="0">
                 <a:solidFill>
-                  <a:srgbClr val="4A4A4A"/>
+                  <a:srgbClr val="10A37F"/>
+                </a:solidFill>
+                <a:latin typeface="Arial"/>
+              </a:defRPr>
+            </a:pPr>
+            <a:r>
+              <a:t>Our Vision</a:t>
+            </a:r>
+          </a:p>
+        </p:txBody>
+      </p:sp>
+      <p:sp>
+        <p:nvSpPr>
+          <p:cNvPr id="3" name="TextBox 2"/>
+          <p:cNvSpPr txBox="1"/>
+          <p:nvPr/>
+        </p:nvSpPr>
+        <p:spPr>
+          <a:xfrm>
+            <a:off x="731520" y="1188720"/>
+            <a:ext cx="5486400" cy="1097280"/>
+          </a:xfrm>
+          <a:prstGeom prst="rect">
+            <a:avLst/>
+          </a:prstGeom>
+          <a:noFill/>
+        </p:spPr>
+        <p:txBody>
+          <a:bodyPr wrap="square">
+            <a:spAutoFit/>
+          </a:bodyPr>
+          <a:lstStyle/>
+          <a:p>
+            <a:pPr>
+              <a:defRPr sz="3600" b="1">
+                <a:solidFill>
+                  <a:srgbClr val="FFFFFF"/>
+                </a:solidFill>
+                <a:latin typeface="Arial"/>
+              </a:defRPr>
+            </a:pPr>
+            <a:r>
+              <a:t>Make deliberate practice</a:t>
+            </a:r>
+            <a:br/>
+            <a:r>
+              <a:t>a daily norm.</a:t>
+            </a:r>
+          </a:p>
+        </p:txBody>
+      </p:sp>
+      <p:sp>
+        <p:nvSpPr>
+          <p:cNvPr id="4" name="TextBox 3"/>
+          <p:cNvSpPr txBox="1"/>
+          <p:nvPr/>
+        </p:nvSpPr>
+        <p:spPr>
+          <a:xfrm>
+            <a:off x="731520" y="2743200"/>
+            <a:ext cx="5029200" cy="1097280"/>
+          </a:xfrm>
+          <a:prstGeom prst="rect">
+            <a:avLst/>
+          </a:prstGeom>
+          <a:noFill/>
+        </p:spPr>
+        <p:txBody>
+          <a:bodyPr wrap="square">
+            <a:spAutoFit/>
+          </a:bodyPr>
+          <a:lstStyle/>
+          <a:p>
+            <a:pPr>
+              <a:defRPr sz="1400" b="0">
+                <a:solidFill>
+                  <a:srgbClr val="A0A0A0"/>
                 </a:solidFill>
                 <a:latin typeface="Arial"/>
               </a:defRPr>
@@ -3318,6 +3318,229 @@
             <a:br/>
             <a:r>
               <a:t>Build any AI-powered coach, role-play, or examiner in minutes.</a:t>
+            </a:r>
+          </a:p>
+        </p:txBody>
+      </p:sp>
+      <p:sp>
+        <p:nvSpPr>
+          <p:cNvPr id="5" name="TextBox 4"/>
+          <p:cNvSpPr txBox="1"/>
+          <p:nvPr/>
+        </p:nvSpPr>
+        <p:spPr>
+          <a:xfrm>
+            <a:off x="731520" y="4114800"/>
+            <a:ext cx="1828800" cy="731520"/>
+          </a:xfrm>
+          <a:prstGeom prst="rect">
+            <a:avLst/>
+          </a:prstGeom>
+          <a:noFill/>
+        </p:spPr>
+        <p:txBody>
+          <a:bodyPr wrap="square">
+            <a:spAutoFit/>
+          </a:bodyPr>
+          <a:lstStyle/>
+          <a:p>
+            <a:pPr>
+              <a:defRPr sz="4400" b="1">
+                <a:solidFill>
+                  <a:srgbClr val="10A37F"/>
+                </a:solidFill>
+                <a:latin typeface="Arial"/>
+              </a:defRPr>
+            </a:pPr>
+            <a:r>
+              <a:t>73%</a:t>
+            </a:r>
+          </a:p>
+        </p:txBody>
+      </p:sp>
+      <p:sp>
+        <p:nvSpPr>
+          <p:cNvPr id="6" name="TextBox 5"/>
+          <p:cNvSpPr txBox="1"/>
+          <p:nvPr/>
+        </p:nvSpPr>
+        <p:spPr>
+          <a:xfrm>
+            <a:off x="731520" y="4846320"/>
+            <a:ext cx="1828800" cy="365760"/>
+          </a:xfrm>
+          <a:prstGeom prst="rect">
+            <a:avLst/>
+          </a:prstGeom>
+          <a:noFill/>
+        </p:spPr>
+        <p:txBody>
+          <a:bodyPr wrap="square">
+            <a:spAutoFit/>
+          </a:bodyPr>
+          <a:lstStyle/>
+          <a:p>
+            <a:pPr algn="ctr">
+              <a:defRPr sz="1200" b="0">
+                <a:solidFill>
+                  <a:srgbClr val="A0A0A0"/>
+                </a:solidFill>
+                <a:latin typeface="Arial"/>
+              </a:defRPr>
+            </a:pPr>
+            <a:r>
+              <a:t>avoid role-play</a:t>
+            </a:r>
+          </a:p>
+        </p:txBody>
+      </p:sp>
+      <p:sp>
+        <p:nvSpPr>
+          <p:cNvPr id="7" name="TextBox 6"/>
+          <p:cNvSpPr txBox="1"/>
+          <p:nvPr/>
+        </p:nvSpPr>
+        <p:spPr>
+          <a:xfrm>
+            <a:off x="3200400" y="4114800"/>
+            <a:ext cx="1828800" cy="731520"/>
+          </a:xfrm>
+          <a:prstGeom prst="rect">
+            <a:avLst/>
+          </a:prstGeom>
+          <a:noFill/>
+        </p:spPr>
+        <p:txBody>
+          <a:bodyPr wrap="square">
+            <a:spAutoFit/>
+          </a:bodyPr>
+          <a:lstStyle/>
+          <a:p>
+            <a:pPr>
+              <a:defRPr sz="4400" b="1">
+                <a:solidFill>
+                  <a:srgbClr val="10A37F"/>
+                </a:solidFill>
+                <a:latin typeface="Arial"/>
+              </a:defRPr>
+            </a:pPr>
+            <a:r>
+              <a:t>4x</a:t>
+            </a:r>
+          </a:p>
+        </p:txBody>
+      </p:sp>
+      <p:sp>
+        <p:nvSpPr>
+          <p:cNvPr id="8" name="TextBox 7"/>
+          <p:cNvSpPr txBox="1"/>
+          <p:nvPr/>
+        </p:nvSpPr>
+        <p:spPr>
+          <a:xfrm>
+            <a:off x="3200400" y="4846320"/>
+            <a:ext cx="1828800" cy="365760"/>
+          </a:xfrm>
+          <a:prstGeom prst="rect">
+            <a:avLst/>
+          </a:prstGeom>
+          <a:noFill/>
+        </p:spPr>
+        <p:txBody>
+          <a:bodyPr wrap="square">
+            <a:spAutoFit/>
+          </a:bodyPr>
+          <a:lstStyle/>
+          <a:p>
+            <a:pPr algn="ctr">
+              <a:defRPr sz="1200" b="0">
+                <a:solidFill>
+                  <a:srgbClr val="A0A0A0"/>
+                </a:solidFill>
+                <a:latin typeface="Arial"/>
+              </a:defRPr>
+            </a:pPr>
+            <a:r>
+              <a:t>faster learning</a:t>
+            </a:r>
+          </a:p>
+        </p:txBody>
+      </p:sp>
+      <p:sp>
+        <p:nvSpPr>
+          <p:cNvPr id="9" name="Rounded Rectangle 8"/>
+          <p:cNvSpPr/>
+          <p:nvPr/>
+        </p:nvSpPr>
+        <p:spPr>
+          <a:xfrm>
+            <a:off x="6400800" y="1371600"/>
+            <a:ext cx="5029200" cy="4114800"/>
+          </a:xfrm>
+          <a:prstGeom prst="roundRect">
+            <a:avLst/>
+          </a:prstGeom>
+          <a:solidFill>
+            <a:srgbClr val="2A2A2A"/>
+          </a:solidFill>
+          <a:ln>
+            <a:noFill/>
+          </a:ln>
+        </p:spPr>
+        <p:style>
+          <a:lnRef idx="1">
+            <a:schemeClr val="accent1"/>
+          </a:lnRef>
+          <a:fillRef idx="3">
+            <a:schemeClr val="accent1"/>
+          </a:fillRef>
+          <a:effectRef idx="2">
+            <a:schemeClr val="accent1"/>
+          </a:effectRef>
+          <a:fontRef idx="minor">
+            <a:schemeClr val="lt1"/>
+          </a:fontRef>
+        </p:style>
+        <p:txBody>
+          <a:bodyPr rtlCol="0" anchor="ctr"/>
+          <a:lstStyle/>
+          <a:p>
+            <a:pPr algn="ctr"/>
+          </a:p>
+        </p:txBody>
+      </p:sp>
+      <p:sp>
+        <p:nvSpPr>
+          <p:cNvPr id="10" name="TextBox 9"/>
+          <p:cNvSpPr txBox="1"/>
+          <p:nvPr/>
+        </p:nvSpPr>
+        <p:spPr>
+          <a:xfrm>
+            <a:off x="6858000" y="3200400"/>
+            <a:ext cx="4114800" cy="457200"/>
+          </a:xfrm>
+          <a:prstGeom prst="rect">
+            <a:avLst/>
+          </a:prstGeom>
+          <a:noFill/>
+        </p:spPr>
+        <p:txBody>
+          <a:bodyPr wrap="square">
+            <a:spAutoFit/>
+          </a:bodyPr>
+          <a:lstStyle/>
+          <a:p>
+            <a:pPr algn="ctr">
+              <a:defRPr sz="1400" b="0">
+                <a:solidFill>
+                  <a:srgbClr val="A0A0A0"/>
+                </a:solidFill>
+                <a:latin typeface="Arial"/>
+              </a:defRPr>
+            </a:pPr>
+            <a:r>
+              <a:t>📸 Team Collaboration Image</a:t>
             </a:r>
           </a:p>
         </p:txBody>
@@ -3356,8 +3579,8 @@
         </p:nvSpPr>
         <p:spPr>
           <a:xfrm>
-            <a:off x="914400" y="457200"/>
-            <a:ext cx="10058400" cy="731520"/>
+            <a:off x="731520" y="457200"/>
+            <a:ext cx="10058400" cy="640080"/>
           </a:xfrm>
           <a:prstGeom prst="rect">
             <a:avLst/>
@@ -3371,7 +3594,7 @@
           <a:lstStyle/>
           <a:p>
             <a:pPr>
-              <a:defRPr sz="3600" b="1">
+              <a:defRPr sz="3200" b="1">
                 <a:solidFill>
                   <a:srgbClr val="FFFFFF"/>
                 </a:solidFill>
@@ -3392,14 +3615,14 @@
         </p:nvSpPr>
         <p:spPr>
           <a:xfrm>
-            <a:off x="731520" y="2286000"/>
-            <a:ext cx="3474720" cy="2011680"/>
+            <a:off x="731520" y="1828800"/>
+            <a:ext cx="3474720" cy="3657600"/>
           </a:xfrm>
           <a:prstGeom prst="roundRect">
             <a:avLst/>
           </a:prstGeom>
           <a:solidFill>
-            <a:srgbClr val="FFFFFF"/>
+            <a:srgbClr val="2A2A2A"/>
           </a:solidFill>
           <a:ln>
             <a:noFill/>
@@ -3435,8 +3658,44 @@
         </p:nvSpPr>
         <p:spPr>
           <a:xfrm>
-            <a:off x="914400" y="2468880"/>
-            <a:ext cx="3108960" cy="457200"/>
+            <a:off x="2103120" y="2103120"/>
+            <a:ext cx="914400" cy="914400"/>
+          </a:xfrm>
+          <a:prstGeom prst="rect">
+            <a:avLst/>
+          </a:prstGeom>
+          <a:noFill/>
+        </p:spPr>
+        <p:txBody>
+          <a:bodyPr wrap="square">
+            <a:spAutoFit/>
+          </a:bodyPr>
+          <a:lstStyle/>
+          <a:p>
+            <a:pPr algn="ctr">
+              <a:defRPr sz="4800" b="0">
+                <a:solidFill>
+                  <a:srgbClr val="A0A0A0"/>
+                </a:solidFill>
+                <a:latin typeface="Arial"/>
+              </a:defRPr>
+            </a:pPr>
+            <a:r>
+              <a:t>📸</a:t>
+            </a:r>
+          </a:p>
+        </p:txBody>
+      </p:sp>
+      <p:sp>
+        <p:nvSpPr>
+          <p:cNvPr id="5" name="TextBox 4"/>
+          <p:cNvSpPr txBox="1"/>
+          <p:nvPr/>
+        </p:nvSpPr>
+        <p:spPr>
+          <a:xfrm>
+            <a:off x="1005840" y="3657600"/>
+            <a:ext cx="2926080" cy="457200"/>
           </a:xfrm>
           <a:prstGeom prst="rect">
             <a:avLst/>
@@ -3452,7 +3711,7 @@
             <a:pPr>
               <a:defRPr sz="1400" b="1">
                 <a:solidFill>
-                  <a:srgbClr val="0D6B56"/>
+                  <a:srgbClr val="FFFFFF"/>
                 </a:solidFill>
                 <a:latin typeface="Arial"/>
               </a:defRPr>
@@ -3465,14 +3724,14 @@
       </p:sp>
       <p:sp>
         <p:nvSpPr>
-          <p:cNvPr id="5" name="TextBox 4"/>
-          <p:cNvSpPr txBox="1"/>
-          <p:nvPr/>
-        </p:nvSpPr>
-        <p:spPr>
-          <a:xfrm>
-            <a:off x="914400" y="2834640"/>
-            <a:ext cx="3108960" cy="1097280"/>
+          <p:cNvPr id="6" name="TextBox 5"/>
+          <p:cNvSpPr txBox="1"/>
+          <p:nvPr/>
+        </p:nvSpPr>
+        <p:spPr>
+          <a:xfrm>
+            <a:off x="1005840" y="4206240"/>
+            <a:ext cx="2926080" cy="1097280"/>
           </a:xfrm>
           <a:prstGeom prst="rect">
             <a:avLst/>
@@ -3488,7 +3747,7 @@
             <a:pPr>
               <a:defRPr sz="1100" b="0">
                 <a:solidFill>
-                  <a:srgbClr val="4A4A4A"/>
+                  <a:srgbClr val="A0A0A0"/>
                 </a:solidFill>
                 <a:latin typeface="Arial"/>
               </a:defRPr>
@@ -3501,20 +3760,20 @@
       </p:sp>
       <p:sp>
         <p:nvSpPr>
-          <p:cNvPr id="6" name="Rounded Rectangle 5"/>
+          <p:cNvPr id="7" name="Rounded Rectangle 6"/>
           <p:cNvSpPr/>
           <p:nvPr/>
         </p:nvSpPr>
         <p:spPr>
           <a:xfrm>
-            <a:off x="4389120" y="2286000"/>
-            <a:ext cx="3474720" cy="2011680"/>
+            <a:off x="4389120" y="1828800"/>
+            <a:ext cx="3474720" cy="3657600"/>
           </a:xfrm>
           <a:prstGeom prst="roundRect">
             <a:avLst/>
           </a:prstGeom>
           <a:solidFill>
-            <a:srgbClr val="FFFFFF"/>
+            <a:srgbClr val="2A2A2A"/>
           </a:solidFill>
           <a:ln>
             <a:noFill/>
@@ -3544,14 +3803,50 @@
       </p:sp>
       <p:sp>
         <p:nvSpPr>
-          <p:cNvPr id="7" name="TextBox 6"/>
-          <p:cNvSpPr txBox="1"/>
-          <p:nvPr/>
-        </p:nvSpPr>
-        <p:spPr>
-          <a:xfrm>
-            <a:off x="4572000" y="2468880"/>
-            <a:ext cx="3108960" cy="457200"/>
+          <p:cNvPr id="8" name="TextBox 7"/>
+          <p:cNvSpPr txBox="1"/>
+          <p:nvPr/>
+        </p:nvSpPr>
+        <p:spPr>
+          <a:xfrm>
+            <a:off x="5760720" y="2103120"/>
+            <a:ext cx="914400" cy="914400"/>
+          </a:xfrm>
+          <a:prstGeom prst="rect">
+            <a:avLst/>
+          </a:prstGeom>
+          <a:noFill/>
+        </p:spPr>
+        <p:txBody>
+          <a:bodyPr wrap="square">
+            <a:spAutoFit/>
+          </a:bodyPr>
+          <a:lstStyle/>
+          <a:p>
+            <a:pPr algn="ctr">
+              <a:defRPr sz="4800" b="0">
+                <a:solidFill>
+                  <a:srgbClr val="A0A0A0"/>
+                </a:solidFill>
+                <a:latin typeface="Arial"/>
+              </a:defRPr>
+            </a:pPr>
+            <a:r>
+              <a:t>📸</a:t>
+            </a:r>
+          </a:p>
+        </p:txBody>
+      </p:sp>
+      <p:sp>
+        <p:nvSpPr>
+          <p:cNvPr id="9" name="TextBox 8"/>
+          <p:cNvSpPr txBox="1"/>
+          <p:nvPr/>
+        </p:nvSpPr>
+        <p:spPr>
+          <a:xfrm>
+            <a:off x="4663440" y="3657600"/>
+            <a:ext cx="2926080" cy="457200"/>
           </a:xfrm>
           <a:prstGeom prst="rect">
             <a:avLst/>
@@ -3567,7 +3862,7 @@
             <a:pPr>
               <a:defRPr sz="1400" b="1">
                 <a:solidFill>
-                  <a:srgbClr val="0D6B56"/>
+                  <a:srgbClr val="FFFFFF"/>
                 </a:solidFill>
                 <a:latin typeface="Arial"/>
               </a:defRPr>
@@ -3580,14 +3875,14 @@
       </p:sp>
       <p:sp>
         <p:nvSpPr>
-          <p:cNvPr id="8" name="TextBox 7"/>
-          <p:cNvSpPr txBox="1"/>
-          <p:nvPr/>
-        </p:nvSpPr>
-        <p:spPr>
-          <a:xfrm>
-            <a:off x="4572000" y="2834640"/>
-            <a:ext cx="3108960" cy="1097280"/>
+          <p:cNvPr id="10" name="TextBox 9"/>
+          <p:cNvSpPr txBox="1"/>
+          <p:nvPr/>
+        </p:nvSpPr>
+        <p:spPr>
+          <a:xfrm>
+            <a:off x="4663440" y="4206240"/>
+            <a:ext cx="2926080" cy="1097280"/>
           </a:xfrm>
           <a:prstGeom prst="rect">
             <a:avLst/>
@@ -3603,7 +3898,7 @@
             <a:pPr>
               <a:defRPr sz="1100" b="0">
                 <a:solidFill>
-                  <a:srgbClr val="4A4A4A"/>
+                  <a:srgbClr val="A0A0A0"/>
                 </a:solidFill>
                 <a:latin typeface="Arial"/>
               </a:defRPr>
@@ -3616,20 +3911,20 @@
       </p:sp>
       <p:sp>
         <p:nvSpPr>
-          <p:cNvPr id="9" name="Rounded Rectangle 8"/>
+          <p:cNvPr id="11" name="Rounded Rectangle 10"/>
           <p:cNvSpPr/>
           <p:nvPr/>
         </p:nvSpPr>
         <p:spPr>
           <a:xfrm>
-            <a:off x="8046720" y="2286000"/>
-            <a:ext cx="3474720" cy="2011680"/>
+            <a:off x="8046720" y="1828800"/>
+            <a:ext cx="3474720" cy="3657600"/>
           </a:xfrm>
           <a:prstGeom prst="roundRect">
             <a:avLst/>
           </a:prstGeom>
           <a:solidFill>
-            <a:srgbClr val="FFFFFF"/>
+            <a:srgbClr val="2A2A2A"/>
           </a:solidFill>
           <a:ln>
             <a:noFill/>
@@ -3659,14 +3954,50 @@
       </p:sp>
       <p:sp>
         <p:nvSpPr>
-          <p:cNvPr id="10" name="TextBox 9"/>
-          <p:cNvSpPr txBox="1"/>
-          <p:nvPr/>
-        </p:nvSpPr>
-        <p:spPr>
-          <a:xfrm>
-            <a:off x="8229600" y="2468880"/>
-            <a:ext cx="3108960" cy="457200"/>
+          <p:cNvPr id="12" name="TextBox 11"/>
+          <p:cNvSpPr txBox="1"/>
+          <p:nvPr/>
+        </p:nvSpPr>
+        <p:spPr>
+          <a:xfrm>
+            <a:off x="9418320" y="2103120"/>
+            <a:ext cx="914400" cy="914400"/>
+          </a:xfrm>
+          <a:prstGeom prst="rect">
+            <a:avLst/>
+          </a:prstGeom>
+          <a:noFill/>
+        </p:spPr>
+        <p:txBody>
+          <a:bodyPr wrap="square">
+            <a:spAutoFit/>
+          </a:bodyPr>
+          <a:lstStyle/>
+          <a:p>
+            <a:pPr algn="ctr">
+              <a:defRPr sz="4800" b="0">
+                <a:solidFill>
+                  <a:srgbClr val="A0A0A0"/>
+                </a:solidFill>
+                <a:latin typeface="Arial"/>
+              </a:defRPr>
+            </a:pPr>
+            <a:r>
+              <a:t>📸</a:t>
+            </a:r>
+          </a:p>
+        </p:txBody>
+      </p:sp>
+      <p:sp>
+        <p:nvSpPr>
+          <p:cNvPr id="13" name="TextBox 12"/>
+          <p:cNvSpPr txBox="1"/>
+          <p:nvPr/>
+        </p:nvSpPr>
+        <p:spPr>
+          <a:xfrm>
+            <a:off x="8321040" y="3657600"/>
+            <a:ext cx="2926080" cy="457200"/>
           </a:xfrm>
           <a:prstGeom prst="rect">
             <a:avLst/>
@@ -3682,7 +4013,7 @@
             <a:pPr>
               <a:defRPr sz="1400" b="1">
                 <a:solidFill>
-                  <a:srgbClr val="0D6B56"/>
+                  <a:srgbClr val="FFFFFF"/>
                 </a:solidFill>
                 <a:latin typeface="Arial"/>
               </a:defRPr>
@@ -3695,14 +4026,14 @@
       </p:sp>
       <p:sp>
         <p:nvSpPr>
-          <p:cNvPr id="11" name="TextBox 10"/>
-          <p:cNvSpPr txBox="1"/>
-          <p:nvPr/>
-        </p:nvSpPr>
-        <p:spPr>
-          <a:xfrm>
-            <a:off x="8229600" y="2834640"/>
-            <a:ext cx="3108960" cy="1097280"/>
+          <p:cNvPr id="14" name="TextBox 13"/>
+          <p:cNvSpPr txBox="1"/>
+          <p:nvPr/>
+        </p:nvSpPr>
+        <p:spPr>
+          <a:xfrm>
+            <a:off x="8321040" y="4206240"/>
+            <a:ext cx="2926080" cy="1097280"/>
           </a:xfrm>
           <a:prstGeom prst="rect">
             <a:avLst/>
@@ -3718,7 +4049,7 @@
             <a:pPr>
               <a:defRPr sz="1100" b="0">
                 <a:solidFill>
-                  <a:srgbClr val="4A4A4A"/>
+                  <a:srgbClr val="A0A0A0"/>
                 </a:solidFill>
                 <a:latin typeface="Arial"/>
               </a:defRPr>
@@ -3743,7 +4074,7 @@
     <p:bg>
       <p:bgPr>
         <a:solidFill>
-          <a:srgbClr val="C7F464"/>
+          <a:srgbClr val="1A1A1A"/>
         </a:solidFill>
         <a:effectLst/>
       </p:bgPr>
@@ -3763,80 +4094,8 @@
         </p:nvSpPr>
         <p:spPr>
           <a:xfrm>
-            <a:off x="914400" y="457200"/>
-            <a:ext cx="5486400" cy="457200"/>
-          </a:xfrm>
-          <a:prstGeom prst="rect">
-            <a:avLst/>
-          </a:prstGeom>
-          <a:noFill/>
-        </p:spPr>
-        <p:txBody>
-          <a:bodyPr wrap="square">
-            <a:spAutoFit/>
-          </a:bodyPr>
-          <a:lstStyle/>
-          <a:p>
-            <a:pPr>
-              <a:defRPr sz="1800" b="0">
-                <a:solidFill>
-                  <a:srgbClr val="4A4A4A"/>
-                </a:solidFill>
-                <a:latin typeface="Arial"/>
-              </a:defRPr>
-            </a:pPr>
-            <a:r>
-              <a:t>How we fix it</a:t>
-            </a:r>
-          </a:p>
-        </p:txBody>
-      </p:sp>
-      <p:sp>
-        <p:nvSpPr>
-          <p:cNvPr id="3" name="TextBox 2"/>
-          <p:cNvSpPr txBox="1"/>
-          <p:nvPr/>
-        </p:nvSpPr>
-        <p:spPr>
-          <a:xfrm>
-            <a:off x="914400" y="914400"/>
-            <a:ext cx="5486400" cy="731520"/>
-          </a:xfrm>
-          <a:prstGeom prst="rect">
-            <a:avLst/>
-          </a:prstGeom>
-          <a:noFill/>
-        </p:spPr>
-        <p:txBody>
-          <a:bodyPr wrap="square">
-            <a:spAutoFit/>
-          </a:bodyPr>
-          <a:lstStyle/>
-          <a:p>
-            <a:pPr>
-              <a:defRPr sz="3600" b="1">
-                <a:solidFill>
-                  <a:srgbClr val="1A1A1A"/>
-                </a:solidFill>
-                <a:latin typeface="Arial"/>
-              </a:defRPr>
-            </a:pPr>
-            <a:r>
-              <a:t>A behaviour rehearsal engine</a:t>
-            </a:r>
-          </a:p>
-        </p:txBody>
-      </p:sp>
-      <p:sp>
-        <p:nvSpPr>
-          <p:cNvPr id="4" name="TextBox 3"/>
-          <p:cNvSpPr txBox="1"/>
-          <p:nvPr/>
-        </p:nvSpPr>
-        <p:spPr>
-          <a:xfrm>
-            <a:off x="914400" y="1645920"/>
-            <a:ext cx="5486400" cy="548640"/>
+            <a:off x="731520" y="457200"/>
+            <a:ext cx="5486400" cy="365760"/>
           </a:xfrm>
           <a:prstGeom prst="rect">
             <a:avLst/>
@@ -3852,7 +4111,79 @@
             <a:pPr>
               <a:defRPr sz="1600" b="0">
                 <a:solidFill>
-                  <a:srgbClr val="4A4A4A"/>
+                  <a:srgbClr val="10A37F"/>
+                </a:solidFill>
+                <a:latin typeface="Arial"/>
+              </a:defRPr>
+            </a:pPr>
+            <a:r>
+              <a:t>How we fix it</a:t>
+            </a:r>
+          </a:p>
+        </p:txBody>
+      </p:sp>
+      <p:sp>
+        <p:nvSpPr>
+          <p:cNvPr id="3" name="TextBox 2"/>
+          <p:cNvSpPr txBox="1"/>
+          <p:nvPr/>
+        </p:nvSpPr>
+        <p:spPr>
+          <a:xfrm>
+            <a:off x="731520" y="914400"/>
+            <a:ext cx="5486400" cy="640080"/>
+          </a:xfrm>
+          <a:prstGeom prst="rect">
+            <a:avLst/>
+          </a:prstGeom>
+          <a:noFill/>
+        </p:spPr>
+        <p:txBody>
+          <a:bodyPr wrap="square">
+            <a:spAutoFit/>
+          </a:bodyPr>
+          <a:lstStyle/>
+          <a:p>
+            <a:pPr>
+              <a:defRPr sz="3200" b="1">
+                <a:solidFill>
+                  <a:srgbClr val="FFFFFF"/>
+                </a:solidFill>
+                <a:latin typeface="Arial"/>
+              </a:defRPr>
+            </a:pPr>
+            <a:r>
+              <a:t>A behaviour rehearsal engine</a:t>
+            </a:r>
+          </a:p>
+        </p:txBody>
+      </p:sp>
+      <p:sp>
+        <p:nvSpPr>
+          <p:cNvPr id="4" name="TextBox 3"/>
+          <p:cNvSpPr txBox="1"/>
+          <p:nvPr/>
+        </p:nvSpPr>
+        <p:spPr>
+          <a:xfrm>
+            <a:off x="731520" y="1645920"/>
+            <a:ext cx="5029200" cy="457200"/>
+          </a:xfrm>
+          <a:prstGeom prst="rect">
+            <a:avLst/>
+          </a:prstGeom>
+          <a:noFill/>
+        </p:spPr>
+        <p:txBody>
+          <a:bodyPr wrap="square">
+            <a:spAutoFit/>
+          </a:bodyPr>
+          <a:lstStyle/>
+          <a:p>
+            <a:pPr>
+              <a:defRPr sz="1400" b="0">
+                <a:solidFill>
+                  <a:srgbClr val="A0A0A0"/>
                 </a:solidFill>
                 <a:latin typeface="Arial"/>
               </a:defRPr>
@@ -3871,14 +4202,14 @@
         </p:nvSpPr>
         <p:spPr>
           <a:xfrm>
-            <a:off x="914400" y="2743200"/>
-            <a:ext cx="2743200" cy="1463040"/>
+            <a:off x="731520" y="2560320"/>
+            <a:ext cx="2743200" cy="1188720"/>
           </a:xfrm>
           <a:prstGeom prst="roundRect">
             <a:avLst/>
           </a:prstGeom>
           <a:solidFill>
-            <a:srgbClr val="FFFFFF"/>
+            <a:srgbClr val="2A2A2A"/>
           </a:solidFill>
           <a:ln>
             <a:noFill/>
@@ -3914,8 +4245,8 @@
         </p:nvSpPr>
         <p:spPr>
           <a:xfrm>
-            <a:off x="1097280" y="2926080"/>
-            <a:ext cx="2377440" cy="457200"/>
+            <a:off x="914400" y="2743200"/>
+            <a:ext cx="2377440" cy="365760"/>
           </a:xfrm>
           <a:prstGeom prst="rect">
             <a:avLst/>
@@ -3929,9 +4260,9 @@
           <a:lstStyle/>
           <a:p>
             <a:pPr>
-              <a:defRPr sz="1400" b="1">
-                <a:solidFill>
-                  <a:srgbClr val="0D6B56"/>
+              <a:defRPr sz="1300" b="1">
+                <a:solidFill>
+                  <a:srgbClr val="10A37F"/>
                 </a:solidFill>
                 <a:latin typeface="Arial"/>
               </a:defRPr>
@@ -3950,8 +4281,8 @@
         </p:nvSpPr>
         <p:spPr>
           <a:xfrm>
-            <a:off x="1097280" y="3291840"/>
-            <a:ext cx="2377440" cy="1097280"/>
+            <a:off x="914400" y="3108960"/>
+            <a:ext cx="2377440" cy="914400"/>
           </a:xfrm>
           <a:prstGeom prst="rect">
             <a:avLst/>
@@ -3965,9 +4296,9 @@
           <a:lstStyle/>
           <a:p>
             <a:pPr>
-              <a:defRPr sz="1100" b="0">
-                <a:solidFill>
-                  <a:srgbClr val="4A4A4A"/>
+              <a:defRPr sz="1000" b="0">
+                <a:solidFill>
+                  <a:srgbClr val="A0A0A0"/>
                 </a:solidFill>
                 <a:latin typeface="Arial"/>
               </a:defRPr>
@@ -3986,14 +4317,14 @@
         </p:nvSpPr>
         <p:spPr>
           <a:xfrm>
-            <a:off x="3840480" y="2743200"/>
-            <a:ext cx="2743200" cy="1463040"/>
+            <a:off x="3657600" y="2560320"/>
+            <a:ext cx="2743200" cy="1188720"/>
           </a:xfrm>
           <a:prstGeom prst="roundRect">
             <a:avLst/>
           </a:prstGeom>
           <a:solidFill>
-            <a:srgbClr val="FFFFFF"/>
+            <a:srgbClr val="2A2A2A"/>
           </a:solidFill>
           <a:ln>
             <a:noFill/>
@@ -4029,8 +4360,8 @@
         </p:nvSpPr>
         <p:spPr>
           <a:xfrm>
-            <a:off x="4023360" y="2926080"/>
-            <a:ext cx="2377440" cy="457200"/>
+            <a:off x="3840480" y="2743200"/>
+            <a:ext cx="2377440" cy="365760"/>
           </a:xfrm>
           <a:prstGeom prst="rect">
             <a:avLst/>
@@ -4044,9 +4375,9 @@
           <a:lstStyle/>
           <a:p>
             <a:pPr>
-              <a:defRPr sz="1400" b="1">
-                <a:solidFill>
-                  <a:srgbClr val="0D6B56"/>
+              <a:defRPr sz="1300" b="1">
+                <a:solidFill>
+                  <a:srgbClr val="10A37F"/>
                 </a:solidFill>
                 <a:latin typeface="Arial"/>
               </a:defRPr>
@@ -4065,8 +4396,8 @@
         </p:nvSpPr>
         <p:spPr>
           <a:xfrm>
-            <a:off x="4023360" y="3291840"/>
-            <a:ext cx="2377440" cy="1097280"/>
+            <a:off x="3840480" y="3108960"/>
+            <a:ext cx="2377440" cy="914400"/>
           </a:xfrm>
           <a:prstGeom prst="rect">
             <a:avLst/>
@@ -4080,9 +4411,9 @@
           <a:lstStyle/>
           <a:p>
             <a:pPr>
-              <a:defRPr sz="1100" b="0">
-                <a:solidFill>
-                  <a:srgbClr val="4A4A4A"/>
+              <a:defRPr sz="1000" b="0">
+                <a:solidFill>
+                  <a:srgbClr val="A0A0A0"/>
                 </a:solidFill>
                 <a:latin typeface="Arial"/>
               </a:defRPr>
@@ -4101,14 +4432,14 @@
         </p:nvSpPr>
         <p:spPr>
           <a:xfrm>
-            <a:off x="914400" y="4389120"/>
-            <a:ext cx="2743200" cy="1463040"/>
+            <a:off x="731520" y="4023360"/>
+            <a:ext cx="2743200" cy="1188720"/>
           </a:xfrm>
           <a:prstGeom prst="roundRect">
             <a:avLst/>
           </a:prstGeom>
           <a:solidFill>
-            <a:srgbClr val="FFFFFF"/>
+            <a:srgbClr val="2A2A2A"/>
           </a:solidFill>
           <a:ln>
             <a:noFill/>
@@ -4144,8 +4475,8 @@
         </p:nvSpPr>
         <p:spPr>
           <a:xfrm>
-            <a:off x="1097280" y="4572000"/>
-            <a:ext cx="2377440" cy="457200"/>
+            <a:off x="914400" y="4206240"/>
+            <a:ext cx="2377440" cy="365760"/>
           </a:xfrm>
           <a:prstGeom prst="rect">
             <a:avLst/>
@@ -4159,9 +4490,9 @@
           <a:lstStyle/>
           <a:p>
             <a:pPr>
-              <a:defRPr sz="1400" b="1">
-                <a:solidFill>
-                  <a:srgbClr val="0D6B56"/>
+              <a:defRPr sz="1300" b="1">
+                <a:solidFill>
+                  <a:srgbClr val="10A37F"/>
                 </a:solidFill>
                 <a:latin typeface="Arial"/>
               </a:defRPr>
@@ -4180,8 +4511,8 @@
         </p:nvSpPr>
         <p:spPr>
           <a:xfrm>
-            <a:off x="1097280" y="4937759"/>
-            <a:ext cx="2377440" cy="1097280"/>
+            <a:off x="914400" y="4572000"/>
+            <a:ext cx="2377440" cy="914400"/>
           </a:xfrm>
           <a:prstGeom prst="rect">
             <a:avLst/>
@@ -4195,9 +4526,9 @@
           <a:lstStyle/>
           <a:p>
             <a:pPr>
-              <a:defRPr sz="1100" b="0">
-                <a:solidFill>
-                  <a:srgbClr val="4A4A4A"/>
+              <a:defRPr sz="1000" b="0">
+                <a:solidFill>
+                  <a:srgbClr val="A0A0A0"/>
                 </a:solidFill>
                 <a:latin typeface="Arial"/>
               </a:defRPr>
@@ -4216,14 +4547,14 @@
         </p:nvSpPr>
         <p:spPr>
           <a:xfrm>
-            <a:off x="3840480" y="4389120"/>
-            <a:ext cx="2743200" cy="1463040"/>
+            <a:off x="3657600" y="4023360"/>
+            <a:ext cx="2743200" cy="1188720"/>
           </a:xfrm>
           <a:prstGeom prst="roundRect">
             <a:avLst/>
           </a:prstGeom>
           <a:solidFill>
-            <a:srgbClr val="FFFFFF"/>
+            <a:srgbClr val="2A2A2A"/>
           </a:solidFill>
           <a:ln>
             <a:noFill/>
@@ -4259,8 +4590,8 @@
         </p:nvSpPr>
         <p:spPr>
           <a:xfrm>
-            <a:off x="4023360" y="4572000"/>
-            <a:ext cx="2377440" cy="457200"/>
+            <a:off x="3840480" y="4206240"/>
+            <a:ext cx="2377440" cy="365760"/>
           </a:xfrm>
           <a:prstGeom prst="rect">
             <a:avLst/>
@@ -4274,9 +4605,9 @@
           <a:lstStyle/>
           <a:p>
             <a:pPr>
-              <a:defRPr sz="1400" b="1">
-                <a:solidFill>
-                  <a:srgbClr val="0D6B56"/>
+              <a:defRPr sz="1300" b="1">
+                <a:solidFill>
+                  <a:srgbClr val="10A37F"/>
                 </a:solidFill>
                 <a:latin typeface="Arial"/>
               </a:defRPr>
@@ -4295,8 +4626,8 @@
         </p:nvSpPr>
         <p:spPr>
           <a:xfrm>
-            <a:off x="4023360" y="4937759"/>
-            <a:ext cx="2377440" cy="1097280"/>
+            <a:off x="3840480" y="4572000"/>
+            <a:ext cx="2377440" cy="914400"/>
           </a:xfrm>
           <a:prstGeom prst="rect">
             <a:avLst/>
@@ -4310,15 +4641,94 @@
           <a:lstStyle/>
           <a:p>
             <a:pPr>
-              <a:defRPr sz="1100" b="0">
-                <a:solidFill>
-                  <a:srgbClr val="4A4A4A"/>
+              <a:defRPr sz="1000" b="0">
+                <a:solidFill>
+                  <a:srgbClr val="A0A0A0"/>
                 </a:solidFill>
                 <a:latin typeface="Arial"/>
               </a:defRPr>
             </a:pPr>
             <a:r>
               <a:t>Structured training for any goal</a:t>
+            </a:r>
+          </a:p>
+        </p:txBody>
+      </p:sp>
+      <p:sp>
+        <p:nvSpPr>
+          <p:cNvPr id="17" name="Rounded Rectangle 16"/>
+          <p:cNvSpPr/>
+          <p:nvPr/>
+        </p:nvSpPr>
+        <p:spPr>
+          <a:xfrm>
+            <a:off x="6858000" y="1371600"/>
+            <a:ext cx="4572000" cy="4114800"/>
+          </a:xfrm>
+          <a:prstGeom prst="roundRect">
+            <a:avLst/>
+          </a:prstGeom>
+          <a:solidFill>
+            <a:srgbClr val="2A2A2A"/>
+          </a:solidFill>
+          <a:ln>
+            <a:noFill/>
+          </a:ln>
+        </p:spPr>
+        <p:style>
+          <a:lnRef idx="1">
+            <a:schemeClr val="accent1"/>
+          </a:lnRef>
+          <a:fillRef idx="3">
+            <a:schemeClr val="accent1"/>
+          </a:fillRef>
+          <a:effectRef idx="2">
+            <a:schemeClr val="accent1"/>
+          </a:effectRef>
+          <a:fontRef idx="minor">
+            <a:schemeClr val="lt1"/>
+          </a:fontRef>
+        </p:style>
+        <p:txBody>
+          <a:bodyPr rtlCol="0" anchor="ctr"/>
+          <a:lstStyle/>
+          <a:p>
+            <a:pPr algn="ctr"/>
+          </a:p>
+        </p:txBody>
+      </p:sp>
+      <p:sp>
+        <p:nvSpPr>
+          <p:cNvPr id="18" name="TextBox 17"/>
+          <p:cNvSpPr txBox="1"/>
+          <p:nvPr/>
+        </p:nvSpPr>
+        <p:spPr>
+          <a:xfrm>
+            <a:off x="7315200" y="3200400"/>
+            <a:ext cx="3657600" cy="457200"/>
+          </a:xfrm>
+          <a:prstGeom prst="rect">
+            <a:avLst/>
+          </a:prstGeom>
+          <a:noFill/>
+        </p:spPr>
+        <p:txBody>
+          <a:bodyPr wrap="square">
+            <a:spAutoFit/>
+          </a:bodyPr>
+          <a:lstStyle/>
+          <a:p>
+            <a:pPr algn="ctr">
+              <a:defRPr sz="1400" b="0">
+                <a:solidFill>
+                  <a:srgbClr val="A0A0A0"/>
+                </a:solidFill>
+                <a:latin typeface="Arial"/>
+              </a:defRPr>
+            </a:pPr>
+            <a:r>
+              <a:t>📸 Medical Professional Image</a:t>
             </a:r>
           </a:p>
         </p:txBody>
@@ -4337,7 +4747,7 @@
     <p:bg>
       <p:bgPr>
         <a:solidFill>
-          <a:srgbClr val="C7F464"/>
+          <a:srgbClr val="1A1A1A"/>
         </a:solidFill>
         <a:effectLst/>
       </p:bgPr>
@@ -4357,8 +4767,8 @@
         </p:nvSpPr>
         <p:spPr>
           <a:xfrm>
-            <a:off x="914400" y="457200"/>
-            <a:ext cx="10058400" cy="731520"/>
+            <a:off x="731520" y="457200"/>
+            <a:ext cx="10058400" cy="640080"/>
           </a:xfrm>
           <a:prstGeom prst="rect">
             <a:avLst/>
@@ -4372,9 +4782,9 @@
           <a:lstStyle/>
           <a:p>
             <a:pPr>
-              <a:defRPr sz="3200" b="1">
-                <a:solidFill>
-                  <a:srgbClr val="1A1A1A"/>
+              <a:defRPr sz="2800" b="1">
+                <a:solidFill>
+                  <a:srgbClr val="FFFFFF"/>
                 </a:solidFill>
                 <a:latin typeface="Arial"/>
               </a:defRPr>
@@ -4394,13 +4804,13 @@
         <p:spPr>
           <a:xfrm>
             <a:off x="731520" y="1645920"/>
-            <a:ext cx="3474720" cy="1280160"/>
+            <a:ext cx="3474720" cy="1188720"/>
           </a:xfrm>
           <a:prstGeom prst="roundRect">
             <a:avLst/>
           </a:prstGeom>
           <a:solidFill>
-            <a:srgbClr val="FFFFFF"/>
+            <a:srgbClr val="2A2A2A"/>
           </a:solidFill>
           <a:ln>
             <a:noFill/>
@@ -4437,7 +4847,7 @@
         <p:spPr>
           <a:xfrm>
             <a:off x="914400" y="1828800"/>
-            <a:ext cx="3108960" cy="457200"/>
+            <a:ext cx="3108960" cy="365760"/>
           </a:xfrm>
           <a:prstGeom prst="rect">
             <a:avLst/>
@@ -4451,9 +4861,9 @@
           <a:lstStyle/>
           <a:p>
             <a:pPr>
-              <a:defRPr sz="1400" b="1">
-                <a:solidFill>
-                  <a:srgbClr val="0D6B56"/>
+              <a:defRPr sz="1300" b="1">
+                <a:solidFill>
+                  <a:srgbClr val="FFFFFF"/>
                 </a:solidFill>
                 <a:latin typeface="Arial"/>
               </a:defRPr>
@@ -4473,7 +4883,7 @@
         <p:spPr>
           <a:xfrm>
             <a:off x="914400" y="2194560"/>
-            <a:ext cx="3108960" cy="1097280"/>
+            <a:ext cx="3108960" cy="914400"/>
           </a:xfrm>
           <a:prstGeom prst="rect">
             <a:avLst/>
@@ -4487,9 +4897,9 @@
           <a:lstStyle/>
           <a:p>
             <a:pPr>
-              <a:defRPr sz="1100" b="0">
-                <a:solidFill>
-                  <a:srgbClr val="4A4A4A"/>
+              <a:defRPr sz="1000" b="0">
+                <a:solidFill>
+                  <a:srgbClr val="A0A0A0"/>
                 </a:solidFill>
                 <a:latin typeface="Arial"/>
               </a:defRPr>
@@ -4509,13 +4919,13 @@
         <p:spPr>
           <a:xfrm>
             <a:off x="4480559" y="1645920"/>
-            <a:ext cx="3474720" cy="1280160"/>
+            <a:ext cx="3474720" cy="1188720"/>
           </a:xfrm>
           <a:prstGeom prst="roundRect">
             <a:avLst/>
           </a:prstGeom>
           <a:solidFill>
-            <a:srgbClr val="FFFFFF"/>
+            <a:srgbClr val="2A2A2A"/>
           </a:solidFill>
           <a:ln>
             <a:noFill/>
@@ -4552,7 +4962,7 @@
         <p:spPr>
           <a:xfrm>
             <a:off x="4663440" y="1828800"/>
-            <a:ext cx="3108960" cy="457200"/>
+            <a:ext cx="3108960" cy="365760"/>
           </a:xfrm>
           <a:prstGeom prst="rect">
             <a:avLst/>
@@ -4566,9 +4976,9 @@
           <a:lstStyle/>
           <a:p>
             <a:pPr>
-              <a:defRPr sz="1400" b="1">
-                <a:solidFill>
-                  <a:srgbClr val="0D6B56"/>
+              <a:defRPr sz="1300" b="1">
+                <a:solidFill>
+                  <a:srgbClr val="FFFFFF"/>
                 </a:solidFill>
                 <a:latin typeface="Arial"/>
               </a:defRPr>
@@ -4588,7 +4998,7 @@
         <p:spPr>
           <a:xfrm>
             <a:off x="4663440" y="2194560"/>
-            <a:ext cx="3108960" cy="1097280"/>
+            <a:ext cx="3108960" cy="914400"/>
           </a:xfrm>
           <a:prstGeom prst="rect">
             <a:avLst/>
@@ -4602,9 +5012,9 @@
           <a:lstStyle/>
           <a:p>
             <a:pPr>
-              <a:defRPr sz="1100" b="0">
-                <a:solidFill>
-                  <a:srgbClr val="4A4A4A"/>
+              <a:defRPr sz="1000" b="0">
+                <a:solidFill>
+                  <a:srgbClr val="A0A0A0"/>
                 </a:solidFill>
                 <a:latin typeface="Arial"/>
               </a:defRPr>
@@ -4624,13 +5034,13 @@
         <p:spPr>
           <a:xfrm>
             <a:off x="8229600" y="1645920"/>
-            <a:ext cx="3474720" cy="1280160"/>
+            <a:ext cx="3474720" cy="1188720"/>
           </a:xfrm>
           <a:prstGeom prst="roundRect">
             <a:avLst/>
           </a:prstGeom>
           <a:solidFill>
-            <a:srgbClr val="FFFFFF"/>
+            <a:srgbClr val="2A2A2A"/>
           </a:solidFill>
           <a:ln>
             <a:noFill/>
@@ -4667,7 +5077,7 @@
         <p:spPr>
           <a:xfrm>
             <a:off x="8412480" y="1828800"/>
-            <a:ext cx="3108960" cy="457200"/>
+            <a:ext cx="3108960" cy="365760"/>
           </a:xfrm>
           <a:prstGeom prst="rect">
             <a:avLst/>
@@ -4681,9 +5091,9 @@
           <a:lstStyle/>
           <a:p>
             <a:pPr>
-              <a:defRPr sz="1400" b="1">
-                <a:solidFill>
-                  <a:srgbClr val="0D6B56"/>
+              <a:defRPr sz="1300" b="1">
+                <a:solidFill>
+                  <a:srgbClr val="FFFFFF"/>
                 </a:solidFill>
                 <a:latin typeface="Arial"/>
               </a:defRPr>
@@ -4703,7 +5113,7 @@
         <p:spPr>
           <a:xfrm>
             <a:off x="8412480" y="2194560"/>
-            <a:ext cx="3108960" cy="1097280"/>
+            <a:ext cx="3108960" cy="914400"/>
           </a:xfrm>
           <a:prstGeom prst="rect">
             <a:avLst/>
@@ -4717,9 +5127,9 @@
           <a:lstStyle/>
           <a:p>
             <a:pPr>
-              <a:defRPr sz="1100" b="0">
-                <a:solidFill>
-                  <a:srgbClr val="4A4A4A"/>
+              <a:defRPr sz="1000" b="0">
+                <a:solidFill>
+                  <a:srgbClr val="A0A0A0"/>
                 </a:solidFill>
                 <a:latin typeface="Arial"/>
               </a:defRPr>
@@ -4738,14 +5148,14 @@
         </p:nvSpPr>
         <p:spPr>
           <a:xfrm>
-            <a:off x="731520" y="3200400"/>
-            <a:ext cx="3474720" cy="1280160"/>
+            <a:off x="731520" y="3108960"/>
+            <a:ext cx="3474720" cy="1188720"/>
           </a:xfrm>
           <a:prstGeom prst="roundRect">
             <a:avLst/>
           </a:prstGeom>
           <a:solidFill>
-            <a:srgbClr val="FFFFFF"/>
+            <a:srgbClr val="2A2A2A"/>
           </a:solidFill>
           <a:ln>
             <a:noFill/>
@@ -4781,8 +5191,8 @@
         </p:nvSpPr>
         <p:spPr>
           <a:xfrm>
-            <a:off x="914400" y="3383280"/>
-            <a:ext cx="3108960" cy="457200"/>
+            <a:off x="914400" y="3291840"/>
+            <a:ext cx="3108960" cy="365760"/>
           </a:xfrm>
           <a:prstGeom prst="rect">
             <a:avLst/>
@@ -4796,9 +5206,9 @@
           <a:lstStyle/>
           <a:p>
             <a:pPr>
-              <a:defRPr sz="1400" b="1">
-                <a:solidFill>
-                  <a:srgbClr val="0D6B56"/>
+              <a:defRPr sz="1300" b="1">
+                <a:solidFill>
+                  <a:srgbClr val="FFFFFF"/>
                 </a:solidFill>
                 <a:latin typeface="Arial"/>
               </a:defRPr>
@@ -4817,8 +5227,8 @@
         </p:nvSpPr>
         <p:spPr>
           <a:xfrm>
-            <a:off x="914400" y="3749039"/>
-            <a:ext cx="3108960" cy="1097280"/>
+            <a:off x="914400" y="3657600"/>
+            <a:ext cx="3108960" cy="914400"/>
           </a:xfrm>
           <a:prstGeom prst="rect">
             <a:avLst/>
@@ -4832,9 +5242,9 @@
           <a:lstStyle/>
           <a:p>
             <a:pPr>
-              <a:defRPr sz="1100" b="0">
-                <a:solidFill>
-                  <a:srgbClr val="4A4A4A"/>
+              <a:defRPr sz="1000" b="0">
+                <a:solidFill>
+                  <a:srgbClr val="A0A0A0"/>
                 </a:solidFill>
                 <a:latin typeface="Arial"/>
               </a:defRPr>
@@ -4853,14 +5263,14 @@
         </p:nvSpPr>
         <p:spPr>
           <a:xfrm>
-            <a:off x="4480559" y="3200400"/>
-            <a:ext cx="3474720" cy="1280160"/>
+            <a:off x="4480559" y="3108960"/>
+            <a:ext cx="3474720" cy="1188720"/>
           </a:xfrm>
           <a:prstGeom prst="roundRect">
             <a:avLst/>
           </a:prstGeom>
           <a:solidFill>
-            <a:srgbClr val="FFFFFF"/>
+            <a:srgbClr val="2A2A2A"/>
           </a:solidFill>
           <a:ln>
             <a:noFill/>
@@ -4896,8 +5306,8 @@
         </p:nvSpPr>
         <p:spPr>
           <a:xfrm>
-            <a:off x="4663440" y="3383280"/>
-            <a:ext cx="3108960" cy="457200"/>
+            <a:off x="4663440" y="3291840"/>
+            <a:ext cx="3108960" cy="365760"/>
           </a:xfrm>
           <a:prstGeom prst="rect">
             <a:avLst/>
@@ -4911,9 +5321,9 @@
           <a:lstStyle/>
           <a:p>
             <a:pPr>
-              <a:defRPr sz="1400" b="1">
-                <a:solidFill>
-                  <a:srgbClr val="0D6B56"/>
+              <a:defRPr sz="1300" b="1">
+                <a:solidFill>
+                  <a:srgbClr val="FFFFFF"/>
                 </a:solidFill>
                 <a:latin typeface="Arial"/>
               </a:defRPr>
@@ -4932,8 +5342,8 @@
         </p:nvSpPr>
         <p:spPr>
           <a:xfrm>
-            <a:off x="4663440" y="3749039"/>
-            <a:ext cx="3108960" cy="1097280"/>
+            <a:off x="4663440" y="3657600"/>
+            <a:ext cx="3108960" cy="914400"/>
           </a:xfrm>
           <a:prstGeom prst="rect">
             <a:avLst/>
@@ -4947,9 +5357,9 @@
           <a:lstStyle/>
           <a:p>
             <a:pPr>
-              <a:defRPr sz="1100" b="0">
-                <a:solidFill>
-                  <a:srgbClr val="4A4A4A"/>
+              <a:defRPr sz="1000" b="0">
+                <a:solidFill>
+                  <a:srgbClr val="A0A0A0"/>
                 </a:solidFill>
                 <a:latin typeface="Arial"/>
               </a:defRPr>
@@ -4968,14 +5378,14 @@
         </p:nvSpPr>
         <p:spPr>
           <a:xfrm>
-            <a:off x="8229600" y="3200400"/>
-            <a:ext cx="3474720" cy="1280160"/>
+            <a:off x="8229600" y="3108960"/>
+            <a:ext cx="3474720" cy="1188720"/>
           </a:xfrm>
           <a:prstGeom prst="roundRect">
             <a:avLst/>
           </a:prstGeom>
           <a:solidFill>
-            <a:srgbClr val="FFFFFF"/>
+            <a:srgbClr val="2A2A2A"/>
           </a:solidFill>
           <a:ln>
             <a:noFill/>
@@ -5011,8 +5421,8 @@
         </p:nvSpPr>
         <p:spPr>
           <a:xfrm>
-            <a:off x="8412480" y="3383280"/>
-            <a:ext cx="3108960" cy="457200"/>
+            <a:off x="8412480" y="3291840"/>
+            <a:ext cx="3108960" cy="365760"/>
           </a:xfrm>
           <a:prstGeom prst="rect">
             <a:avLst/>
@@ -5026,9 +5436,9 @@
           <a:lstStyle/>
           <a:p>
             <a:pPr>
-              <a:defRPr sz="1400" b="1">
-                <a:solidFill>
-                  <a:srgbClr val="0D6B56"/>
+              <a:defRPr sz="1300" b="1">
+                <a:solidFill>
+                  <a:srgbClr val="FFFFFF"/>
                 </a:solidFill>
                 <a:latin typeface="Arial"/>
               </a:defRPr>
@@ -5047,8 +5457,8 @@
         </p:nvSpPr>
         <p:spPr>
           <a:xfrm>
-            <a:off x="8412480" y="3749039"/>
-            <a:ext cx="3108960" cy="1097280"/>
+            <a:off x="8412480" y="3657600"/>
+            <a:ext cx="3108960" cy="914400"/>
           </a:xfrm>
           <a:prstGeom prst="rect">
             <a:avLst/>
@@ -5062,9 +5472,9 @@
           <a:lstStyle/>
           <a:p>
             <a:pPr>
-              <a:defRPr sz="1100" b="0">
-                <a:solidFill>
-                  <a:srgbClr val="4A4A4A"/>
+              <a:defRPr sz="1000" b="0">
+                <a:solidFill>
+                  <a:srgbClr val="A0A0A0"/>
                 </a:solidFill>
                 <a:latin typeface="Arial"/>
               </a:defRPr>
@@ -5089,7 +5499,7 @@
     <p:bg>
       <p:bgPr>
         <a:solidFill>
-          <a:srgbClr val="C7F464"/>
+          <a:srgbClr val="1A1A1A"/>
         </a:solidFill>
         <a:effectLst/>
       </p:bgPr>
@@ -5109,8 +5519,8 @@
         </p:nvSpPr>
         <p:spPr>
           <a:xfrm>
-            <a:off x="914400" y="457200"/>
-            <a:ext cx="10058400" cy="731520"/>
+            <a:off x="731520" y="457200"/>
+            <a:ext cx="10058400" cy="640080"/>
           </a:xfrm>
           <a:prstGeom prst="rect">
             <a:avLst/>
@@ -5124,9 +5534,9 @@
           <a:lstStyle/>
           <a:p>
             <a:pPr>
-              <a:defRPr sz="3600" b="1">
-                <a:solidFill>
-                  <a:srgbClr val="1A1A1A"/>
+              <a:defRPr sz="3200" b="1">
+                <a:solidFill>
+                  <a:srgbClr val="FFFFFF"/>
                 </a:solidFill>
                 <a:latin typeface="Arial"/>
               </a:defRPr>
@@ -5139,44 +5549,37 @@
       </p:sp>
       <p:sp>
         <p:nvSpPr>
-          <p:cNvPr id="3" name="Rounded Rectangle 2"/>
-          <p:cNvSpPr/>
-          <p:nvPr/>
-        </p:nvSpPr>
-        <p:spPr>
-          <a:xfrm>
-            <a:off x="731520" y="2286000"/>
-            <a:ext cx="2560320" cy="2743200"/>
-          </a:xfrm>
-          <a:prstGeom prst="roundRect">
-            <a:avLst/>
-          </a:prstGeom>
-          <a:solidFill>
-            <a:srgbClr val="FFFFFF"/>
-          </a:solidFill>
-          <a:ln>
-            <a:noFill/>
-          </a:ln>
-        </p:spPr>
-        <p:style>
-          <a:lnRef idx="1">
-            <a:schemeClr val="accent1"/>
-          </a:lnRef>
-          <a:fillRef idx="3">
-            <a:schemeClr val="accent1"/>
-          </a:fillRef>
-          <a:effectRef idx="2">
-            <a:schemeClr val="accent1"/>
-          </a:effectRef>
-          <a:fontRef idx="minor">
-            <a:schemeClr val="lt1"/>
-          </a:fontRef>
-        </p:style>
-        <p:txBody>
-          <a:bodyPr rtlCol="0" anchor="ctr"/>
-          <a:lstStyle/>
-          <a:p>
-            <a:pPr algn="ctr"/>
+          <p:cNvPr id="3" name="TextBox 2"/>
+          <p:cNvSpPr txBox="1"/>
+          <p:nvPr/>
+        </p:nvSpPr>
+        <p:spPr>
+          <a:xfrm>
+            <a:off x="731520" y="1097280"/>
+            <a:ext cx="10058400" cy="365760"/>
+          </a:xfrm>
+          <a:prstGeom prst="rect">
+            <a:avLst/>
+          </a:prstGeom>
+          <a:noFill/>
+        </p:spPr>
+        <p:txBody>
+          <a:bodyPr wrap="square">
+            <a:spAutoFit/>
+          </a:bodyPr>
+          <a:lstStyle/>
+          <a:p>
+            <a:pPr>
+              <a:defRPr sz="1400" b="0">
+                <a:solidFill>
+                  <a:srgbClr val="A0A0A0"/>
+                </a:solidFill>
+                <a:latin typeface="Arial"/>
+              </a:defRPr>
+            </a:pPr>
+            <a:r>
+              <a:t>From signup to simulation in minutes</a:t>
+            </a:r>
           </a:p>
         </p:txBody>
       </p:sp>
@@ -5188,8 +5591,8 @@
         </p:nvSpPr>
         <p:spPr>
           <a:xfrm>
-            <a:off x="1645920" y="2560320"/>
-            <a:ext cx="731520" cy="731520"/>
+            <a:off x="1645920" y="2286000"/>
+            <a:ext cx="822960" cy="822960"/>
           </a:xfrm>
           <a:prstGeom prst="ellipse">
             <a:avLst/>
@@ -5231,8 +5634,8 @@
         </p:nvSpPr>
         <p:spPr>
           <a:xfrm>
-            <a:off x="1874519" y="2651760"/>
-            <a:ext cx="457200" cy="457200"/>
+            <a:off x="1828800" y="2377440"/>
+            <a:ext cx="548640" cy="548640"/>
           </a:xfrm>
           <a:prstGeom prst="rect">
             <a:avLst/>
@@ -5246,7 +5649,7 @@
           <a:lstStyle/>
           <a:p>
             <a:pPr>
-              <a:defRPr sz="2400" b="1">
+              <a:defRPr sz="2800" b="1">
                 <a:solidFill>
                   <a:srgbClr val="FFFFFF"/>
                 </a:solidFill>
@@ -5267,8 +5670,8 @@
         </p:nvSpPr>
         <p:spPr>
           <a:xfrm>
-            <a:off x="1005840" y="3566160"/>
-            <a:ext cx="2011680" cy="457200"/>
+            <a:off x="731520" y="3474720"/>
+            <a:ext cx="2743200" cy="457200"/>
           </a:xfrm>
           <a:prstGeom prst="rect">
             <a:avLst/>
@@ -5284,7 +5687,7 @@
             <a:pPr algn="ctr">
               <a:defRPr sz="1800" b="1">
                 <a:solidFill>
-                  <a:srgbClr val="1A1A1A"/>
+                  <a:srgbClr val="FFFFFF"/>
                 </a:solidFill>
                 <a:latin typeface="Arial"/>
               </a:defRPr>
@@ -5303,8 +5706,8 @@
         </p:nvSpPr>
         <p:spPr>
           <a:xfrm>
-            <a:off x="1005840" y="4114800"/>
-            <a:ext cx="2011680" cy="914400"/>
+            <a:off x="731520" y="4023360"/>
+            <a:ext cx="2743200" cy="731520"/>
           </a:xfrm>
           <a:prstGeom prst="rect">
             <a:avLst/>
@@ -5318,76 +5721,29 @@
           <a:lstStyle/>
           <a:p>
             <a:pPr algn="ctr">
-              <a:defRPr sz="1200" b="0">
-                <a:solidFill>
-                  <a:srgbClr val="4A4A4A"/>
-                </a:solidFill>
-                <a:latin typeface="Arial"/>
-              </a:defRPr>
-            </a:pPr>
-            <a:r>
-              <a:t>Access dashboard,</a:t>
-            </a:r>
-            <a:br/>
-            <a:r>
-              <a:t>select package</a:t>
-            </a:r>
-          </a:p>
-        </p:txBody>
-      </p:sp>
-      <p:sp>
-        <p:nvSpPr>
-          <p:cNvPr id="8" name="Rounded Rectangle 7"/>
+              <a:defRPr sz="1100" b="0">
+                <a:solidFill>
+                  <a:srgbClr val="A0A0A0"/>
+                </a:solidFill>
+                <a:latin typeface="Arial"/>
+              </a:defRPr>
+            </a:pPr>
+            <a:r>
+              <a:t>Access dashboard, select package</a:t>
+            </a:r>
+          </a:p>
+        </p:txBody>
+      </p:sp>
+      <p:sp>
+        <p:nvSpPr>
+          <p:cNvPr id="8" name="Oval 7"/>
           <p:cNvSpPr/>
           <p:nvPr/>
         </p:nvSpPr>
         <p:spPr>
           <a:xfrm>
-            <a:off x="3566160" y="2286000"/>
-            <a:ext cx="2560320" cy="2743200"/>
-          </a:xfrm>
-          <a:prstGeom prst="roundRect">
-            <a:avLst/>
-          </a:prstGeom>
-          <a:solidFill>
-            <a:srgbClr val="FFFFFF"/>
-          </a:solidFill>
-          <a:ln>
-            <a:noFill/>
-          </a:ln>
-        </p:spPr>
-        <p:style>
-          <a:lnRef idx="1">
-            <a:schemeClr val="accent1"/>
-          </a:lnRef>
-          <a:fillRef idx="3">
-            <a:schemeClr val="accent1"/>
-          </a:fillRef>
-          <a:effectRef idx="2">
-            <a:schemeClr val="accent1"/>
-          </a:effectRef>
-          <a:fontRef idx="minor">
-            <a:schemeClr val="lt1"/>
-          </a:fontRef>
-        </p:style>
-        <p:txBody>
-          <a:bodyPr rtlCol="0" anchor="ctr"/>
-          <a:lstStyle/>
-          <a:p>
-            <a:pPr algn="ctr"/>
-          </a:p>
-        </p:txBody>
-      </p:sp>
-      <p:sp>
-        <p:nvSpPr>
-          <p:cNvPr id="9" name="Oval 8"/>
-          <p:cNvSpPr/>
-          <p:nvPr/>
-        </p:nvSpPr>
-        <p:spPr>
-          <a:xfrm>
-            <a:off x="4480560" y="2560320"/>
-            <a:ext cx="731520" cy="731520"/>
+            <a:off x="4480560" y="2286000"/>
+            <a:ext cx="822960" cy="822960"/>
           </a:xfrm>
           <a:prstGeom prst="ellipse">
             <a:avLst/>
@@ -5423,50 +5779,50 @@
       </p:sp>
       <p:sp>
         <p:nvSpPr>
+          <p:cNvPr id="9" name="TextBox 8"/>
+          <p:cNvSpPr txBox="1"/>
+          <p:nvPr/>
+        </p:nvSpPr>
+        <p:spPr>
+          <a:xfrm>
+            <a:off x="4663440" y="2377440"/>
+            <a:ext cx="548640" cy="548640"/>
+          </a:xfrm>
+          <a:prstGeom prst="rect">
+            <a:avLst/>
+          </a:prstGeom>
+          <a:noFill/>
+        </p:spPr>
+        <p:txBody>
+          <a:bodyPr wrap="square">
+            <a:spAutoFit/>
+          </a:bodyPr>
+          <a:lstStyle/>
+          <a:p>
+            <a:pPr>
+              <a:defRPr sz="2800" b="1">
+                <a:solidFill>
+                  <a:srgbClr val="FFFFFF"/>
+                </a:solidFill>
+                <a:latin typeface="Arial"/>
+              </a:defRPr>
+            </a:pPr>
+            <a:r>
+              <a:t>2</a:t>
+            </a:r>
+          </a:p>
+        </p:txBody>
+      </p:sp>
+      <p:sp>
+        <p:nvSpPr>
           <p:cNvPr id="10" name="TextBox 9"/>
           <p:cNvSpPr txBox="1"/>
           <p:nvPr/>
         </p:nvSpPr>
         <p:spPr>
           <a:xfrm>
-            <a:off x="4709160" y="2651760"/>
-            <a:ext cx="457200" cy="457200"/>
-          </a:xfrm>
-          <a:prstGeom prst="rect">
-            <a:avLst/>
-          </a:prstGeom>
-          <a:noFill/>
-        </p:spPr>
-        <p:txBody>
-          <a:bodyPr wrap="square">
-            <a:spAutoFit/>
-          </a:bodyPr>
-          <a:lstStyle/>
-          <a:p>
-            <a:pPr>
-              <a:defRPr sz="2400" b="1">
-                <a:solidFill>
-                  <a:srgbClr val="FFFFFF"/>
-                </a:solidFill>
-                <a:latin typeface="Arial"/>
-              </a:defRPr>
-            </a:pPr>
-            <a:r>
-              <a:t>2</a:t>
-            </a:r>
-          </a:p>
-        </p:txBody>
-      </p:sp>
-      <p:sp>
-        <p:nvSpPr>
-          <p:cNvPr id="11" name="TextBox 10"/>
-          <p:cNvSpPr txBox="1"/>
-          <p:nvPr/>
-        </p:nvSpPr>
-        <p:spPr>
-          <a:xfrm>
-            <a:off x="3840480" y="3566160"/>
-            <a:ext cx="2011680" cy="457200"/>
+            <a:off x="3566160" y="3474720"/>
+            <a:ext cx="2743200" cy="457200"/>
           </a:xfrm>
           <a:prstGeom prst="rect">
             <a:avLst/>
@@ -5482,7 +5838,7 @@
             <a:pPr algn="ctr">
               <a:defRPr sz="1800" b="1">
                 <a:solidFill>
-                  <a:srgbClr val="1A1A1A"/>
+                  <a:srgbClr val="FFFFFF"/>
                 </a:solidFill>
                 <a:latin typeface="Arial"/>
               </a:defRPr>
@@ -5495,14 +5851,14 @@
       </p:sp>
       <p:sp>
         <p:nvSpPr>
-          <p:cNvPr id="12" name="TextBox 11"/>
-          <p:cNvSpPr txBox="1"/>
-          <p:nvPr/>
-        </p:nvSpPr>
-        <p:spPr>
-          <a:xfrm>
-            <a:off x="3840480" y="4114800"/>
-            <a:ext cx="2011680" cy="914400"/>
+          <p:cNvPr id="11" name="TextBox 10"/>
+          <p:cNvSpPr txBox="1"/>
+          <p:nvPr/>
+        </p:nvSpPr>
+        <p:spPr>
+          <a:xfrm>
+            <a:off x="3566160" y="4023360"/>
+            <a:ext cx="2743200" cy="731520"/>
           </a:xfrm>
           <a:prstGeom prst="rect">
             <a:avLst/>
@@ -5516,76 +5872,29 @@
           <a:lstStyle/>
           <a:p>
             <a:pPr algn="ctr">
-              <a:defRPr sz="1200" b="0">
-                <a:solidFill>
-                  <a:srgbClr val="4A4A4A"/>
-                </a:solidFill>
-                <a:latin typeface="Arial"/>
-              </a:defRPr>
-            </a:pPr>
-            <a:r>
-              <a:t>Bring your team,</a:t>
-            </a:r>
-            <a:br/>
-            <a:r>
-              <a:t>assign roles</a:t>
-            </a:r>
-          </a:p>
-        </p:txBody>
-      </p:sp>
-      <p:sp>
-        <p:nvSpPr>
-          <p:cNvPr id="13" name="Rounded Rectangle 12"/>
+              <a:defRPr sz="1100" b="0">
+                <a:solidFill>
+                  <a:srgbClr val="A0A0A0"/>
+                </a:solidFill>
+                <a:latin typeface="Arial"/>
+              </a:defRPr>
+            </a:pPr>
+            <a:r>
+              <a:t>Bring team, assign roles</a:t>
+            </a:r>
+          </a:p>
+        </p:txBody>
+      </p:sp>
+      <p:sp>
+        <p:nvSpPr>
+          <p:cNvPr id="12" name="Oval 11"/>
           <p:cNvSpPr/>
           <p:nvPr/>
         </p:nvSpPr>
         <p:spPr>
           <a:xfrm>
-            <a:off x="6400800" y="2286000"/>
-            <a:ext cx="2560320" cy="2743200"/>
-          </a:xfrm>
-          <a:prstGeom prst="roundRect">
-            <a:avLst/>
-          </a:prstGeom>
-          <a:solidFill>
-            <a:srgbClr val="FFFFFF"/>
-          </a:solidFill>
-          <a:ln>
-            <a:noFill/>
-          </a:ln>
-        </p:spPr>
-        <p:style>
-          <a:lnRef idx="1">
-            <a:schemeClr val="accent1"/>
-          </a:lnRef>
-          <a:fillRef idx="3">
-            <a:schemeClr val="accent1"/>
-          </a:fillRef>
-          <a:effectRef idx="2">
-            <a:schemeClr val="accent1"/>
-          </a:effectRef>
-          <a:fontRef idx="minor">
-            <a:schemeClr val="lt1"/>
-          </a:fontRef>
-        </p:style>
-        <p:txBody>
-          <a:bodyPr rtlCol="0" anchor="ctr"/>
-          <a:lstStyle/>
-          <a:p>
-            <a:pPr algn="ctr"/>
-          </a:p>
-        </p:txBody>
-      </p:sp>
-      <p:sp>
-        <p:nvSpPr>
-          <p:cNvPr id="14" name="Oval 13"/>
-          <p:cNvSpPr/>
-          <p:nvPr/>
-        </p:nvSpPr>
-        <p:spPr>
-          <a:xfrm>
-            <a:off x="7315200" y="2560320"/>
-            <a:ext cx="731520" cy="731520"/>
+            <a:off x="7315200" y="2286000"/>
+            <a:ext cx="822960" cy="822960"/>
           </a:xfrm>
           <a:prstGeom prst="ellipse">
             <a:avLst/>
@@ -5621,14 +5930,14 @@
       </p:sp>
       <p:sp>
         <p:nvSpPr>
-          <p:cNvPr id="15" name="TextBox 14"/>
-          <p:cNvSpPr txBox="1"/>
-          <p:nvPr/>
-        </p:nvSpPr>
-        <p:spPr>
-          <a:xfrm>
-            <a:off x="7543800" y="2651760"/>
-            <a:ext cx="457200" cy="457200"/>
+          <p:cNvPr id="13" name="TextBox 12"/>
+          <p:cNvSpPr txBox="1"/>
+          <p:nvPr/>
+        </p:nvSpPr>
+        <p:spPr>
+          <a:xfrm>
+            <a:off x="7498079" y="2377440"/>
+            <a:ext cx="548640" cy="548640"/>
           </a:xfrm>
           <a:prstGeom prst="rect">
             <a:avLst/>
@@ -5642,7 +5951,7 @@
           <a:lstStyle/>
           <a:p>
             <a:pPr>
-              <a:defRPr sz="2400" b="1">
+              <a:defRPr sz="2800" b="1">
                 <a:solidFill>
                   <a:srgbClr val="FFFFFF"/>
                 </a:solidFill>
@@ -5657,14 +5966,14 @@
       </p:sp>
       <p:sp>
         <p:nvSpPr>
-          <p:cNvPr id="16" name="TextBox 15"/>
-          <p:cNvSpPr txBox="1"/>
-          <p:nvPr/>
-        </p:nvSpPr>
-        <p:spPr>
-          <a:xfrm>
-            <a:off x="6675120" y="3566160"/>
-            <a:ext cx="2011680" cy="457200"/>
+          <p:cNvPr id="14" name="TextBox 13"/>
+          <p:cNvSpPr txBox="1"/>
+          <p:nvPr/>
+        </p:nvSpPr>
+        <p:spPr>
+          <a:xfrm>
+            <a:off x="6400800" y="3474720"/>
+            <a:ext cx="2743200" cy="457200"/>
           </a:xfrm>
           <a:prstGeom prst="rect">
             <a:avLst/>
@@ -5680,7 +5989,7 @@
             <a:pPr algn="ctr">
               <a:defRPr sz="1800" b="1">
                 <a:solidFill>
-                  <a:srgbClr val="1A1A1A"/>
+                  <a:srgbClr val="FFFFFF"/>
                 </a:solidFill>
                 <a:latin typeface="Arial"/>
               </a:defRPr>
@@ -5693,14 +6002,14 @@
       </p:sp>
       <p:sp>
         <p:nvSpPr>
-          <p:cNvPr id="17" name="TextBox 16"/>
-          <p:cNvSpPr txBox="1"/>
-          <p:nvPr/>
-        </p:nvSpPr>
-        <p:spPr>
-          <a:xfrm>
-            <a:off x="6675120" y="4114800"/>
-            <a:ext cx="2011680" cy="914400"/>
+          <p:cNvPr id="15" name="TextBox 14"/>
+          <p:cNvSpPr txBox="1"/>
+          <p:nvPr/>
+        </p:nvSpPr>
+        <p:spPr>
+          <a:xfrm>
+            <a:off x="6400800" y="4023360"/>
+            <a:ext cx="2743200" cy="731520"/>
           </a:xfrm>
           <a:prstGeom prst="rect">
             <a:avLst/>
@@ -5714,76 +6023,29 @@
           <a:lstStyle/>
           <a:p>
             <a:pPr algn="ctr">
-              <a:defRPr sz="1200" b="0">
-                <a:solidFill>
-                  <a:srgbClr val="4A4A4A"/>
-                </a:solidFill>
-                <a:latin typeface="Arial"/>
-              </a:defRPr>
-            </a:pPr>
-            <a:r>
-              <a:t>Build agents,</a:t>
-            </a:r>
-            <a:br/>
-            <a:r>
-              <a:t>pathways, campaigns</a:t>
-            </a:r>
-          </a:p>
-        </p:txBody>
-      </p:sp>
-      <p:sp>
-        <p:nvSpPr>
-          <p:cNvPr id="18" name="Rounded Rectangle 17"/>
+              <a:defRPr sz="1100" b="0">
+                <a:solidFill>
+                  <a:srgbClr val="A0A0A0"/>
+                </a:solidFill>
+                <a:latin typeface="Arial"/>
+              </a:defRPr>
+            </a:pPr>
+            <a:r>
+              <a:t>Build agents and pathways</a:t>
+            </a:r>
+          </a:p>
+        </p:txBody>
+      </p:sp>
+      <p:sp>
+        <p:nvSpPr>
+          <p:cNvPr id="16" name="Oval 15"/>
           <p:cNvSpPr/>
           <p:nvPr/>
         </p:nvSpPr>
         <p:spPr>
           <a:xfrm>
-            <a:off x="9235440" y="2286000"/>
-            <a:ext cx="2560320" cy="2743200"/>
-          </a:xfrm>
-          <a:prstGeom prst="roundRect">
-            <a:avLst/>
-          </a:prstGeom>
-          <a:solidFill>
-            <a:srgbClr val="FFFFFF"/>
-          </a:solidFill>
-          <a:ln>
-            <a:noFill/>
-          </a:ln>
-        </p:spPr>
-        <p:style>
-          <a:lnRef idx="1">
-            <a:schemeClr val="accent1"/>
-          </a:lnRef>
-          <a:fillRef idx="3">
-            <a:schemeClr val="accent1"/>
-          </a:fillRef>
-          <a:effectRef idx="2">
-            <a:schemeClr val="accent1"/>
-          </a:effectRef>
-          <a:fontRef idx="minor">
-            <a:schemeClr val="lt1"/>
-          </a:fontRef>
-        </p:style>
-        <p:txBody>
-          <a:bodyPr rtlCol="0" anchor="ctr"/>
-          <a:lstStyle/>
-          <a:p>
-            <a:pPr algn="ctr"/>
-          </a:p>
-        </p:txBody>
-      </p:sp>
-      <p:sp>
-        <p:nvSpPr>
-          <p:cNvPr id="19" name="Oval 18"/>
-          <p:cNvSpPr/>
-          <p:nvPr/>
-        </p:nvSpPr>
-        <p:spPr>
-          <a:xfrm>
-            <a:off x="10149840" y="2560320"/>
-            <a:ext cx="731520" cy="731520"/>
+            <a:off x="10149840" y="2286000"/>
+            <a:ext cx="822960" cy="822960"/>
           </a:xfrm>
           <a:prstGeom prst="ellipse">
             <a:avLst/>
@@ -5819,14 +6081,14 @@
       </p:sp>
       <p:sp>
         <p:nvSpPr>
-          <p:cNvPr id="20" name="TextBox 19"/>
-          <p:cNvSpPr txBox="1"/>
-          <p:nvPr/>
-        </p:nvSpPr>
-        <p:spPr>
-          <a:xfrm>
-            <a:off x="10378440" y="2651760"/>
-            <a:ext cx="457200" cy="457200"/>
+          <p:cNvPr id="17" name="TextBox 16"/>
+          <p:cNvSpPr txBox="1"/>
+          <p:nvPr/>
+        </p:nvSpPr>
+        <p:spPr>
+          <a:xfrm>
+            <a:off x="10332719" y="2377440"/>
+            <a:ext cx="548640" cy="548640"/>
           </a:xfrm>
           <a:prstGeom prst="rect">
             <a:avLst/>
@@ -5840,7 +6102,7 @@
           <a:lstStyle/>
           <a:p>
             <a:pPr>
-              <a:defRPr sz="2400" b="1">
+              <a:defRPr sz="2800" b="1">
                 <a:solidFill>
                   <a:srgbClr val="FFFFFF"/>
                 </a:solidFill>
@@ -5855,14 +6117,14 @@
       </p:sp>
       <p:sp>
         <p:nvSpPr>
-          <p:cNvPr id="21" name="TextBox 20"/>
-          <p:cNvSpPr txBox="1"/>
-          <p:nvPr/>
-        </p:nvSpPr>
-        <p:spPr>
-          <a:xfrm>
-            <a:off x="9509760" y="3566160"/>
-            <a:ext cx="2011680" cy="457200"/>
+          <p:cNvPr id="18" name="TextBox 17"/>
+          <p:cNvSpPr txBox="1"/>
+          <p:nvPr/>
+        </p:nvSpPr>
+        <p:spPr>
+          <a:xfrm>
+            <a:off x="9235440" y="3474720"/>
+            <a:ext cx="2743200" cy="457200"/>
           </a:xfrm>
           <a:prstGeom prst="rect">
             <a:avLst/>
@@ -5878,7 +6140,7 @@
             <a:pPr algn="ctr">
               <a:defRPr sz="1800" b="1">
                 <a:solidFill>
-                  <a:srgbClr val="1A1A1A"/>
+                  <a:srgbClr val="FFFFFF"/>
                 </a:solidFill>
                 <a:latin typeface="Arial"/>
               </a:defRPr>
@@ -5891,14 +6153,14 @@
       </p:sp>
       <p:sp>
         <p:nvSpPr>
-          <p:cNvPr id="22" name="TextBox 21"/>
-          <p:cNvSpPr txBox="1"/>
-          <p:nvPr/>
-        </p:nvSpPr>
-        <p:spPr>
-          <a:xfrm>
-            <a:off x="9509760" y="4114800"/>
-            <a:ext cx="2011680" cy="914400"/>
+          <p:cNvPr id="19" name="TextBox 18"/>
+          <p:cNvSpPr txBox="1"/>
+          <p:nvPr/>
+        </p:nvSpPr>
+        <p:spPr>
+          <a:xfrm>
+            <a:off x="9235440" y="4023360"/>
+            <a:ext cx="2743200" cy="731520"/>
           </a:xfrm>
           <a:prstGeom prst="rect">
             <a:avLst/>
@@ -5912,19 +6174,15 @@
           <a:lstStyle/>
           <a:p>
             <a:pPr algn="ctr">
-              <a:defRPr sz="1200" b="0">
-                <a:solidFill>
-                  <a:srgbClr val="4A4A4A"/>
-                </a:solidFill>
-                <a:latin typeface="Arial"/>
-              </a:defRPr>
-            </a:pPr>
-            <a:r>
-              <a:t>Rehearse, feedback,</a:t>
-            </a:r>
-            <a:br/>
-            <a:r>
-              <a:t>improve</a:t>
+              <a:defRPr sz="1100" b="0">
+                <a:solidFill>
+                  <a:srgbClr val="A0A0A0"/>
+                </a:solidFill>
+                <a:latin typeface="Arial"/>
+              </a:defRPr>
+            </a:pPr>
+            <a:r>
+              <a:t>Rehearse, feedback, improve</a:t>
             </a:r>
           </a:p>
         </p:txBody>
@@ -5943,7 +6201,7 @@
     <p:bg>
       <p:bgPr>
         <a:solidFill>
-          <a:srgbClr val="C7F464"/>
+          <a:srgbClr val="1A1A1A"/>
         </a:solidFill>
         <a:effectLst/>
       </p:bgPr>
@@ -5963,8 +6221,8 @@
         </p:nvSpPr>
         <p:spPr>
           <a:xfrm>
-            <a:off x="914400" y="457200"/>
-            <a:ext cx="10058400" cy="731520"/>
+            <a:off x="731520" y="457200"/>
+            <a:ext cx="10058400" cy="640080"/>
           </a:xfrm>
           <a:prstGeom prst="rect">
             <a:avLst/>
@@ -5978,9 +6236,9 @@
           <a:lstStyle/>
           <a:p>
             <a:pPr>
-              <a:defRPr sz="3600" b="1">
-                <a:solidFill>
-                  <a:srgbClr val="1A1A1A"/>
+              <a:defRPr sz="3200" b="1">
+                <a:solidFill>
+                  <a:srgbClr val="FFFFFF"/>
                 </a:solidFill>
                 <a:latin typeface="Arial"/>
               </a:defRPr>
@@ -5999,8 +6257,8 @@
         </p:nvSpPr>
         <p:spPr>
           <a:xfrm>
-            <a:off x="914400" y="1097280"/>
-            <a:ext cx="10058400" cy="457200"/>
+            <a:off x="731520" y="1097280"/>
+            <a:ext cx="10058400" cy="365760"/>
           </a:xfrm>
           <a:prstGeom prst="rect">
             <a:avLst/>
@@ -6014,9 +6272,9 @@
           <a:lstStyle/>
           <a:p>
             <a:pPr>
-              <a:defRPr sz="1800" b="0">
-                <a:solidFill>
-                  <a:srgbClr val="4A4A4A"/>
+              <a:defRPr sz="1400" b="0">
+                <a:solidFill>
+                  <a:srgbClr val="A0A0A0"/>
                 </a:solidFill>
                 <a:latin typeface="Arial"/>
               </a:defRPr>
@@ -6035,14 +6293,14 @@
         </p:nvSpPr>
         <p:spPr>
           <a:xfrm>
-            <a:off x="914400" y="2011680"/>
-            <a:ext cx="5029200" cy="640080"/>
+            <a:off x="731520" y="2011680"/>
+            <a:ext cx="5303520" cy="640080"/>
           </a:xfrm>
           <a:prstGeom prst="roundRect">
             <a:avLst/>
           </a:prstGeom>
           <a:solidFill>
-            <a:srgbClr val="FFFFFF"/>
+            <a:srgbClr val="2A2A2A"/>
           </a:solidFill>
           <a:ln>
             <a:noFill/>
@@ -6078,8 +6336,8 @@
         </p:nvSpPr>
         <p:spPr>
           <a:xfrm>
-            <a:off x="1188720" y="2148840"/>
-            <a:ext cx="4572000" cy="457200"/>
+            <a:off x="1005840" y="2148840"/>
+            <a:ext cx="4754880" cy="457200"/>
           </a:xfrm>
           <a:prstGeom prst="rect">
             <a:avLst/>
@@ -6093,9 +6351,9 @@
           <a:lstStyle/>
           <a:p>
             <a:pPr>
-              <a:defRPr sz="1400" b="0">
-                <a:solidFill>
-                  <a:srgbClr val="1A1A1A"/>
+              <a:defRPr sz="1300" b="0">
+                <a:solidFill>
+                  <a:srgbClr val="FFFFFF"/>
                 </a:solidFill>
                 <a:latin typeface="Arial"/>
               </a:defRPr>
@@ -6115,13 +6373,13 @@
         <p:spPr>
           <a:xfrm>
             <a:off x="6217920" y="2011680"/>
-            <a:ext cx="5029200" cy="640080"/>
+            <a:ext cx="5303520" cy="640080"/>
           </a:xfrm>
           <a:prstGeom prst="roundRect">
             <a:avLst/>
           </a:prstGeom>
           <a:solidFill>
-            <a:srgbClr val="FFFFFF"/>
+            <a:srgbClr val="2A2A2A"/>
           </a:solidFill>
           <a:ln>
             <a:noFill/>
@@ -6158,7 +6416,7 @@
         <p:spPr>
           <a:xfrm>
             <a:off x="6492240" y="2148840"/>
-            <a:ext cx="4572000" cy="457200"/>
+            <a:ext cx="4754880" cy="457200"/>
           </a:xfrm>
           <a:prstGeom prst="rect">
             <a:avLst/>
@@ -6172,9 +6430,9 @@
           <a:lstStyle/>
           <a:p>
             <a:pPr>
-              <a:defRPr sz="1400" b="0">
-                <a:solidFill>
-                  <a:srgbClr val="1A1A1A"/>
+              <a:defRPr sz="1300" b="0">
+                <a:solidFill>
+                  <a:srgbClr val="FFFFFF"/>
                 </a:solidFill>
                 <a:latin typeface="Arial"/>
               </a:defRPr>
@@ -6193,14 +6451,14 @@
         </p:nvSpPr>
         <p:spPr>
           <a:xfrm>
-            <a:off x="914400" y="2926080"/>
-            <a:ext cx="5029200" cy="640080"/>
+            <a:off x="731520" y="2926080"/>
+            <a:ext cx="5303520" cy="640080"/>
           </a:xfrm>
           <a:prstGeom prst="roundRect">
             <a:avLst/>
           </a:prstGeom>
           <a:solidFill>
-            <a:srgbClr val="FFFFFF"/>
+            <a:srgbClr val="2A2A2A"/>
           </a:solidFill>
           <a:ln>
             <a:noFill/>
@@ -6236,8 +6494,8 @@
         </p:nvSpPr>
         <p:spPr>
           <a:xfrm>
-            <a:off x="1188720" y="3063240"/>
-            <a:ext cx="4572000" cy="457200"/>
+            <a:off x="1005840" y="3063240"/>
+            <a:ext cx="4754880" cy="457200"/>
           </a:xfrm>
           <a:prstGeom prst="rect">
             <a:avLst/>
@@ -6251,9 +6509,9 @@
           <a:lstStyle/>
           <a:p>
             <a:pPr>
-              <a:defRPr sz="1400" b="0">
-                <a:solidFill>
-                  <a:srgbClr val="1A1A1A"/>
+              <a:defRPr sz="1300" b="0">
+                <a:solidFill>
+                  <a:srgbClr val="FFFFFF"/>
                 </a:solidFill>
                 <a:latin typeface="Arial"/>
               </a:defRPr>
@@ -6273,13 +6531,13 @@
         <p:spPr>
           <a:xfrm>
             <a:off x="6217920" y="2926080"/>
-            <a:ext cx="5029200" cy="640080"/>
+            <a:ext cx="5303520" cy="640080"/>
           </a:xfrm>
           <a:prstGeom prst="roundRect">
             <a:avLst/>
           </a:prstGeom>
           <a:solidFill>
-            <a:srgbClr val="FFFFFF"/>
+            <a:srgbClr val="2A2A2A"/>
           </a:solidFill>
           <a:ln>
             <a:noFill/>
@@ -6316,7 +6574,7 @@
         <p:spPr>
           <a:xfrm>
             <a:off x="6492240" y="3063240"/>
-            <a:ext cx="4572000" cy="457200"/>
+            <a:ext cx="4754880" cy="457200"/>
           </a:xfrm>
           <a:prstGeom prst="rect">
             <a:avLst/>
@@ -6330,9 +6588,9 @@
           <a:lstStyle/>
           <a:p>
             <a:pPr>
-              <a:defRPr sz="1400" b="0">
-                <a:solidFill>
-                  <a:srgbClr val="1A1A1A"/>
+              <a:defRPr sz="1300" b="0">
+                <a:solidFill>
+                  <a:srgbClr val="FFFFFF"/>
                 </a:solidFill>
                 <a:latin typeface="Arial"/>
               </a:defRPr>
@@ -6351,14 +6609,14 @@
         </p:nvSpPr>
         <p:spPr>
           <a:xfrm>
-            <a:off x="914400" y="3840480"/>
-            <a:ext cx="5029200" cy="640080"/>
+            <a:off x="731520" y="3840480"/>
+            <a:ext cx="5303520" cy="640080"/>
           </a:xfrm>
           <a:prstGeom prst="roundRect">
             <a:avLst/>
           </a:prstGeom>
           <a:solidFill>
-            <a:srgbClr val="FFFFFF"/>
+            <a:srgbClr val="2A2A2A"/>
           </a:solidFill>
           <a:ln>
             <a:noFill/>
@@ -6394,8 +6652,8 @@
         </p:nvSpPr>
         <p:spPr>
           <a:xfrm>
-            <a:off x="1188720" y="3977640"/>
-            <a:ext cx="4572000" cy="457200"/>
+            <a:off x="1005840" y="3977640"/>
+            <a:ext cx="4754880" cy="457200"/>
           </a:xfrm>
           <a:prstGeom prst="rect">
             <a:avLst/>
@@ -6409,9 +6667,9 @@
           <a:lstStyle/>
           <a:p>
             <a:pPr>
-              <a:defRPr sz="1400" b="0">
-                <a:solidFill>
-                  <a:srgbClr val="1A1A1A"/>
+              <a:defRPr sz="1300" b="0">
+                <a:solidFill>
+                  <a:srgbClr val="FFFFFF"/>
                 </a:solidFill>
                 <a:latin typeface="Arial"/>
               </a:defRPr>
@@ -6431,13 +6689,13 @@
         <p:spPr>
           <a:xfrm>
             <a:off x="6217920" y="3840480"/>
-            <a:ext cx="5029200" cy="640080"/>
+            <a:ext cx="5303520" cy="640080"/>
           </a:xfrm>
           <a:prstGeom prst="roundRect">
             <a:avLst/>
           </a:prstGeom>
           <a:solidFill>
-            <a:srgbClr val="FFFFFF"/>
+            <a:srgbClr val="2A2A2A"/>
           </a:solidFill>
           <a:ln>
             <a:noFill/>
@@ -6474,7 +6732,7 @@
         <p:spPr>
           <a:xfrm>
             <a:off x="6492240" y="3977640"/>
-            <a:ext cx="4572000" cy="457200"/>
+            <a:ext cx="4754880" cy="457200"/>
           </a:xfrm>
           <a:prstGeom prst="rect">
             <a:avLst/>
@@ -6488,9 +6746,9 @@
           <a:lstStyle/>
           <a:p>
             <a:pPr>
-              <a:defRPr sz="1400" b="0">
-                <a:solidFill>
-                  <a:srgbClr val="1A1A1A"/>
+              <a:defRPr sz="1300" b="0">
+                <a:solidFill>
+                  <a:srgbClr val="FFFFFF"/>
                 </a:solidFill>
                 <a:latin typeface="Arial"/>
               </a:defRPr>
@@ -6515,7 +6773,7 @@
     <p:bg>
       <p:bgPr>
         <a:solidFill>
-          <a:srgbClr val="C7F464"/>
+          <a:srgbClr val="1A1A1A"/>
         </a:solidFill>
         <a:effectLst/>
       </p:bgPr>
@@ -6535,7 +6793,7 @@
         </p:nvSpPr>
         <p:spPr>
           <a:xfrm>
-            <a:off x="914400" y="274320"/>
+            <a:off x="731520" y="274320"/>
             <a:ext cx="10058400" cy="548640"/>
           </a:xfrm>
           <a:prstGeom prst="rect">
@@ -6550,9 +6808,9 @@
           <a:lstStyle/>
           <a:p>
             <a:pPr>
-              <a:defRPr sz="3200" b="1">
-                <a:solidFill>
-                  <a:srgbClr val="1A1A1A"/>
+              <a:defRPr sz="2800" b="1">
+                <a:solidFill>
+                  <a:srgbClr val="FFFFFF"/>
                 </a:solidFill>
                 <a:latin typeface="Arial"/>
               </a:defRPr>
@@ -6571,14 +6829,14 @@
         </p:nvSpPr>
         <p:spPr>
           <a:xfrm>
-            <a:off x="731520" y="1097280"/>
-            <a:ext cx="3474720" cy="4572000"/>
+            <a:off x="731520" y="1188720"/>
+            <a:ext cx="3474720" cy="4754880"/>
           </a:xfrm>
           <a:prstGeom prst="roundRect">
             <a:avLst/>
           </a:prstGeom>
           <a:solidFill>
-            <a:srgbClr val="FFFFFF"/>
+            <a:srgbClr val="2A2A2A"/>
           </a:solidFill>
           <a:ln>
             <a:noFill/>
@@ -6614,8 +6872,8 @@
         </p:nvSpPr>
         <p:spPr>
           <a:xfrm>
-            <a:off x="914400" y="1280160"/>
-            <a:ext cx="3200400" cy="365760"/>
+            <a:off x="914400" y="1371600"/>
+            <a:ext cx="3108960" cy="365760"/>
           </a:xfrm>
           <a:prstGeom prst="rect">
             <a:avLst/>
@@ -6629,9 +6887,9 @@
           <a:lstStyle/>
           <a:p>
             <a:pPr algn="ctr">
-              <a:defRPr sz="1200" b="1">
-                <a:solidFill>
-                  <a:srgbClr val="0D6B56"/>
+              <a:defRPr sz="1100" b="1">
+                <a:solidFill>
+                  <a:srgbClr val="10A37F"/>
                 </a:solidFill>
                 <a:latin typeface="Arial"/>
               </a:defRPr>
@@ -6650,8 +6908,8 @@
         </p:nvSpPr>
         <p:spPr>
           <a:xfrm>
-            <a:off x="914400" y="1737360"/>
-            <a:ext cx="3200400" cy="548640"/>
+            <a:off x="914400" y="1828800"/>
+            <a:ext cx="3108960" cy="640080"/>
           </a:xfrm>
           <a:prstGeom prst="rect">
             <a:avLst/>
@@ -6667,7 +6925,7 @@
             <a:pPr algn="ctr">
               <a:defRPr sz="4000" b="1">
                 <a:solidFill>
-                  <a:srgbClr val="1A1A1A"/>
+                  <a:srgbClr val="FFFFFF"/>
                 </a:solidFill>
                 <a:latin typeface="Arial"/>
               </a:defRPr>
@@ -6686,8 +6944,8 @@
         </p:nvSpPr>
         <p:spPr>
           <a:xfrm>
-            <a:off x="914400" y="2286000"/>
-            <a:ext cx="3200400" cy="274320"/>
+            <a:off x="914400" y="2468880"/>
+            <a:ext cx="3108960" cy="274320"/>
           </a:xfrm>
           <a:prstGeom prst="rect">
             <a:avLst/>
@@ -6701,9 +6959,9 @@
           <a:lstStyle/>
           <a:p>
             <a:pPr algn="ctr">
-              <a:defRPr sz="1200" b="0">
-                <a:solidFill>
-                  <a:srgbClr val="4A4A4A"/>
+              <a:defRPr sz="1100" b="0">
+                <a:solidFill>
+                  <a:srgbClr val="A0A0A0"/>
                 </a:solidFill>
                 <a:latin typeface="Arial"/>
               </a:defRPr>
@@ -6722,7 +6980,7 @@
         </p:nvSpPr>
         <p:spPr>
           <a:xfrm>
-            <a:off x="1097280" y="2926080"/>
+            <a:off x="1097280" y="3017520"/>
             <a:ext cx="2926080" cy="2286000"/>
           </a:xfrm>
           <a:prstGeom prst="rect">
@@ -6737,9 +6995,9 @@
           <a:lstStyle/>
           <a:p>
             <a:pPr>
-              <a:defRPr sz="1100" b="0">
-                <a:solidFill>
-                  <a:srgbClr val="4A4A4A"/>
+              <a:defRPr sz="1000" b="0">
+                <a:solidFill>
+                  <a:srgbClr val="A0A0A0"/>
                 </a:solidFill>
                 <a:latin typeface="Arial"/>
               </a:defRPr>
@@ -6774,14 +7032,14 @@
         </p:nvSpPr>
         <p:spPr>
           <a:xfrm>
-            <a:off x="4389120" y="1097280"/>
-            <a:ext cx="3474720" cy="4572000"/>
+            <a:off x="4389120" y="1188720"/>
+            <a:ext cx="3474720" cy="4754880"/>
           </a:xfrm>
           <a:prstGeom prst="roundRect">
             <a:avLst/>
           </a:prstGeom>
           <a:solidFill>
-            <a:srgbClr val="FFFFFF"/>
+            <a:srgbClr val="2A2A2A"/>
           </a:solidFill>
           <a:ln w="25400">
             <a:solidFill>
@@ -6819,8 +7077,8 @@
         </p:nvSpPr>
         <p:spPr>
           <a:xfrm>
-            <a:off x="5029200" y="914400"/>
-            <a:ext cx="2286000" cy="274320"/>
+            <a:off x="5303520" y="1005840"/>
+            <a:ext cx="1645920" cy="274320"/>
           </a:xfrm>
           <a:prstGeom prst="rect">
             <a:avLst/>
@@ -6834,9 +7092,9 @@
           <a:lstStyle/>
           <a:p>
             <a:pPr algn="ctr">
-              <a:defRPr sz="1000" b="1">
-                <a:solidFill>
-                  <a:srgbClr val="0D6B56"/>
+              <a:defRPr sz="900" b="1">
+                <a:solidFill>
+                  <a:srgbClr val="10A37F"/>
                 </a:solidFill>
                 <a:latin typeface="Arial"/>
               </a:defRPr>
@@ -6855,8 +7113,8 @@
         </p:nvSpPr>
         <p:spPr>
           <a:xfrm>
-            <a:off x="4572000" y="1280160"/>
-            <a:ext cx="3200400" cy="365760"/>
+            <a:off x="4572000" y="1371600"/>
+            <a:ext cx="3108960" cy="365760"/>
           </a:xfrm>
           <a:prstGeom prst="rect">
             <a:avLst/>
@@ -6870,9 +7128,9 @@
           <a:lstStyle/>
           <a:p>
             <a:pPr algn="ctr">
-              <a:defRPr sz="1200" b="1">
-                <a:solidFill>
-                  <a:srgbClr val="0D6B56"/>
+              <a:defRPr sz="1100" b="1">
+                <a:solidFill>
+                  <a:srgbClr val="10A37F"/>
                 </a:solidFill>
                 <a:latin typeface="Arial"/>
               </a:defRPr>
@@ -6891,8 +7149,8 @@
         </p:nvSpPr>
         <p:spPr>
           <a:xfrm>
-            <a:off x="4572000" y="1737360"/>
-            <a:ext cx="3200400" cy="548640"/>
+            <a:off x="4572000" y="1828800"/>
+            <a:ext cx="3108960" cy="640080"/>
           </a:xfrm>
           <a:prstGeom prst="rect">
             <a:avLst/>
@@ -6908,7 +7166,7 @@
             <a:pPr algn="ctr">
               <a:defRPr sz="4000" b="1">
                 <a:solidFill>
-                  <a:srgbClr val="1A1A1A"/>
+                  <a:srgbClr val="FFFFFF"/>
                 </a:solidFill>
                 <a:latin typeface="Arial"/>
               </a:defRPr>
@@ -6927,8 +7185,8 @@
         </p:nvSpPr>
         <p:spPr>
           <a:xfrm>
-            <a:off x="4572000" y="2286000"/>
-            <a:ext cx="3200400" cy="274320"/>
+            <a:off x="4572000" y="2468880"/>
+            <a:ext cx="3108960" cy="274320"/>
           </a:xfrm>
           <a:prstGeom prst="rect">
             <a:avLst/>
@@ -6942,9 +7200,9 @@
           <a:lstStyle/>
           <a:p>
             <a:pPr algn="ctr">
-              <a:defRPr sz="1200" b="0">
-                <a:solidFill>
-                  <a:srgbClr val="4A4A4A"/>
+              <a:defRPr sz="1100" b="0">
+                <a:solidFill>
+                  <a:srgbClr val="A0A0A0"/>
                 </a:solidFill>
                 <a:latin typeface="Arial"/>
               </a:defRPr>
@@ -6963,7 +7221,7 @@
         </p:nvSpPr>
         <p:spPr>
           <a:xfrm>
-            <a:off x="4754880" y="2926080"/>
+            <a:off x="4754880" y="3017520"/>
             <a:ext cx="2926080" cy="2286000"/>
           </a:xfrm>
           <a:prstGeom prst="rect">
@@ -6978,9 +7236,9 @@
           <a:lstStyle/>
           <a:p>
             <a:pPr>
-              <a:defRPr sz="1100" b="0">
-                <a:solidFill>
-                  <a:srgbClr val="4A4A4A"/>
+              <a:defRPr sz="1000" b="0">
+                <a:solidFill>
+                  <a:srgbClr val="A0A0A0"/>
                 </a:solidFill>
                 <a:latin typeface="Arial"/>
               </a:defRPr>
@@ -6994,11 +7252,11 @@
             </a:r>
             <a:br/>
             <a:r>
-              <a:t>✓ Team analytics</a:t>
+              <a:t>✓ Team analytics + gamification</a:t>
             </a:r>
             <a:br/>
             <a:r>
-              <a:t>✓ Gamification</a:t>
+              <a:t>✓ Pooled Content Studio</a:t>
             </a:r>
             <a:br/>
             <a:r>
@@ -7015,14 +7273,14 @@
         </p:nvSpPr>
         <p:spPr>
           <a:xfrm>
-            <a:off x="8046720" y="1097280"/>
-            <a:ext cx="3474720" cy="4572000"/>
+            <a:off x="8046720" y="1188720"/>
+            <a:ext cx="3474720" cy="4754880"/>
           </a:xfrm>
           <a:prstGeom prst="roundRect">
             <a:avLst/>
           </a:prstGeom>
           <a:solidFill>
-            <a:srgbClr val="FFFFFF"/>
+            <a:srgbClr val="2A2A2A"/>
           </a:solidFill>
           <a:ln>
             <a:noFill/>
@@ -7058,8 +7316,8 @@
         </p:nvSpPr>
         <p:spPr>
           <a:xfrm>
-            <a:off x="8229600" y="1280160"/>
-            <a:ext cx="3200400" cy="365760"/>
+            <a:off x="8229600" y="1371600"/>
+            <a:ext cx="3108960" cy="365760"/>
           </a:xfrm>
           <a:prstGeom prst="rect">
             <a:avLst/>
@@ -7073,9 +7331,9 @@
           <a:lstStyle/>
           <a:p>
             <a:pPr algn="ctr">
-              <a:defRPr sz="1200" b="1">
-                <a:solidFill>
-                  <a:srgbClr val="0D6B56"/>
+              <a:defRPr sz="1100" b="1">
+                <a:solidFill>
+                  <a:srgbClr val="10A37F"/>
                 </a:solidFill>
                 <a:latin typeface="Arial"/>
               </a:defRPr>
@@ -7094,8 +7352,8 @@
         </p:nvSpPr>
         <p:spPr>
           <a:xfrm>
-            <a:off x="8229600" y="1737360"/>
-            <a:ext cx="3200400" cy="548640"/>
+            <a:off x="8229600" y="1828800"/>
+            <a:ext cx="3108960" cy="640080"/>
           </a:xfrm>
           <a:prstGeom prst="rect">
             <a:avLst/>
@@ -7111,7 +7369,7 @@
             <a:pPr algn="ctr">
               <a:defRPr sz="4000" b="1">
                 <a:solidFill>
-                  <a:srgbClr val="1A1A1A"/>
+                  <a:srgbClr val="FFFFFF"/>
                 </a:solidFill>
                 <a:latin typeface="Arial"/>
               </a:defRPr>
@@ -7130,8 +7388,8 @@
         </p:nvSpPr>
         <p:spPr>
           <a:xfrm>
-            <a:off x="8229600" y="2286000"/>
-            <a:ext cx="3200400" cy="274320"/>
+            <a:off x="8229600" y="2468880"/>
+            <a:ext cx="3108960" cy="274320"/>
           </a:xfrm>
           <a:prstGeom prst="rect">
             <a:avLst/>
@@ -7145,9 +7403,9 @@
           <a:lstStyle/>
           <a:p>
             <a:pPr algn="ctr">
-              <a:defRPr sz="1200" b="0">
-                <a:solidFill>
-                  <a:srgbClr val="4A4A4A"/>
+              <a:defRPr sz="1100" b="0">
+                <a:solidFill>
+                  <a:srgbClr val="A0A0A0"/>
                 </a:solidFill>
                 <a:latin typeface="Arial"/>
               </a:defRPr>
@@ -7166,7 +7424,7 @@
         </p:nvSpPr>
         <p:spPr>
           <a:xfrm>
-            <a:off x="8412480" y="2926080"/>
+            <a:off x="8412480" y="3017520"/>
             <a:ext cx="2926080" cy="2286000"/>
           </a:xfrm>
           <a:prstGeom prst="rect">
@@ -7181,9 +7439,9 @@
           <a:lstStyle/>
           <a:p>
             <a:pPr>
-              <a:defRPr sz="1100" b="0">
-                <a:solidFill>
-                  <a:srgbClr val="4A4A4A"/>
+              <a:defRPr sz="1000" b="0">
+                <a:solidFill>
+                  <a:srgbClr val="A0A0A0"/>
                 </a:solidFill>
                 <a:latin typeface="Arial"/>
               </a:defRPr>
@@ -7224,7 +7482,7 @@
     <p:bg>
       <p:bgPr>
         <a:solidFill>
-          <a:srgbClr val="C7F464"/>
+          <a:srgbClr val="1A1A1A"/>
         </a:solidFill>
         <a:effectLst/>
       </p:bgPr>
@@ -7244,7 +7502,7 @@
         </p:nvSpPr>
         <p:spPr>
           <a:xfrm>
-            <a:off x="0" y="1371600"/>
+            <a:off x="0" y="1645920"/>
             <a:ext cx="12191695" cy="731520"/>
           </a:xfrm>
           <a:prstGeom prst="rect">
@@ -7261,7 +7519,7 @@
             <a:pPr algn="ctr">
               <a:defRPr sz="4800" b="1">
                 <a:solidFill>
-                  <a:srgbClr val="0D6B56"/>
+                  <a:srgbClr val="10A37F"/>
                 </a:solidFill>
                 <a:latin typeface="Arial"/>
               </a:defRPr>
@@ -7280,7 +7538,7 @@
         </p:nvSpPr>
         <p:spPr>
           <a:xfrm>
-            <a:off x="0" y="2560320"/>
+            <a:off x="0" y="2743200"/>
             <a:ext cx="12191695" cy="1097280"/>
           </a:xfrm>
           <a:prstGeom prst="rect">
@@ -7295,9 +7553,9 @@
           <a:lstStyle/>
           <a:p>
             <a:pPr algn="ctr">
-              <a:defRPr sz="4000" b="1">
-                <a:solidFill>
-                  <a:srgbClr val="1A1A1A"/>
+              <a:defRPr sz="3600" b="1">
+                <a:solidFill>
+                  <a:srgbClr val="FFFFFF"/>
                 </a:solidFill>
                 <a:latin typeface="Arial"/>
               </a:defRPr>
@@ -7320,8 +7578,8 @@
         </p:nvSpPr>
         <p:spPr>
           <a:xfrm>
-            <a:off x="0" y="4114800"/>
-            <a:ext cx="12191695" cy="548640"/>
+            <a:off x="0" y="4389120"/>
+            <a:ext cx="12191695" cy="457200"/>
           </a:xfrm>
           <a:prstGeom prst="rect">
             <a:avLst/>
@@ -7335,9 +7593,9 @@
           <a:lstStyle/>
           <a:p>
             <a:pPr algn="ctr">
-              <a:defRPr sz="1800" b="0">
-                <a:solidFill>
-                  <a:srgbClr val="4A4A4A"/>
+              <a:defRPr sz="1600" b="0">
+                <a:solidFill>
+                  <a:srgbClr val="A0A0A0"/>
                 </a:solidFill>
                 <a:latin typeface="Arial"/>
               </a:defRPr>
@@ -7356,7 +7614,7 @@
         </p:nvSpPr>
         <p:spPr>
           <a:xfrm>
-            <a:off x="4389120" y="4846320"/>
+            <a:off x="4389120" y="5029200"/>
             <a:ext cx="3383280" cy="640080"/>
           </a:xfrm>
           <a:prstGeom prst="roundRect">
@@ -7399,7 +7657,7 @@
         </p:nvSpPr>
         <p:spPr>
           <a:xfrm>
-            <a:off x="4846320" y="4937760"/>
+            <a:off x="4846320" y="5120640"/>
             <a:ext cx="2560320" cy="457200"/>
           </a:xfrm>
           <a:prstGeom prst="rect">
@@ -7414,7 +7672,7 @@
           <a:lstStyle/>
           <a:p>
             <a:pPr algn="ctr">
-              <a:defRPr sz="1800" b="1">
+              <a:defRPr sz="1600" b="1">
                 <a:solidFill>
                   <a:srgbClr val="FFFFFF"/>
                 </a:solidFill>
@@ -7435,7 +7693,7 @@
         </p:nvSpPr>
         <p:spPr>
           <a:xfrm>
-            <a:off x="0" y="5760720"/>
+            <a:off x="0" y="5943600"/>
             <a:ext cx="12191695" cy="365760"/>
           </a:xfrm>
           <a:prstGeom prst="rect">
@@ -7450,9 +7708,9 @@
           <a:lstStyle/>
           <a:p>
             <a:pPr algn="ctr">
-              <a:defRPr sz="1400" b="0">
-                <a:solidFill>
-                  <a:srgbClr val="4A4A4A"/>
+              <a:defRPr sz="1200" b="0">
+                <a:solidFill>
+                  <a:srgbClr val="A0A0A0"/>
                 </a:solidFill>
                 <a:latin typeface="Arial"/>
               </a:defRPr>
